--- a/40_docs/705-Team10-FinalProject_0412.pptx
+++ b/40_docs/705-Team10-FinalProject_0412.pptx
@@ -12,7 +12,7 @@
     <p:sldId id="258" r:id="rId3"/>
     <p:sldId id="272" r:id="rId4"/>
     <p:sldId id="268" r:id="rId5"/>
-    <p:sldId id="267" r:id="rId6"/>
+    <p:sldId id="279" r:id="rId6"/>
     <p:sldId id="273" r:id="rId7"/>
     <p:sldId id="264" r:id="rId8"/>
   </p:sldIdLst>
@@ -203,7 +203,7 @@
           <a:p>
             <a:fld id="{F4301DF7-1523-A649-B390-8BBF8A9A17E2}" type="datetimeFigureOut">
               <a:rPr kumimoji="1" lang="zh-TW" altLang="en-US" smtClean="0"/>
-              <a:t>2022/4/11</a:t>
+              <a:t>2022/4/12</a:t>
             </a:fld>
             <a:endParaRPr kumimoji="1" lang="zh-TW" altLang="en-US"/>
           </a:p>
@@ -741,6 +741,144 @@
       </p:grpSpPr>
       <p:sp>
         <p:nvSpPr>
+          <p:cNvPr id="2" name="Slide Image Placeholder 1"/>
+          <p:cNvSpPr>
+            <a:spLocks noGrp="1" noRot="1" noChangeAspect="1"/>
+          </p:cNvSpPr>
+          <p:nvPr>
+            <p:ph type="sldImg"/>
+          </p:nvPr>
+        </p:nvSpPr>
+        <p:spPr/>
+      </p:sp>
+      <p:sp>
+        <p:nvSpPr>
+          <p:cNvPr id="3" name="Notes Placeholder 2"/>
+          <p:cNvSpPr>
+            <a:spLocks noGrp="1"/>
+          </p:cNvSpPr>
+          <p:nvPr>
+            <p:ph type="body" idx="1"/>
+          </p:nvPr>
+        </p:nvSpPr>
+        <p:spPr/>
+        <p:txBody>
+          <a:bodyPr/>
+          <a:lstStyle/>
+          <a:p>
+            <a:pPr marL="0" marR="0" lvl="0" indent="0" algn="l" defTabSz="914400" rtl="0" eaLnBrk="1" fontAlgn="auto" latinLnBrk="0" hangingPunct="1">
+              <a:lnSpc>
+                <a:spcPct val="100000"/>
+              </a:lnSpc>
+              <a:spcBef>
+                <a:spcPts val="0"/>
+              </a:spcBef>
+              <a:spcAft>
+                <a:spcPts val="0"/>
+              </a:spcAft>
+              <a:buClrTx/>
+              <a:buSzTx/>
+              <a:buFontTx/>
+              <a:buNone/>
+              <a:tabLst/>
+              <a:defRPr/>
+            </a:pPr>
+            <a:r>
+              <a:rPr lang="en-US" dirty="0"/>
+              <a:t>In order to improve the accuracy of U-net model, we have also used Auto encoder. Since it  also uses data compression and that is why it is more likely to capture even the subtle variations in tumors.</a:t>
+            </a:r>
+          </a:p>
+          <a:p>
+            <a:r>
+              <a:rPr lang="en-US" dirty="0"/>
+              <a:t>From the architecture standpoint, auto encoder is an unsupervised machine learning technique that comprises of encoder and decoder. Encoder helps in compressing an image into a latent space and Decoder helps in predicting the output by retrieving the useful information from the compressed image.</a:t>
+            </a:r>
+          </a:p>
+          <a:p>
+            <a:endParaRPr lang="en-US" dirty="0"/>
+          </a:p>
+          <a:p>
+            <a:r>
+              <a:rPr lang="en-US" dirty="0"/>
+              <a:t>As a loss function, we have used Dice score coefficient. However, even after hyper parameter tuning, we haven’t been able to reduce the validation loss, and currently it is leading to an overfitting problem. During the model training, we also tried implementing distributed model training using </a:t>
+            </a:r>
+            <a:r>
+              <a:rPr lang="en-US" dirty="0" err="1"/>
+              <a:t>tensorflow</a:t>
+            </a:r>
+            <a:r>
+              <a:rPr lang="en-US" dirty="0"/>
+              <a:t> framework However, because of memory issues in </a:t>
+            </a:r>
+            <a:r>
+              <a:rPr lang="en-US" dirty="0" err="1"/>
+              <a:t>Colab</a:t>
+            </a:r>
+            <a:r>
+              <a:rPr lang="en-US" dirty="0"/>
+              <a:t>, we couldn’t leverage cloud interface and its benefits which is another reason why training a model on this high dimensional dataset was challenging. Nonetheless, we still look forward to implementing this model as a next step in out future work.</a:t>
+            </a:r>
+          </a:p>
+          <a:p>
+            <a:endParaRPr lang="en-US" dirty="0"/>
+          </a:p>
+        </p:txBody>
+      </p:sp>
+      <p:sp>
+        <p:nvSpPr>
+          <p:cNvPr id="4" name="Slide Number Placeholder 3"/>
+          <p:cNvSpPr>
+            <a:spLocks noGrp="1"/>
+          </p:cNvSpPr>
+          <p:nvPr>
+            <p:ph type="sldNum" sz="quarter" idx="5"/>
+          </p:nvPr>
+        </p:nvSpPr>
+        <p:spPr/>
+        <p:txBody>
+          <a:bodyPr/>
+          <a:lstStyle/>
+          <a:p>
+            <a:fld id="{45F8D241-1660-2742-8F49-965E4E520E78}" type="slidenum">
+              <a:rPr kumimoji="1" lang="zh-TW" altLang="en-US" smtClean="0"/>
+              <a:t>5</a:t>
+            </a:fld>
+            <a:endParaRPr kumimoji="1" lang="zh-TW" altLang="en-US"/>
+          </a:p>
+        </p:txBody>
+      </p:sp>
+    </p:spTree>
+    <p:extLst>
+      <p:ext uri="{BB962C8B-B14F-4D97-AF65-F5344CB8AC3E}">
+        <p14:creationId xmlns:p14="http://schemas.microsoft.com/office/powerpoint/2010/main" val="2032749120"/>
+      </p:ext>
+    </p:extLst>
+  </p:cSld>
+  <p:clrMapOvr>
+    <a:masterClrMapping/>
+  </p:clrMapOvr>
+</p:notes>
+</file>
+
+<file path=ppt/notesSlides/notesSlide5.xml><?xml version="1.0" encoding="utf-8"?>
+<p:notes xmlns:a="http://schemas.openxmlformats.org/drawingml/2006/main" xmlns:r="http://schemas.openxmlformats.org/officeDocument/2006/relationships" xmlns:p="http://schemas.openxmlformats.org/presentationml/2006/main">
+  <p:cSld>
+    <p:spTree>
+      <p:nvGrpSpPr>
+        <p:cNvPr id="1" name=""/>
+        <p:cNvGrpSpPr/>
+        <p:nvPr/>
+      </p:nvGrpSpPr>
+      <p:grpSpPr>
+        <a:xfrm>
+          <a:off x="0" y="0"/>
+          <a:ext cx="0" cy="0"/>
+          <a:chOff x="0" y="0"/>
+          <a:chExt cx="0" cy="0"/>
+        </a:xfrm>
+      </p:grpSpPr>
+      <p:sp>
+        <p:nvSpPr>
           <p:cNvPr id="2" name="投影片影像版面配置區 1"/>
           <p:cNvSpPr>
             <a:spLocks noGrp="1" noRot="1" noChangeAspect="1"/>
@@ -766,6 +904,24 @@
           <a:bodyPr/>
           <a:lstStyle/>
           <a:p>
+            <a:r>
+              <a:rPr kumimoji="1" lang="en-US" altLang="zh-TW" dirty="0"/>
+              <a:t>1. Proposed method approaching the ground truth, though we can still find some difference in segmenting the tumor core</a:t>
+            </a:r>
+          </a:p>
+          <a:p>
+            <a:r>
+              <a:rPr kumimoji="1" lang="en-US" altLang="zh-TW" dirty="0"/>
+              <a:t>2. Original motivation, identifying tumor cells from the </a:t>
+            </a:r>
+            <a:r>
+              <a:rPr kumimoji="1" lang="en-US" altLang="zh-TW" dirty="0" err="1"/>
+              <a:t>heathly</a:t>
+            </a:r>
+            <a:r>
+              <a:rPr kumimoji="1" lang="en-US" altLang="zh-TW" dirty="0"/>
+              <a:t> cells, the circle columns, we have a reasonable performance in identifying</a:t>
+            </a:r>
             <a:endParaRPr kumimoji="1" lang="zh-TW" altLang="en-US" dirty="0"/>
           </a:p>
         </p:txBody>
@@ -797,6 +953,90 @@
     <p:extLst>
       <p:ext uri="{BB962C8B-B14F-4D97-AF65-F5344CB8AC3E}">
         <p14:creationId xmlns:p14="http://schemas.microsoft.com/office/powerpoint/2010/main" val="1201942781"/>
+      </p:ext>
+    </p:extLst>
+  </p:cSld>
+  <p:clrMapOvr>
+    <a:masterClrMapping/>
+  </p:clrMapOvr>
+</p:notes>
+</file>
+
+<file path=ppt/notesSlides/notesSlide6.xml><?xml version="1.0" encoding="utf-8"?>
+<p:notes xmlns:a="http://schemas.openxmlformats.org/drawingml/2006/main" xmlns:r="http://schemas.openxmlformats.org/officeDocument/2006/relationships" xmlns:p="http://schemas.openxmlformats.org/presentationml/2006/main">
+  <p:cSld>
+    <p:spTree>
+      <p:nvGrpSpPr>
+        <p:cNvPr id="1" name=""/>
+        <p:cNvGrpSpPr/>
+        <p:nvPr/>
+      </p:nvGrpSpPr>
+      <p:grpSpPr>
+        <a:xfrm>
+          <a:off x="0" y="0"/>
+          <a:ext cx="0" cy="0"/>
+          <a:chOff x="0" y="0"/>
+          <a:chExt cx="0" cy="0"/>
+        </a:xfrm>
+      </p:grpSpPr>
+      <p:sp>
+        <p:nvSpPr>
+          <p:cNvPr id="2" name="投影片影像版面配置區 1"/>
+          <p:cNvSpPr>
+            <a:spLocks noGrp="1" noRot="1" noChangeAspect="1"/>
+          </p:cNvSpPr>
+          <p:nvPr>
+            <p:ph type="sldImg"/>
+          </p:nvPr>
+        </p:nvSpPr>
+        <p:spPr/>
+      </p:sp>
+      <p:sp>
+        <p:nvSpPr>
+          <p:cNvPr id="3" name="備忘稿版面配置區 2"/>
+          <p:cNvSpPr>
+            <a:spLocks noGrp="1"/>
+          </p:cNvSpPr>
+          <p:nvPr>
+            <p:ph type="body" idx="1"/>
+          </p:nvPr>
+        </p:nvSpPr>
+        <p:spPr/>
+        <p:txBody>
+          <a:bodyPr/>
+          <a:lstStyle/>
+          <a:p>
+            <a:endParaRPr kumimoji="1" lang="zh-TW" altLang="en-US" dirty="0"/>
+          </a:p>
+        </p:txBody>
+      </p:sp>
+      <p:sp>
+        <p:nvSpPr>
+          <p:cNvPr id="4" name="投影片編號版面配置區 3"/>
+          <p:cNvSpPr>
+            <a:spLocks noGrp="1"/>
+          </p:cNvSpPr>
+          <p:nvPr>
+            <p:ph type="sldNum" sz="quarter" idx="5"/>
+          </p:nvPr>
+        </p:nvSpPr>
+        <p:spPr/>
+        <p:txBody>
+          <a:bodyPr/>
+          <a:lstStyle/>
+          <a:p>
+            <a:fld id="{45F8D241-1660-2742-8F49-965E4E520E78}" type="slidenum">
+              <a:rPr kumimoji="1" lang="zh-TW" altLang="en-US" smtClean="0"/>
+              <a:t>7</a:t>
+            </a:fld>
+            <a:endParaRPr kumimoji="1" lang="zh-TW" altLang="en-US"/>
+          </a:p>
+        </p:txBody>
+      </p:sp>
+    </p:spTree>
+    <p:extLst>
+      <p:ext uri="{BB962C8B-B14F-4D97-AF65-F5344CB8AC3E}">
+        <p14:creationId xmlns:p14="http://schemas.microsoft.com/office/powerpoint/2010/main" val="996332477"/>
       </p:ext>
     </p:extLst>
   </p:cSld>
@@ -955,7 +1195,7 @@
           <a:p>
             <a:fld id="{A8E47153-B658-BC4A-BAE9-B6A78E9A8566}" type="datetimeFigureOut">
               <a:rPr lang="en-US" smtClean="0"/>
-              <a:t>4/11/22</a:t>
+              <a:t>4/12/22</a:t>
             </a:fld>
             <a:endParaRPr lang="en-US"/>
           </a:p>
@@ -1155,7 +1395,7 @@
           <a:p>
             <a:fld id="{A8E47153-B658-BC4A-BAE9-B6A78E9A8566}" type="datetimeFigureOut">
               <a:rPr lang="en-US" smtClean="0"/>
-              <a:t>4/11/22</a:t>
+              <a:t>4/12/22</a:t>
             </a:fld>
             <a:endParaRPr lang="en-US"/>
           </a:p>
@@ -1365,7 +1605,7 @@
           <a:p>
             <a:fld id="{A8E47153-B658-BC4A-BAE9-B6A78E9A8566}" type="datetimeFigureOut">
               <a:rPr lang="en-US" smtClean="0"/>
-              <a:t>4/11/22</a:t>
+              <a:t>4/12/22</a:t>
             </a:fld>
             <a:endParaRPr lang="en-US"/>
           </a:p>
@@ -1565,7 +1805,7 @@
           <a:p>
             <a:fld id="{A8E47153-B658-BC4A-BAE9-B6A78E9A8566}" type="datetimeFigureOut">
               <a:rPr lang="en-US" smtClean="0"/>
-              <a:t>4/11/22</a:t>
+              <a:t>4/12/22</a:t>
             </a:fld>
             <a:endParaRPr lang="en-US"/>
           </a:p>
@@ -1841,7 +2081,7 @@
           <a:p>
             <a:fld id="{A8E47153-B658-BC4A-BAE9-B6A78E9A8566}" type="datetimeFigureOut">
               <a:rPr lang="en-US" smtClean="0"/>
-              <a:t>4/11/22</a:t>
+              <a:t>4/12/22</a:t>
             </a:fld>
             <a:endParaRPr lang="en-US"/>
           </a:p>
@@ -2109,7 +2349,7 @@
           <a:p>
             <a:fld id="{A8E47153-B658-BC4A-BAE9-B6A78E9A8566}" type="datetimeFigureOut">
               <a:rPr lang="en-US" smtClean="0"/>
-              <a:t>4/11/22</a:t>
+              <a:t>4/12/22</a:t>
             </a:fld>
             <a:endParaRPr lang="en-US"/>
           </a:p>
@@ -2524,7 +2764,7 @@
           <a:p>
             <a:fld id="{A8E47153-B658-BC4A-BAE9-B6A78E9A8566}" type="datetimeFigureOut">
               <a:rPr lang="en-US" smtClean="0"/>
-              <a:t>4/11/22</a:t>
+              <a:t>4/12/22</a:t>
             </a:fld>
             <a:endParaRPr lang="en-US"/>
           </a:p>
@@ -2666,7 +2906,7 @@
           <a:p>
             <a:fld id="{A8E47153-B658-BC4A-BAE9-B6A78E9A8566}" type="datetimeFigureOut">
               <a:rPr lang="en-US" smtClean="0"/>
-              <a:t>4/11/22</a:t>
+              <a:t>4/12/22</a:t>
             </a:fld>
             <a:endParaRPr lang="en-US"/>
           </a:p>
@@ -2779,7 +3019,7 @@
           <a:p>
             <a:fld id="{A8E47153-B658-BC4A-BAE9-B6A78E9A8566}" type="datetimeFigureOut">
               <a:rPr lang="en-US" smtClean="0"/>
-              <a:t>4/11/22</a:t>
+              <a:t>4/12/22</a:t>
             </a:fld>
             <a:endParaRPr lang="en-US"/>
           </a:p>
@@ -3092,7 +3332,7 @@
           <a:p>
             <a:fld id="{A8E47153-B658-BC4A-BAE9-B6A78E9A8566}" type="datetimeFigureOut">
               <a:rPr lang="en-US" smtClean="0"/>
-              <a:t>4/11/22</a:t>
+              <a:t>4/12/22</a:t>
             </a:fld>
             <a:endParaRPr lang="en-US"/>
           </a:p>
@@ -3385,7 +3625,7 @@
           <a:p>
             <a:fld id="{A8E47153-B658-BC4A-BAE9-B6A78E9A8566}" type="datetimeFigureOut">
               <a:rPr lang="en-US" smtClean="0"/>
-              <a:t>4/11/22</a:t>
+              <a:t>4/12/22</a:t>
             </a:fld>
             <a:endParaRPr lang="en-US"/>
           </a:p>
@@ -3637,7 +3877,7 @@
           <a:p>
             <a:fld id="{A8E47153-B658-BC4A-BAE9-B6A78E9A8566}" type="datetimeFigureOut">
               <a:rPr lang="en-US" smtClean="0"/>
-              <a:t>4/11/22</a:t>
+              <a:t>4/12/22</a:t>
             </a:fld>
             <a:endParaRPr lang="en-US"/>
           </a:p>
@@ -5462,8 +5702,8 @@
               <a:chExt cx="2260606" cy="2070118"/>
             </a:xfrm>
           </p:grpSpPr>
-          <mc:AlternateContent xmlns:mc="http://schemas.openxmlformats.org/markup-compatibility/2006">
-            <mc:Choice xmlns:a14="http://schemas.microsoft.com/office/drawing/2010/main" Requires="a14">
+          <mc:AlternateContent xmlns:mc="http://schemas.openxmlformats.org/markup-compatibility/2006" xmlns:a14="http://schemas.microsoft.com/office/drawing/2010/main">
+            <mc:Choice Requires="a14">
               <p:sp>
                 <p:nvSpPr>
                   <p:cNvPr id="12" name="文字方塊 11">
@@ -5492,6 +5732,7 @@
                   </a:bodyPr>
                   <a:lstStyle/>
                   <a:p>
+                    <a:pPr/>
                     <a14:m>
                       <m:oMathPara xmlns:m="http://schemas.openxmlformats.org/officeDocument/2006/math">
                         <m:oMathParaPr>
@@ -5757,7 +5998,7 @@
                 </p:txBody>
               </p:sp>
             </mc:Choice>
-            <mc:Fallback>
+            <mc:Fallback xmlns="">
               <p:sp>
                 <p:nvSpPr>
                   <p:cNvPr id="12" name="文字方塊 11">
@@ -5802,8 +6043,8 @@
               </p:sp>
             </mc:Fallback>
           </mc:AlternateContent>
-          <mc:AlternateContent xmlns:mc="http://schemas.openxmlformats.org/markup-compatibility/2006">
-            <mc:Choice xmlns:a14="http://schemas.microsoft.com/office/drawing/2010/main" Requires="a14">
+          <mc:AlternateContent xmlns:mc="http://schemas.openxmlformats.org/markup-compatibility/2006" xmlns:a14="http://schemas.microsoft.com/office/drawing/2010/main">
+            <mc:Choice Requires="a14">
               <p:sp>
                 <p:nvSpPr>
                   <p:cNvPr id="15" name="文字方塊 14">
@@ -5832,6 +6073,7 @@
                   </a:bodyPr>
                   <a:lstStyle/>
                   <a:p>
+                    <a:pPr/>
                     <a14:m>
                       <m:oMathPara xmlns:m="http://schemas.openxmlformats.org/officeDocument/2006/math">
                         <m:oMathParaPr>
@@ -6097,7 +6339,7 @@
                 </p:txBody>
               </p:sp>
             </mc:Choice>
-            <mc:Fallback>
+            <mc:Fallback xmlns="">
               <p:sp>
                 <p:nvSpPr>
                   <p:cNvPr id="15" name="文字方塊 14">
@@ -11466,8 +11708,8 @@
         </p:nvSpPr>
         <p:spPr>
           <a:xfrm>
-            <a:off x="4431234" y="1267757"/>
-            <a:ext cx="2640210" cy="276999"/>
+            <a:off x="3120621" y="1700153"/>
+            <a:ext cx="1132041" cy="276999"/>
           </a:xfrm>
           <a:prstGeom prst="rect">
             <a:avLst/>
@@ -11481,10 +11723,10 @@
           <a:lstStyle/>
           <a:p>
             <a:r>
-              <a:rPr kumimoji="1" lang="en-US" altLang="zh-TW" sz="1200" dirty="0"/>
-              <a:t>(voxels of width and height; slices: 155)</a:t>
+              <a:rPr lang="en-IN" altLang="zh-TW" sz="1200" dirty="0"/>
+              <a:t>(240, 240, 155)</a:t>
             </a:r>
-            <a:endParaRPr kumimoji="1" lang="zh-TW" altLang="en-US" sz="1200" dirty="0"/>
+            <a:endParaRPr lang="en-US" altLang="zh-TW" sz="1200" dirty="0"/>
           </a:p>
         </p:txBody>
       </p:sp>
@@ -11520,4095 +11762,6 @@
       </p:grpSpPr>
       <p:sp>
         <p:nvSpPr>
-          <p:cNvPr id="33" name="不規則四邊形 32">
-            <a:extLst>
-              <a:ext uri="{FF2B5EF4-FFF2-40B4-BE49-F238E27FC236}">
-                <a16:creationId xmlns:a16="http://schemas.microsoft.com/office/drawing/2014/main" id="{C21A4263-68EC-4B40-84FC-F3AA8FF838A4}"/>
-              </a:ext>
-            </a:extLst>
-          </p:cNvPr>
-          <p:cNvSpPr/>
-          <p:nvPr/>
-        </p:nvSpPr>
-        <p:spPr>
-          <a:xfrm rot="7816759">
-            <a:off x="4894772" y="237249"/>
-            <a:ext cx="1614249" cy="5336351"/>
-          </a:xfrm>
-          <a:prstGeom prst="trapezoid">
-            <a:avLst>
-              <a:gd name="adj" fmla="val 25930"/>
-            </a:avLst>
-          </a:prstGeom>
-          <a:solidFill>
-            <a:schemeClr val="tx1">
-              <a:lumMod val="10000"/>
-              <a:lumOff val="90000"/>
-            </a:schemeClr>
-          </a:solidFill>
-          <a:ln>
-            <a:noFill/>
-          </a:ln>
-        </p:spPr>
-        <p:style>
-          <a:lnRef idx="2">
-            <a:schemeClr val="accent1">
-              <a:shade val="50000"/>
-            </a:schemeClr>
-          </a:lnRef>
-          <a:fillRef idx="1">
-            <a:schemeClr val="accent1"/>
-          </a:fillRef>
-          <a:effectRef idx="0">
-            <a:schemeClr val="accent1"/>
-          </a:effectRef>
-          <a:fontRef idx="minor">
-            <a:schemeClr val="lt1"/>
-          </a:fontRef>
-        </p:style>
-        <p:txBody>
-          <a:bodyPr rtlCol="0" anchor="ctr"/>
-          <a:lstStyle/>
-          <a:p>
-            <a:pPr algn="ctr"/>
-            <a:endParaRPr kumimoji="1" lang="zh-TW" altLang="en-US" dirty="0"/>
-          </a:p>
-        </p:txBody>
-      </p:sp>
-      <p:grpSp>
-        <p:nvGrpSpPr>
-          <p:cNvPr id="31" name="群組 30">
-            <a:extLst>
-              <a:ext uri="{FF2B5EF4-FFF2-40B4-BE49-F238E27FC236}">
-                <a16:creationId xmlns:a16="http://schemas.microsoft.com/office/drawing/2014/main" id="{77FC66A2-1875-EC43-892E-FB2B4DF8BAB7}"/>
-              </a:ext>
-            </a:extLst>
-          </p:cNvPr>
-          <p:cNvGrpSpPr/>
-          <p:nvPr/>
-        </p:nvGrpSpPr>
-        <p:grpSpPr>
-          <a:xfrm>
-            <a:off x="6735665" y="5247380"/>
-            <a:ext cx="3938088" cy="1261554"/>
-            <a:chOff x="8216201" y="5284486"/>
-            <a:chExt cx="3938088" cy="1261554"/>
-          </a:xfrm>
-        </p:grpSpPr>
-        <p:sp>
-          <p:nvSpPr>
-            <p:cNvPr id="52" name="橢圓 51">
-              <a:extLst>
-                <a:ext uri="{FF2B5EF4-FFF2-40B4-BE49-F238E27FC236}">
-                  <a16:creationId xmlns:a16="http://schemas.microsoft.com/office/drawing/2014/main" id="{23188802-D81A-9446-8111-E52B11BA15E3}"/>
-                </a:ext>
-              </a:extLst>
-            </p:cNvPr>
-            <p:cNvSpPr/>
-            <p:nvPr/>
-          </p:nvSpPr>
-          <p:spPr>
-            <a:xfrm>
-              <a:off x="8216201" y="5679016"/>
-              <a:ext cx="180000" cy="180000"/>
-            </a:xfrm>
-            <a:prstGeom prst="ellipse">
-              <a:avLst/>
-            </a:prstGeom>
-            <a:solidFill>
-              <a:schemeClr val="accent2"/>
-            </a:solidFill>
-            <a:ln>
-              <a:noFill/>
-            </a:ln>
-          </p:spPr>
-          <p:style>
-            <a:lnRef idx="2">
-              <a:schemeClr val="accent1">
-                <a:shade val="50000"/>
-              </a:schemeClr>
-            </a:lnRef>
-            <a:fillRef idx="1">
-              <a:schemeClr val="accent1"/>
-            </a:fillRef>
-            <a:effectRef idx="0">
-              <a:schemeClr val="accent1"/>
-            </a:effectRef>
-            <a:fontRef idx="minor">
-              <a:schemeClr val="lt1"/>
-            </a:fontRef>
-          </p:style>
-          <p:txBody>
-            <a:bodyPr rtlCol="0" anchor="ctr"/>
-            <a:lstStyle/>
-            <a:p>
-              <a:pPr algn="ctr"/>
-              <a:endParaRPr kumimoji="1" lang="zh-TW" altLang="en-US"/>
-            </a:p>
-          </p:txBody>
-        </p:sp>
-        <p:sp>
-          <p:nvSpPr>
-            <p:cNvPr id="53" name="橢圓 52">
-              <a:extLst>
-                <a:ext uri="{FF2B5EF4-FFF2-40B4-BE49-F238E27FC236}">
-                  <a16:creationId xmlns:a16="http://schemas.microsoft.com/office/drawing/2014/main" id="{48A7602A-1454-434E-A76C-7B99D2190EB8}"/>
-                </a:ext>
-              </a:extLst>
-            </p:cNvPr>
-            <p:cNvSpPr/>
-            <p:nvPr/>
-          </p:nvSpPr>
-          <p:spPr>
-            <a:xfrm>
-              <a:off x="8216201" y="6015463"/>
-              <a:ext cx="180000" cy="180000"/>
-            </a:xfrm>
-            <a:prstGeom prst="ellipse">
-              <a:avLst/>
-            </a:prstGeom>
-            <a:solidFill>
-              <a:srgbClr val="92D050"/>
-            </a:solidFill>
-            <a:ln>
-              <a:noFill/>
-            </a:ln>
-          </p:spPr>
-          <p:style>
-            <a:lnRef idx="2">
-              <a:schemeClr val="accent1">
-                <a:shade val="50000"/>
-              </a:schemeClr>
-            </a:lnRef>
-            <a:fillRef idx="1">
-              <a:schemeClr val="accent1"/>
-            </a:fillRef>
-            <a:effectRef idx="0">
-              <a:schemeClr val="accent1"/>
-            </a:effectRef>
-            <a:fontRef idx="minor">
-              <a:schemeClr val="lt1"/>
-            </a:fontRef>
-          </p:style>
-          <p:txBody>
-            <a:bodyPr rtlCol="0" anchor="ctr"/>
-            <a:lstStyle/>
-            <a:p>
-              <a:pPr algn="ctr"/>
-              <a:endParaRPr kumimoji="1" lang="zh-TW" altLang="en-US"/>
-            </a:p>
-          </p:txBody>
-        </p:sp>
-        <p:sp>
-          <p:nvSpPr>
-            <p:cNvPr id="127" name="橢圓 126">
-              <a:extLst>
-                <a:ext uri="{FF2B5EF4-FFF2-40B4-BE49-F238E27FC236}">
-                  <a16:creationId xmlns:a16="http://schemas.microsoft.com/office/drawing/2014/main" id="{6C0A049E-23ED-A24D-B722-513D9E729442}"/>
-                </a:ext>
-              </a:extLst>
-            </p:cNvPr>
-            <p:cNvSpPr/>
-            <p:nvPr/>
-          </p:nvSpPr>
-          <p:spPr>
-            <a:xfrm>
-              <a:off x="8216201" y="5339745"/>
-              <a:ext cx="180000" cy="180000"/>
-            </a:xfrm>
-            <a:prstGeom prst="ellipse">
-              <a:avLst/>
-            </a:prstGeom>
-            <a:solidFill>
-              <a:schemeClr val="accent4"/>
-            </a:solidFill>
-            <a:ln>
-              <a:noFill/>
-            </a:ln>
-          </p:spPr>
-          <p:style>
-            <a:lnRef idx="2">
-              <a:schemeClr val="accent1">
-                <a:shade val="50000"/>
-              </a:schemeClr>
-            </a:lnRef>
-            <a:fillRef idx="1">
-              <a:schemeClr val="accent1"/>
-            </a:fillRef>
-            <a:effectRef idx="0">
-              <a:schemeClr val="accent1"/>
-            </a:effectRef>
-            <a:fontRef idx="minor">
-              <a:schemeClr val="lt1"/>
-            </a:fontRef>
-          </p:style>
-          <p:txBody>
-            <a:bodyPr rtlCol="0" anchor="ctr"/>
-            <a:lstStyle/>
-            <a:p>
-              <a:pPr algn="ctr"/>
-              <a:endParaRPr kumimoji="1" lang="zh-TW" altLang="en-US"/>
-            </a:p>
-          </p:txBody>
-        </p:sp>
-        <p:sp>
-          <p:nvSpPr>
-            <p:cNvPr id="128" name="文字方塊 127">
-              <a:extLst>
-                <a:ext uri="{FF2B5EF4-FFF2-40B4-BE49-F238E27FC236}">
-                  <a16:creationId xmlns:a16="http://schemas.microsoft.com/office/drawing/2014/main" id="{6AB0A6E3-1896-1D4A-9438-85E7B960F577}"/>
-                </a:ext>
-              </a:extLst>
-            </p:cNvPr>
-            <p:cNvSpPr txBox="1"/>
-            <p:nvPr/>
-          </p:nvSpPr>
-          <p:spPr>
-            <a:xfrm>
-              <a:off x="8361826" y="5284486"/>
-              <a:ext cx="3120791" cy="276999"/>
-            </a:xfrm>
-            <a:prstGeom prst="rect">
-              <a:avLst/>
-            </a:prstGeom>
-            <a:noFill/>
-          </p:spPr>
-          <p:txBody>
-            <a:bodyPr wrap="none" rtlCol="0">
-              <a:spAutoFit/>
-            </a:bodyPr>
-            <a:lstStyle/>
-            <a:p>
-              <a:r>
-                <a:rPr kumimoji="1" lang="en-US" altLang="zh-TW" sz="1200" b="1" dirty="0"/>
-                <a:t>3x3x3 Conv – stride 1,1,1 – </a:t>
-              </a:r>
-              <a:r>
-                <a:rPr kumimoji="1" lang="en-US" altLang="zh-TW" sz="1200" b="1" dirty="0" err="1"/>
-                <a:t>ReLU</a:t>
-              </a:r>
-              <a:r>
-                <a:rPr kumimoji="1" lang="en-US" altLang="zh-TW" sz="1200" b="1" dirty="0"/>
-                <a:t> – </a:t>
-              </a:r>
-              <a:r>
-                <a:rPr kumimoji="1" lang="en-US" altLang="zh-TW" sz="1200" b="1" dirty="0" err="1"/>
-                <a:t>BatchNorm</a:t>
-              </a:r>
-              <a:endParaRPr kumimoji="1" lang="zh-TW" altLang="en-US" sz="1200" b="1" dirty="0"/>
-            </a:p>
-          </p:txBody>
-        </p:sp>
-        <p:sp>
-          <p:nvSpPr>
-            <p:cNvPr id="130" name="文字方塊 129">
-              <a:extLst>
-                <a:ext uri="{FF2B5EF4-FFF2-40B4-BE49-F238E27FC236}">
-                  <a16:creationId xmlns:a16="http://schemas.microsoft.com/office/drawing/2014/main" id="{D582DF62-3422-5C4A-B370-EF8EB7DFB7A1}"/>
-                </a:ext>
-              </a:extLst>
-            </p:cNvPr>
-            <p:cNvSpPr txBox="1"/>
-            <p:nvPr/>
-          </p:nvSpPr>
-          <p:spPr>
-            <a:xfrm>
-              <a:off x="8366605" y="5622572"/>
-              <a:ext cx="3120791" cy="276999"/>
-            </a:xfrm>
-            <a:prstGeom prst="rect">
-              <a:avLst/>
-            </a:prstGeom>
-            <a:noFill/>
-          </p:spPr>
-          <p:txBody>
-            <a:bodyPr wrap="none" rtlCol="0">
-              <a:spAutoFit/>
-            </a:bodyPr>
-            <a:lstStyle/>
-            <a:p>
-              <a:r>
-                <a:rPr kumimoji="1" lang="en-US" altLang="zh-TW" sz="1200" b="1" dirty="0"/>
-                <a:t>3x3x3 Conv – stride 2,2,2 – </a:t>
-              </a:r>
-              <a:r>
-                <a:rPr kumimoji="1" lang="en-US" altLang="zh-TW" sz="1200" b="1" dirty="0" err="1"/>
-                <a:t>ReLU</a:t>
-              </a:r>
-              <a:r>
-                <a:rPr kumimoji="1" lang="en-US" altLang="zh-TW" sz="1200" b="1" dirty="0"/>
-                <a:t> – </a:t>
-              </a:r>
-              <a:r>
-                <a:rPr kumimoji="1" lang="en-US" altLang="zh-TW" sz="1200" b="1" dirty="0" err="1"/>
-                <a:t>BatchNorm</a:t>
-              </a:r>
-              <a:endParaRPr kumimoji="1" lang="zh-TW" altLang="en-US" sz="1200" b="1" dirty="0"/>
-            </a:p>
-          </p:txBody>
-        </p:sp>
-        <p:sp>
-          <p:nvSpPr>
-            <p:cNvPr id="131" name="文字方塊 130">
-              <a:extLst>
-                <a:ext uri="{FF2B5EF4-FFF2-40B4-BE49-F238E27FC236}">
-                  <a16:creationId xmlns:a16="http://schemas.microsoft.com/office/drawing/2014/main" id="{F0794AA9-D32E-864A-8DD5-A4059FC5A6C2}"/>
-                </a:ext>
-              </a:extLst>
-            </p:cNvPr>
-            <p:cNvSpPr txBox="1"/>
-            <p:nvPr/>
-          </p:nvSpPr>
-          <p:spPr>
-            <a:xfrm>
-              <a:off x="8353890" y="5956015"/>
-              <a:ext cx="3800399" cy="276999"/>
-            </a:xfrm>
-            <a:prstGeom prst="rect">
-              <a:avLst/>
-            </a:prstGeom>
-            <a:noFill/>
-          </p:spPr>
-          <p:txBody>
-            <a:bodyPr wrap="none" rtlCol="0">
-              <a:spAutoFit/>
-            </a:bodyPr>
-            <a:lstStyle/>
-            <a:p>
-              <a:r>
-                <a:rPr kumimoji="1" lang="en-US" altLang="zh-TW" sz="1200" b="1" dirty="0"/>
-                <a:t>3x3x3 Transpose Conv – stride 1,1,1 – </a:t>
-              </a:r>
-              <a:r>
-                <a:rPr kumimoji="1" lang="en-US" altLang="zh-TW" sz="1200" b="1" dirty="0" err="1"/>
-                <a:t>ReLU</a:t>
-              </a:r>
-              <a:r>
-                <a:rPr kumimoji="1" lang="en-US" altLang="zh-TW" sz="1200" b="1" dirty="0"/>
-                <a:t> – </a:t>
-              </a:r>
-              <a:r>
-                <a:rPr kumimoji="1" lang="en-US" altLang="zh-TW" sz="1200" b="1" dirty="0" err="1"/>
-                <a:t>BatchNorm</a:t>
-              </a:r>
-              <a:endParaRPr kumimoji="1" lang="zh-TW" altLang="en-US" sz="1200" b="1" dirty="0"/>
-            </a:p>
-          </p:txBody>
-        </p:sp>
-        <p:sp>
-          <p:nvSpPr>
-            <p:cNvPr id="110" name="橢圓 109">
-              <a:extLst>
-                <a:ext uri="{FF2B5EF4-FFF2-40B4-BE49-F238E27FC236}">
-                  <a16:creationId xmlns:a16="http://schemas.microsoft.com/office/drawing/2014/main" id="{7ED93B24-D45B-0644-863B-5031A1F34028}"/>
-                </a:ext>
-              </a:extLst>
-            </p:cNvPr>
-            <p:cNvSpPr/>
-            <p:nvPr/>
-          </p:nvSpPr>
-          <p:spPr>
-            <a:xfrm>
-              <a:off x="8216201" y="6328489"/>
-              <a:ext cx="180000" cy="180000"/>
-            </a:xfrm>
-            <a:prstGeom prst="ellipse">
-              <a:avLst/>
-            </a:prstGeom>
-            <a:solidFill>
-              <a:schemeClr val="accent5"/>
-            </a:solidFill>
-            <a:ln>
-              <a:noFill/>
-            </a:ln>
-          </p:spPr>
-          <p:style>
-            <a:lnRef idx="2">
-              <a:schemeClr val="accent1">
-                <a:shade val="50000"/>
-              </a:schemeClr>
-            </a:lnRef>
-            <a:fillRef idx="1">
-              <a:schemeClr val="accent1"/>
-            </a:fillRef>
-            <a:effectRef idx="0">
-              <a:schemeClr val="accent1"/>
-            </a:effectRef>
-            <a:fontRef idx="minor">
-              <a:schemeClr val="lt1"/>
-            </a:fontRef>
-          </p:style>
-          <p:txBody>
-            <a:bodyPr rtlCol="0" anchor="ctr"/>
-            <a:lstStyle/>
-            <a:p>
-              <a:pPr algn="ctr"/>
-              <a:endParaRPr kumimoji="1" lang="zh-TW" altLang="en-US"/>
-            </a:p>
-          </p:txBody>
-        </p:sp>
-        <p:sp>
-          <p:nvSpPr>
-            <p:cNvPr id="112" name="文字方塊 111">
-              <a:extLst>
-                <a:ext uri="{FF2B5EF4-FFF2-40B4-BE49-F238E27FC236}">
-                  <a16:creationId xmlns:a16="http://schemas.microsoft.com/office/drawing/2014/main" id="{44EC1EBC-261C-9B41-AD3D-9A7A7F6C0789}"/>
-                </a:ext>
-              </a:extLst>
-            </p:cNvPr>
-            <p:cNvSpPr txBox="1"/>
-            <p:nvPr/>
-          </p:nvSpPr>
-          <p:spPr>
-            <a:xfrm>
-              <a:off x="8353890" y="6269041"/>
-              <a:ext cx="3800399" cy="276999"/>
-            </a:xfrm>
-            <a:prstGeom prst="rect">
-              <a:avLst/>
-            </a:prstGeom>
-            <a:noFill/>
-          </p:spPr>
-          <p:txBody>
-            <a:bodyPr wrap="none" rtlCol="0">
-              <a:spAutoFit/>
-            </a:bodyPr>
-            <a:lstStyle/>
-            <a:p>
-              <a:r>
-                <a:rPr kumimoji="1" lang="en-US" altLang="zh-TW" sz="1200" b="1" dirty="0"/>
-                <a:t>3x3x3 Transpose Conv – stride 2,2,2 – </a:t>
-              </a:r>
-              <a:r>
-                <a:rPr kumimoji="1" lang="en-US" altLang="zh-TW" sz="1200" b="1" dirty="0" err="1"/>
-                <a:t>ReLU</a:t>
-              </a:r>
-              <a:r>
-                <a:rPr kumimoji="1" lang="en-US" altLang="zh-TW" sz="1200" b="1" dirty="0"/>
-                <a:t> – </a:t>
-              </a:r>
-              <a:r>
-                <a:rPr kumimoji="1" lang="en-US" altLang="zh-TW" sz="1200" b="1" dirty="0" err="1"/>
-                <a:t>BatchNorm</a:t>
-              </a:r>
-              <a:endParaRPr kumimoji="1" lang="zh-TW" altLang="en-US" sz="1200" b="1" dirty="0"/>
-            </a:p>
-          </p:txBody>
-        </p:sp>
-      </p:grpSp>
-      <p:grpSp>
-        <p:nvGrpSpPr>
-          <p:cNvPr id="35" name="群組 34">
-            <a:extLst>
-              <a:ext uri="{FF2B5EF4-FFF2-40B4-BE49-F238E27FC236}">
-                <a16:creationId xmlns:a16="http://schemas.microsoft.com/office/drawing/2014/main" id="{A279FE43-C234-3146-AB82-552374163628}"/>
-              </a:ext>
-            </a:extLst>
-          </p:cNvPr>
-          <p:cNvGrpSpPr>
-            <a:grpSpLocks noChangeAspect="1"/>
-          </p:cNvGrpSpPr>
-          <p:nvPr/>
-        </p:nvGrpSpPr>
-        <p:grpSpPr>
-          <a:xfrm>
-            <a:off x="3898039" y="266941"/>
-            <a:ext cx="7981785" cy="4573782"/>
-            <a:chOff x="149178" y="109883"/>
-            <a:chExt cx="10193365" cy="5841267"/>
-          </a:xfrm>
-        </p:grpSpPr>
-        <p:cxnSp>
-          <p:nvCxnSpPr>
-            <p:cNvPr id="118" name="肘形接點 117">
-              <a:extLst>
-                <a:ext uri="{FF2B5EF4-FFF2-40B4-BE49-F238E27FC236}">
-                  <a16:creationId xmlns:a16="http://schemas.microsoft.com/office/drawing/2014/main" id="{7A22C910-BD96-B149-8358-7156F7DCB80A}"/>
-                </a:ext>
-              </a:extLst>
-            </p:cNvPr>
-            <p:cNvCxnSpPr>
-              <a:cxnSpLocks/>
-            </p:cNvCxnSpPr>
-            <p:nvPr/>
-          </p:nvCxnSpPr>
-          <p:spPr>
-            <a:xfrm flipV="1">
-              <a:off x="6314061" y="5210737"/>
-              <a:ext cx="598650" cy="407080"/>
-            </a:xfrm>
-            <a:prstGeom prst="bentConnector3">
-              <a:avLst>
-                <a:gd name="adj1" fmla="val 99539"/>
-              </a:avLst>
-            </a:prstGeom>
-            <a:ln>
-              <a:tailEnd type="triangle"/>
-            </a:ln>
-          </p:spPr>
-          <p:style>
-            <a:lnRef idx="1">
-              <a:schemeClr val="accent1"/>
-            </a:lnRef>
-            <a:fillRef idx="0">
-              <a:schemeClr val="accent1"/>
-            </a:fillRef>
-            <a:effectRef idx="0">
-              <a:schemeClr val="accent1"/>
-            </a:effectRef>
-            <a:fontRef idx="minor">
-              <a:schemeClr val="tx1"/>
-            </a:fontRef>
-          </p:style>
-        </p:cxnSp>
-        <p:grpSp>
-          <p:nvGrpSpPr>
-            <p:cNvPr id="40" name="群組 39">
-              <a:extLst>
-                <a:ext uri="{FF2B5EF4-FFF2-40B4-BE49-F238E27FC236}">
-                  <a16:creationId xmlns:a16="http://schemas.microsoft.com/office/drawing/2014/main" id="{5030E3FC-C948-F744-BD68-C61B749F2C2B}"/>
-                </a:ext>
-              </a:extLst>
-            </p:cNvPr>
-            <p:cNvGrpSpPr/>
-            <p:nvPr/>
-          </p:nvGrpSpPr>
-          <p:grpSpPr>
-            <a:xfrm>
-              <a:off x="149178" y="190002"/>
-              <a:ext cx="535724" cy="1808165"/>
-              <a:chOff x="714295" y="1660091"/>
-              <a:chExt cx="535724" cy="1808165"/>
-            </a:xfrm>
-          </p:grpSpPr>
-          <p:sp>
-            <p:nvSpPr>
-              <p:cNvPr id="4" name="矩形 3">
-                <a:extLst>
-                  <a:ext uri="{FF2B5EF4-FFF2-40B4-BE49-F238E27FC236}">
-                    <a16:creationId xmlns:a16="http://schemas.microsoft.com/office/drawing/2014/main" id="{4453805B-11F0-2E47-9731-88FBF7B43B95}"/>
-                  </a:ext>
-                </a:extLst>
-              </p:cNvPr>
-              <p:cNvSpPr/>
-              <p:nvPr/>
-            </p:nvSpPr>
-            <p:spPr>
-              <a:xfrm>
-                <a:off x="1034062" y="2021775"/>
-                <a:ext cx="54000" cy="1152000"/>
-              </a:xfrm>
-              <a:prstGeom prst="rect">
-                <a:avLst/>
-              </a:prstGeom>
-              <a:solidFill>
-                <a:schemeClr val="tx1"/>
-              </a:solidFill>
-              <a:ln>
-                <a:noFill/>
-              </a:ln>
-            </p:spPr>
-            <p:style>
-              <a:lnRef idx="2">
-                <a:schemeClr val="accent1">
-                  <a:shade val="50000"/>
-                </a:schemeClr>
-              </a:lnRef>
-              <a:fillRef idx="1">
-                <a:schemeClr val="accent1"/>
-              </a:fillRef>
-              <a:effectRef idx="0">
-                <a:schemeClr val="accent1"/>
-              </a:effectRef>
-              <a:fontRef idx="minor">
-                <a:schemeClr val="lt1"/>
-              </a:fontRef>
-            </p:style>
-            <p:txBody>
-              <a:bodyPr rtlCol="0" anchor="ctr"/>
-              <a:lstStyle/>
-              <a:p>
-                <a:pPr algn="ctr"/>
-                <a:endParaRPr kumimoji="1" lang="zh-TW" altLang="en-US" dirty="0"/>
-              </a:p>
-            </p:txBody>
-          </p:sp>
-          <p:sp>
-            <p:nvSpPr>
-              <p:cNvPr id="5" name="文字方塊 4">
-                <a:extLst>
-                  <a:ext uri="{FF2B5EF4-FFF2-40B4-BE49-F238E27FC236}">
-                    <a16:creationId xmlns:a16="http://schemas.microsoft.com/office/drawing/2014/main" id="{BFD1F150-4A9A-4041-AA13-9F19CF04BA1D}"/>
-                  </a:ext>
-                </a:extLst>
-              </p:cNvPr>
-              <p:cNvSpPr txBox="1"/>
-              <p:nvPr/>
-            </p:nvSpPr>
-            <p:spPr>
-              <a:xfrm>
-                <a:off x="714295" y="3098924"/>
-                <a:ext cx="535724" cy="369332"/>
-              </a:xfrm>
-              <a:prstGeom prst="rect">
-                <a:avLst/>
-              </a:prstGeom>
-              <a:noFill/>
-            </p:spPr>
-            <p:txBody>
-              <a:bodyPr wrap="none" rtlCol="0">
-                <a:spAutoFit/>
-              </a:bodyPr>
-              <a:lstStyle/>
-              <a:p>
-                <a:r>
-                  <a:rPr kumimoji="1" lang="en-US" altLang="zh-TW" dirty="0"/>
-                  <a:t>240</a:t>
-                </a:r>
-              </a:p>
-            </p:txBody>
-          </p:sp>
-          <p:sp>
-            <p:nvSpPr>
-              <p:cNvPr id="6" name="文字方塊 5">
-                <a:extLst>
-                  <a:ext uri="{FF2B5EF4-FFF2-40B4-BE49-F238E27FC236}">
-                    <a16:creationId xmlns:a16="http://schemas.microsoft.com/office/drawing/2014/main" id="{26033DDA-B781-D649-8631-E91442DE9148}"/>
-                  </a:ext>
-                </a:extLst>
-              </p:cNvPr>
-              <p:cNvSpPr txBox="1"/>
-              <p:nvPr/>
-            </p:nvSpPr>
-            <p:spPr>
-              <a:xfrm>
-                <a:off x="856096" y="1660091"/>
-                <a:ext cx="301685" cy="369330"/>
-              </a:xfrm>
-              <a:prstGeom prst="rect">
-                <a:avLst/>
-              </a:prstGeom>
-              <a:noFill/>
-            </p:spPr>
-            <p:txBody>
-              <a:bodyPr wrap="none" rtlCol="0">
-                <a:spAutoFit/>
-              </a:bodyPr>
-              <a:lstStyle/>
-              <a:p>
-                <a:r>
-                  <a:rPr kumimoji="1" lang="en-US" altLang="zh-TW" dirty="0">
-                    <a:solidFill>
-                      <a:schemeClr val="tx1">
-                        <a:lumMod val="50000"/>
-                        <a:lumOff val="50000"/>
-                      </a:schemeClr>
-                    </a:solidFill>
-                  </a:rPr>
-                  <a:t>4</a:t>
-                </a:r>
-                <a:endParaRPr kumimoji="1" lang="zh-TW" altLang="en-US" dirty="0">
-                  <a:solidFill>
-                    <a:schemeClr val="tx1">
-                      <a:lumMod val="50000"/>
-                      <a:lumOff val="50000"/>
-                    </a:schemeClr>
-                  </a:solidFill>
-                </a:endParaRPr>
-              </a:p>
-            </p:txBody>
-          </p:sp>
-        </p:grpSp>
-        <p:grpSp>
-          <p:nvGrpSpPr>
-            <p:cNvPr id="45" name="群組 44">
-              <a:extLst>
-                <a:ext uri="{FF2B5EF4-FFF2-40B4-BE49-F238E27FC236}">
-                  <a16:creationId xmlns:a16="http://schemas.microsoft.com/office/drawing/2014/main" id="{B048A295-D1A0-544B-B2A1-24C965EF1979}"/>
-                </a:ext>
-              </a:extLst>
-            </p:cNvPr>
-            <p:cNvGrpSpPr/>
-            <p:nvPr/>
-          </p:nvGrpSpPr>
-          <p:grpSpPr>
-            <a:xfrm>
-              <a:off x="1523633" y="1781939"/>
-              <a:ext cx="535724" cy="1215441"/>
-              <a:chOff x="1803976" y="1672909"/>
-              <a:chExt cx="535724" cy="1215441"/>
-            </a:xfrm>
-          </p:grpSpPr>
-          <p:sp>
-            <p:nvSpPr>
-              <p:cNvPr id="10" name="文字方塊 9">
-                <a:extLst>
-                  <a:ext uri="{FF2B5EF4-FFF2-40B4-BE49-F238E27FC236}">
-                    <a16:creationId xmlns:a16="http://schemas.microsoft.com/office/drawing/2014/main" id="{F5ED2EC4-45ED-0D4C-9ECE-91568B094ED3}"/>
-                  </a:ext>
-                </a:extLst>
-              </p:cNvPr>
-              <p:cNvSpPr txBox="1"/>
-              <p:nvPr/>
-            </p:nvSpPr>
-            <p:spPr>
-              <a:xfrm>
-                <a:off x="1803976" y="2519019"/>
-                <a:ext cx="535724" cy="369331"/>
-              </a:xfrm>
-              <a:prstGeom prst="rect">
-                <a:avLst/>
-              </a:prstGeom>
-              <a:noFill/>
-            </p:spPr>
-            <p:txBody>
-              <a:bodyPr wrap="none" rtlCol="0">
-                <a:spAutoFit/>
-              </a:bodyPr>
-              <a:lstStyle/>
-              <a:p>
-                <a:r>
-                  <a:rPr kumimoji="1" lang="en-US" altLang="zh-TW" dirty="0"/>
-                  <a:t>120</a:t>
-                </a:r>
-              </a:p>
-            </p:txBody>
-          </p:sp>
-          <p:grpSp>
-            <p:nvGrpSpPr>
-              <p:cNvPr id="38" name="群組 37">
-                <a:extLst>
-                  <a:ext uri="{FF2B5EF4-FFF2-40B4-BE49-F238E27FC236}">
-                    <a16:creationId xmlns:a16="http://schemas.microsoft.com/office/drawing/2014/main" id="{72AAC141-D0C1-4245-98CF-430EC63CDD06}"/>
-                  </a:ext>
-                </a:extLst>
-              </p:cNvPr>
-              <p:cNvGrpSpPr/>
-              <p:nvPr/>
-            </p:nvGrpSpPr>
-            <p:grpSpPr>
-              <a:xfrm>
-                <a:off x="1952557" y="1672909"/>
-                <a:ext cx="301686" cy="919079"/>
-                <a:chOff x="1952557" y="1672909"/>
-                <a:chExt cx="301686" cy="919079"/>
-              </a:xfrm>
-            </p:grpSpPr>
-            <p:sp>
-              <p:nvSpPr>
-                <p:cNvPr id="9" name="矩形 8">
-                  <a:extLst>
-                    <a:ext uri="{FF2B5EF4-FFF2-40B4-BE49-F238E27FC236}">
-                      <a16:creationId xmlns:a16="http://schemas.microsoft.com/office/drawing/2014/main" id="{F3D7DDFB-9F62-A142-887F-5B2C70CE2091}"/>
-                    </a:ext>
-                  </a:extLst>
-                </p:cNvPr>
-                <p:cNvSpPr/>
-                <p:nvPr/>
-              </p:nvSpPr>
-              <p:spPr>
-                <a:xfrm>
-                  <a:off x="2100862" y="2015988"/>
-                  <a:ext cx="72000" cy="576000"/>
-                </a:xfrm>
-                <a:prstGeom prst="rect">
-                  <a:avLst/>
-                </a:prstGeom>
-                <a:solidFill>
-                  <a:schemeClr val="tx1"/>
-                </a:solidFill>
-                <a:ln>
-                  <a:noFill/>
-                </a:ln>
-              </p:spPr>
-              <p:style>
-                <a:lnRef idx="2">
-                  <a:schemeClr val="accent1">
-                    <a:shade val="50000"/>
-                  </a:schemeClr>
-                </a:lnRef>
-                <a:fillRef idx="1">
-                  <a:schemeClr val="accent1"/>
-                </a:fillRef>
-                <a:effectRef idx="0">
-                  <a:schemeClr val="accent1"/>
-                </a:effectRef>
-                <a:fontRef idx="minor">
-                  <a:schemeClr val="lt1"/>
-                </a:fontRef>
-              </p:style>
-              <p:txBody>
-                <a:bodyPr rtlCol="0" anchor="ctr"/>
-                <a:lstStyle/>
-                <a:p>
-                  <a:pPr algn="ctr"/>
-                  <a:endParaRPr kumimoji="1" lang="zh-TW" altLang="en-US" dirty="0"/>
-                </a:p>
-              </p:txBody>
-            </p:sp>
-            <p:sp>
-              <p:nvSpPr>
-                <p:cNvPr id="11" name="文字方塊 10">
-                  <a:extLst>
-                    <a:ext uri="{FF2B5EF4-FFF2-40B4-BE49-F238E27FC236}">
-                      <a16:creationId xmlns:a16="http://schemas.microsoft.com/office/drawing/2014/main" id="{0CBF19A8-33DC-634B-AFEF-6F1AD7B7C232}"/>
-                    </a:ext>
-                  </a:extLst>
-                </p:cNvPr>
-                <p:cNvSpPr txBox="1"/>
-                <p:nvPr/>
-              </p:nvSpPr>
-              <p:spPr>
-                <a:xfrm>
-                  <a:off x="1952557" y="1672909"/>
-                  <a:ext cx="301686" cy="369331"/>
-                </a:xfrm>
-                <a:prstGeom prst="rect">
-                  <a:avLst/>
-                </a:prstGeom>
-                <a:noFill/>
-              </p:spPr>
-              <p:txBody>
-                <a:bodyPr wrap="none" rtlCol="0">
-                  <a:spAutoFit/>
-                </a:bodyPr>
-                <a:lstStyle/>
-                <a:p>
-                  <a:r>
-                    <a:rPr kumimoji="1" lang="en-US" altLang="zh-TW" dirty="0">
-                      <a:solidFill>
-                        <a:schemeClr val="tx1">
-                          <a:lumMod val="50000"/>
-                          <a:lumOff val="50000"/>
-                        </a:schemeClr>
-                      </a:solidFill>
-                    </a:rPr>
-                    <a:t>8</a:t>
-                  </a:r>
-                  <a:endParaRPr kumimoji="1" lang="zh-TW" altLang="en-US" dirty="0">
-                    <a:solidFill>
-                      <a:schemeClr val="tx1">
-                        <a:lumMod val="50000"/>
-                        <a:lumOff val="50000"/>
-                      </a:schemeClr>
-                    </a:solidFill>
-                  </a:endParaRPr>
-                </a:p>
-              </p:txBody>
-            </p:sp>
-          </p:grpSp>
-        </p:grpSp>
-        <p:grpSp>
-          <p:nvGrpSpPr>
-            <p:cNvPr id="37" name="群組 36">
-              <a:extLst>
-                <a:ext uri="{FF2B5EF4-FFF2-40B4-BE49-F238E27FC236}">
-                  <a16:creationId xmlns:a16="http://schemas.microsoft.com/office/drawing/2014/main" id="{387645EB-8364-BC4B-8052-BB473035CFD3}"/>
-                </a:ext>
-              </a:extLst>
-            </p:cNvPr>
-            <p:cNvGrpSpPr/>
-            <p:nvPr/>
-          </p:nvGrpSpPr>
-          <p:grpSpPr>
-            <a:xfrm>
-              <a:off x="2335646" y="2826085"/>
-              <a:ext cx="434486" cy="982987"/>
-              <a:chOff x="3118029" y="1605996"/>
-              <a:chExt cx="434486" cy="982987"/>
-            </a:xfrm>
-          </p:grpSpPr>
-          <p:sp>
-            <p:nvSpPr>
-              <p:cNvPr id="13" name="矩形 12">
-                <a:extLst>
-                  <a:ext uri="{FF2B5EF4-FFF2-40B4-BE49-F238E27FC236}">
-                    <a16:creationId xmlns:a16="http://schemas.microsoft.com/office/drawing/2014/main" id="{0AD79E93-FA98-A343-96EA-95854A3C3038}"/>
-                  </a:ext>
-                </a:extLst>
-              </p:cNvPr>
-              <p:cNvSpPr/>
-              <p:nvPr/>
-            </p:nvSpPr>
-            <p:spPr>
-              <a:xfrm>
-                <a:off x="3318505" y="1983432"/>
-                <a:ext cx="144000" cy="288000"/>
-              </a:xfrm>
-              <a:prstGeom prst="rect">
-                <a:avLst/>
-              </a:prstGeom>
-              <a:solidFill>
-                <a:schemeClr val="tx1"/>
-              </a:solidFill>
-              <a:ln>
-                <a:noFill/>
-              </a:ln>
-            </p:spPr>
-            <p:style>
-              <a:lnRef idx="2">
-                <a:schemeClr val="accent1">
-                  <a:shade val="50000"/>
-                </a:schemeClr>
-              </a:lnRef>
-              <a:fillRef idx="1">
-                <a:schemeClr val="accent1"/>
-              </a:fillRef>
-              <a:effectRef idx="0">
-                <a:schemeClr val="accent1"/>
-              </a:effectRef>
-              <a:fontRef idx="minor">
-                <a:schemeClr val="lt1"/>
-              </a:fontRef>
-            </p:style>
-            <p:txBody>
-              <a:bodyPr rtlCol="0" anchor="ctr"/>
-              <a:lstStyle/>
-              <a:p>
-                <a:pPr algn="ctr"/>
-                <a:endParaRPr kumimoji="1" lang="zh-TW" altLang="en-US" dirty="0"/>
-              </a:p>
-            </p:txBody>
-          </p:sp>
-          <p:sp>
-            <p:nvSpPr>
-              <p:cNvPr id="14" name="文字方塊 13">
-                <a:extLst>
-                  <a:ext uri="{FF2B5EF4-FFF2-40B4-BE49-F238E27FC236}">
-                    <a16:creationId xmlns:a16="http://schemas.microsoft.com/office/drawing/2014/main" id="{F57B6C63-8828-8D4C-BD9D-7E3BCA140991}"/>
-                  </a:ext>
-                </a:extLst>
-              </p:cNvPr>
-              <p:cNvSpPr txBox="1"/>
-              <p:nvPr/>
-            </p:nvSpPr>
-            <p:spPr>
-              <a:xfrm>
-                <a:off x="3118029" y="2219651"/>
-                <a:ext cx="418704" cy="369332"/>
-              </a:xfrm>
-              <a:prstGeom prst="rect">
-                <a:avLst/>
-              </a:prstGeom>
-              <a:noFill/>
-            </p:spPr>
-            <p:txBody>
-              <a:bodyPr wrap="none" rtlCol="0">
-                <a:spAutoFit/>
-              </a:bodyPr>
-              <a:lstStyle/>
-              <a:p>
-                <a:r>
-                  <a:rPr kumimoji="1" lang="en-US" altLang="zh-TW" dirty="0"/>
-                  <a:t>60</a:t>
-                </a:r>
-              </a:p>
-            </p:txBody>
-          </p:sp>
-          <p:sp>
-            <p:nvSpPr>
-              <p:cNvPr id="15" name="文字方塊 14">
-                <a:extLst>
-                  <a:ext uri="{FF2B5EF4-FFF2-40B4-BE49-F238E27FC236}">
-                    <a16:creationId xmlns:a16="http://schemas.microsoft.com/office/drawing/2014/main" id="{541B26F6-7DA7-304E-A516-633D6156BADA}"/>
-                  </a:ext>
-                </a:extLst>
-              </p:cNvPr>
-              <p:cNvSpPr txBox="1"/>
-              <p:nvPr/>
-            </p:nvSpPr>
-            <p:spPr>
-              <a:xfrm>
-                <a:off x="3133810" y="1605996"/>
-                <a:ext cx="418705" cy="369330"/>
-              </a:xfrm>
-              <a:prstGeom prst="rect">
-                <a:avLst/>
-              </a:prstGeom>
-              <a:noFill/>
-            </p:spPr>
-            <p:txBody>
-              <a:bodyPr wrap="none" rtlCol="0">
-                <a:spAutoFit/>
-              </a:bodyPr>
-              <a:lstStyle/>
-              <a:p>
-                <a:r>
-                  <a:rPr kumimoji="1" lang="en-US" altLang="zh-TW" dirty="0">
-                    <a:solidFill>
-                      <a:schemeClr val="tx1">
-                        <a:lumMod val="50000"/>
-                        <a:lumOff val="50000"/>
-                      </a:schemeClr>
-                    </a:solidFill>
-                  </a:rPr>
-                  <a:t>16</a:t>
-                </a:r>
-                <a:endParaRPr kumimoji="1" lang="zh-TW" altLang="en-US" dirty="0">
-                  <a:solidFill>
-                    <a:schemeClr val="tx1">
-                      <a:lumMod val="50000"/>
-                      <a:lumOff val="50000"/>
-                    </a:schemeClr>
-                  </a:solidFill>
-                </a:endParaRPr>
-              </a:p>
-            </p:txBody>
-          </p:sp>
-        </p:grpSp>
-        <p:grpSp>
-          <p:nvGrpSpPr>
-            <p:cNvPr id="34" name="群組 33">
-              <a:extLst>
-                <a:ext uri="{FF2B5EF4-FFF2-40B4-BE49-F238E27FC236}">
-                  <a16:creationId xmlns:a16="http://schemas.microsoft.com/office/drawing/2014/main" id="{C4F3B4E3-5B61-F542-8D27-A29EBE73377B}"/>
-                </a:ext>
-              </a:extLst>
-            </p:cNvPr>
-            <p:cNvGrpSpPr/>
-            <p:nvPr/>
-          </p:nvGrpSpPr>
-          <p:grpSpPr>
-            <a:xfrm>
-              <a:off x="4160900" y="4485844"/>
-              <a:ext cx="576000" cy="730767"/>
-              <a:chOff x="3534505" y="3163973"/>
-              <a:chExt cx="576000" cy="730767"/>
-            </a:xfrm>
-          </p:grpSpPr>
-          <p:sp>
-            <p:nvSpPr>
-              <p:cNvPr id="19" name="矩形 18">
-                <a:extLst>
-                  <a:ext uri="{FF2B5EF4-FFF2-40B4-BE49-F238E27FC236}">
-                    <a16:creationId xmlns:a16="http://schemas.microsoft.com/office/drawing/2014/main" id="{03FBAC41-8B79-FD45-920B-4437CA45A2EA}"/>
-                  </a:ext>
-                </a:extLst>
-              </p:cNvPr>
-              <p:cNvSpPr/>
-              <p:nvPr/>
-            </p:nvSpPr>
-            <p:spPr>
-              <a:xfrm>
-                <a:off x="3534505" y="3524429"/>
-                <a:ext cx="576000" cy="72000"/>
-              </a:xfrm>
-              <a:prstGeom prst="rect">
-                <a:avLst/>
-              </a:prstGeom>
-              <a:solidFill>
-                <a:schemeClr val="tx1"/>
-              </a:solidFill>
-              <a:ln>
-                <a:noFill/>
-              </a:ln>
-            </p:spPr>
-            <p:style>
-              <a:lnRef idx="2">
-                <a:schemeClr val="accent1">
-                  <a:shade val="50000"/>
-                </a:schemeClr>
-              </a:lnRef>
-              <a:fillRef idx="1">
-                <a:schemeClr val="accent1"/>
-              </a:fillRef>
-              <a:effectRef idx="0">
-                <a:schemeClr val="accent1"/>
-              </a:effectRef>
-              <a:fontRef idx="minor">
-                <a:schemeClr val="lt1"/>
-              </a:fontRef>
-            </p:style>
-            <p:txBody>
-              <a:bodyPr rtlCol="0" anchor="ctr"/>
-              <a:lstStyle/>
-              <a:p>
-                <a:pPr algn="ctr"/>
-                <a:endParaRPr kumimoji="1" lang="zh-TW" altLang="en-US" dirty="0"/>
-              </a:p>
-            </p:txBody>
-          </p:sp>
-          <p:sp>
-            <p:nvSpPr>
-              <p:cNvPr id="20" name="文字方塊 19">
-                <a:extLst>
-                  <a:ext uri="{FF2B5EF4-FFF2-40B4-BE49-F238E27FC236}">
-                    <a16:creationId xmlns:a16="http://schemas.microsoft.com/office/drawing/2014/main" id="{2C77551F-E817-FC4A-AF72-1EE416A6AFF0}"/>
-                  </a:ext>
-                </a:extLst>
-              </p:cNvPr>
-              <p:cNvSpPr txBox="1"/>
-              <p:nvPr/>
-            </p:nvSpPr>
-            <p:spPr>
-              <a:xfrm>
-                <a:off x="3565810" y="3525410"/>
-                <a:ext cx="418703" cy="369330"/>
-              </a:xfrm>
-              <a:prstGeom prst="rect">
-                <a:avLst/>
-              </a:prstGeom>
-              <a:noFill/>
-            </p:spPr>
-            <p:txBody>
-              <a:bodyPr wrap="none" rtlCol="0">
-                <a:spAutoFit/>
-              </a:bodyPr>
-              <a:lstStyle/>
-              <a:p>
-                <a:r>
-                  <a:rPr kumimoji="1" lang="en-US" altLang="zh-TW" dirty="0"/>
-                  <a:t>15</a:t>
-                </a:r>
-              </a:p>
-            </p:txBody>
-          </p:sp>
-          <p:sp>
-            <p:nvSpPr>
-              <p:cNvPr id="21" name="文字方塊 20">
-                <a:extLst>
-                  <a:ext uri="{FF2B5EF4-FFF2-40B4-BE49-F238E27FC236}">
-                    <a16:creationId xmlns:a16="http://schemas.microsoft.com/office/drawing/2014/main" id="{59ACE46F-9C4D-5441-B041-A813A2739DBB}"/>
-                  </a:ext>
-                </a:extLst>
-              </p:cNvPr>
-              <p:cNvSpPr txBox="1"/>
-              <p:nvPr/>
-            </p:nvSpPr>
-            <p:spPr>
-              <a:xfrm>
-                <a:off x="3565810" y="3163973"/>
-                <a:ext cx="418703" cy="369330"/>
-              </a:xfrm>
-              <a:prstGeom prst="rect">
-                <a:avLst/>
-              </a:prstGeom>
-              <a:noFill/>
-            </p:spPr>
-            <p:txBody>
-              <a:bodyPr wrap="none" rtlCol="0">
-                <a:spAutoFit/>
-              </a:bodyPr>
-              <a:lstStyle/>
-              <a:p>
-                <a:r>
-                  <a:rPr kumimoji="1" lang="en-US" altLang="zh-TW" dirty="0">
-                    <a:solidFill>
-                      <a:schemeClr val="tx1">
-                        <a:lumMod val="50000"/>
-                        <a:lumOff val="50000"/>
-                      </a:schemeClr>
-                    </a:solidFill>
-                  </a:rPr>
-                  <a:t>64</a:t>
-                </a:r>
-                <a:endParaRPr kumimoji="1" lang="zh-TW" altLang="en-US" dirty="0">
-                  <a:solidFill>
-                    <a:schemeClr val="tx1">
-                      <a:lumMod val="50000"/>
-                      <a:lumOff val="50000"/>
-                    </a:schemeClr>
-                  </a:solidFill>
-                </a:endParaRPr>
-              </a:p>
-            </p:txBody>
-          </p:sp>
-        </p:grpSp>
-        <p:grpSp>
-          <p:nvGrpSpPr>
-            <p:cNvPr id="32" name="群組 31">
-              <a:extLst>
-                <a:ext uri="{FF2B5EF4-FFF2-40B4-BE49-F238E27FC236}">
-                  <a16:creationId xmlns:a16="http://schemas.microsoft.com/office/drawing/2014/main" id="{34DCD756-4518-E044-B79B-FD59B5A70ECD}"/>
-                </a:ext>
-              </a:extLst>
-            </p:cNvPr>
-            <p:cNvGrpSpPr/>
-            <p:nvPr/>
-          </p:nvGrpSpPr>
-          <p:grpSpPr>
-            <a:xfrm>
-              <a:off x="5130534" y="5237143"/>
-              <a:ext cx="1152000" cy="714007"/>
-              <a:chOff x="5140083" y="3179754"/>
-              <a:chExt cx="1152000" cy="714007"/>
-            </a:xfrm>
-          </p:grpSpPr>
-          <p:sp>
-            <p:nvSpPr>
-              <p:cNvPr id="24" name="文字方塊 23">
-                <a:extLst>
-                  <a:ext uri="{FF2B5EF4-FFF2-40B4-BE49-F238E27FC236}">
-                    <a16:creationId xmlns:a16="http://schemas.microsoft.com/office/drawing/2014/main" id="{0A1DC0C5-EB23-244A-AD69-3B0E75954408}"/>
-                  </a:ext>
-                </a:extLst>
-              </p:cNvPr>
-              <p:cNvSpPr txBox="1"/>
-              <p:nvPr/>
-            </p:nvSpPr>
-            <p:spPr>
-              <a:xfrm>
-                <a:off x="5565240" y="3524429"/>
-                <a:ext cx="301686" cy="369332"/>
-              </a:xfrm>
-              <a:prstGeom prst="rect">
-                <a:avLst/>
-              </a:prstGeom>
-              <a:noFill/>
-            </p:spPr>
-            <p:txBody>
-              <a:bodyPr wrap="none" rtlCol="0">
-                <a:spAutoFit/>
-              </a:bodyPr>
-              <a:lstStyle/>
-              <a:p>
-                <a:r>
-                  <a:rPr kumimoji="1" lang="en-US" altLang="zh-TW" dirty="0"/>
-                  <a:t>8</a:t>
-                </a:r>
-              </a:p>
-            </p:txBody>
-          </p:sp>
-          <p:sp>
-            <p:nvSpPr>
-              <p:cNvPr id="23" name="矩形 22">
-                <a:extLst>
-                  <a:ext uri="{FF2B5EF4-FFF2-40B4-BE49-F238E27FC236}">
-                    <a16:creationId xmlns:a16="http://schemas.microsoft.com/office/drawing/2014/main" id="{CDD7441D-58BC-2F44-8C5A-3A4AAC0BD667}"/>
-                  </a:ext>
-                </a:extLst>
-              </p:cNvPr>
-              <p:cNvSpPr/>
-              <p:nvPr/>
-            </p:nvSpPr>
-            <p:spPr>
-              <a:xfrm>
-                <a:off x="5140083" y="3526078"/>
-                <a:ext cx="1152000" cy="54000"/>
-              </a:xfrm>
-              <a:prstGeom prst="rect">
-                <a:avLst/>
-              </a:prstGeom>
-              <a:solidFill>
-                <a:schemeClr val="tx1"/>
-              </a:solidFill>
-              <a:ln>
-                <a:noFill/>
-              </a:ln>
-            </p:spPr>
-            <p:style>
-              <a:lnRef idx="2">
-                <a:schemeClr val="accent1">
-                  <a:shade val="50000"/>
-                </a:schemeClr>
-              </a:lnRef>
-              <a:fillRef idx="1">
-                <a:schemeClr val="accent1"/>
-              </a:fillRef>
-              <a:effectRef idx="0">
-                <a:schemeClr val="accent1"/>
-              </a:effectRef>
-              <a:fontRef idx="minor">
-                <a:schemeClr val="lt1"/>
-              </a:fontRef>
-            </p:style>
-            <p:txBody>
-              <a:bodyPr rtlCol="0" anchor="ctr"/>
-              <a:lstStyle/>
-              <a:p>
-                <a:pPr algn="ctr"/>
-                <a:endParaRPr kumimoji="1" lang="zh-TW" altLang="en-US" dirty="0"/>
-              </a:p>
-            </p:txBody>
-          </p:sp>
-          <p:sp>
-            <p:nvSpPr>
-              <p:cNvPr id="25" name="文字方塊 24">
-                <a:extLst>
-                  <a:ext uri="{FF2B5EF4-FFF2-40B4-BE49-F238E27FC236}">
-                    <a16:creationId xmlns:a16="http://schemas.microsoft.com/office/drawing/2014/main" id="{05524F5B-6617-EC4E-B75C-0B7FE1E07D84}"/>
-                  </a:ext>
-                </a:extLst>
-              </p:cNvPr>
-              <p:cNvSpPr txBox="1"/>
-              <p:nvPr/>
-            </p:nvSpPr>
-            <p:spPr>
-              <a:xfrm>
-                <a:off x="5416660" y="3179754"/>
-                <a:ext cx="535724" cy="369330"/>
-              </a:xfrm>
-              <a:prstGeom prst="rect">
-                <a:avLst/>
-              </a:prstGeom>
-              <a:noFill/>
-            </p:spPr>
-            <p:txBody>
-              <a:bodyPr wrap="none" rtlCol="0">
-                <a:spAutoFit/>
-              </a:bodyPr>
-              <a:lstStyle/>
-              <a:p>
-                <a:r>
-                  <a:rPr kumimoji="1" lang="en-US" altLang="zh-TW" dirty="0">
-                    <a:solidFill>
-                      <a:schemeClr val="tx1">
-                        <a:lumMod val="50000"/>
-                        <a:lumOff val="50000"/>
-                      </a:schemeClr>
-                    </a:solidFill>
-                  </a:rPr>
-                  <a:t>128</a:t>
-                </a:r>
-                <a:endParaRPr kumimoji="1" lang="zh-TW" altLang="en-US" dirty="0">
-                  <a:solidFill>
-                    <a:schemeClr val="tx1">
-                      <a:lumMod val="50000"/>
-                      <a:lumOff val="50000"/>
-                    </a:schemeClr>
-                  </a:solidFill>
-                </a:endParaRPr>
-              </a:p>
-            </p:txBody>
-          </p:sp>
-        </p:grpSp>
-        <p:grpSp>
-          <p:nvGrpSpPr>
-            <p:cNvPr id="26" name="群組 25">
-              <a:extLst>
-                <a:ext uri="{FF2B5EF4-FFF2-40B4-BE49-F238E27FC236}">
-                  <a16:creationId xmlns:a16="http://schemas.microsoft.com/office/drawing/2014/main" id="{82FDC92F-6CB8-DE4D-AF97-F498C559AC15}"/>
-                </a:ext>
-              </a:extLst>
-            </p:cNvPr>
-            <p:cNvGrpSpPr/>
-            <p:nvPr/>
-          </p:nvGrpSpPr>
-          <p:grpSpPr>
-            <a:xfrm>
-              <a:off x="3219112" y="3698832"/>
-              <a:ext cx="418704" cy="764100"/>
-              <a:chOff x="3149591" y="1663728"/>
-              <a:chExt cx="418704" cy="763127"/>
-            </a:xfrm>
-          </p:grpSpPr>
-          <p:sp>
-            <p:nvSpPr>
-              <p:cNvPr id="27" name="矩形 26">
-                <a:extLst>
-                  <a:ext uri="{FF2B5EF4-FFF2-40B4-BE49-F238E27FC236}">
-                    <a16:creationId xmlns:a16="http://schemas.microsoft.com/office/drawing/2014/main" id="{48DE5827-E49B-A746-87C6-F044FDE7DB1E}"/>
-                  </a:ext>
-                </a:extLst>
-              </p:cNvPr>
-              <p:cNvSpPr/>
-              <p:nvPr/>
-            </p:nvSpPr>
-            <p:spPr>
-              <a:xfrm>
-                <a:off x="3246505" y="2015988"/>
-                <a:ext cx="288000" cy="143817"/>
-              </a:xfrm>
-              <a:prstGeom prst="rect">
-                <a:avLst/>
-              </a:prstGeom>
-              <a:solidFill>
-                <a:schemeClr val="tx1"/>
-              </a:solidFill>
-              <a:ln>
-                <a:noFill/>
-              </a:ln>
-            </p:spPr>
-            <p:style>
-              <a:lnRef idx="2">
-                <a:schemeClr val="accent1">
-                  <a:shade val="50000"/>
-                </a:schemeClr>
-              </a:lnRef>
-              <a:fillRef idx="1">
-                <a:schemeClr val="accent1"/>
-              </a:fillRef>
-              <a:effectRef idx="0">
-                <a:schemeClr val="accent1"/>
-              </a:effectRef>
-              <a:fontRef idx="minor">
-                <a:schemeClr val="lt1"/>
-              </a:fontRef>
-            </p:style>
-            <p:txBody>
-              <a:bodyPr rtlCol="0" anchor="ctr"/>
-              <a:lstStyle/>
-              <a:p>
-                <a:pPr algn="ctr"/>
-                <a:endParaRPr kumimoji="1" lang="zh-TW" altLang="en-US" dirty="0"/>
-              </a:p>
-            </p:txBody>
-          </p:sp>
-          <p:sp>
-            <p:nvSpPr>
-              <p:cNvPr id="28" name="文字方塊 27">
-                <a:extLst>
-                  <a:ext uri="{FF2B5EF4-FFF2-40B4-BE49-F238E27FC236}">
-                    <a16:creationId xmlns:a16="http://schemas.microsoft.com/office/drawing/2014/main" id="{D02A34FD-DC2F-7E48-9865-99D30F4BC674}"/>
-                  </a:ext>
-                </a:extLst>
-              </p:cNvPr>
-              <p:cNvSpPr txBox="1"/>
-              <p:nvPr/>
-            </p:nvSpPr>
-            <p:spPr>
-              <a:xfrm>
-                <a:off x="3149591" y="2057523"/>
-                <a:ext cx="418704" cy="369332"/>
-              </a:xfrm>
-              <a:prstGeom prst="rect">
-                <a:avLst/>
-              </a:prstGeom>
-              <a:noFill/>
-            </p:spPr>
-            <p:txBody>
-              <a:bodyPr wrap="none" rtlCol="0">
-                <a:spAutoFit/>
-              </a:bodyPr>
-              <a:lstStyle/>
-              <a:p>
-                <a:r>
-                  <a:rPr kumimoji="1" lang="en-US" altLang="zh-TW" dirty="0"/>
-                  <a:t>30</a:t>
-                </a:r>
-              </a:p>
-            </p:txBody>
-          </p:sp>
-          <p:sp>
-            <p:nvSpPr>
-              <p:cNvPr id="29" name="文字方塊 28">
-                <a:extLst>
-                  <a:ext uri="{FF2B5EF4-FFF2-40B4-BE49-F238E27FC236}">
-                    <a16:creationId xmlns:a16="http://schemas.microsoft.com/office/drawing/2014/main" id="{1395EE04-4C69-AD40-844F-E2C1258A5EF5}"/>
-                  </a:ext>
-                </a:extLst>
-              </p:cNvPr>
-              <p:cNvSpPr txBox="1"/>
-              <p:nvPr/>
-            </p:nvSpPr>
-            <p:spPr>
-              <a:xfrm>
-                <a:off x="3149591" y="1663728"/>
-                <a:ext cx="418704" cy="369332"/>
-              </a:xfrm>
-              <a:prstGeom prst="rect">
-                <a:avLst/>
-              </a:prstGeom>
-              <a:noFill/>
-            </p:spPr>
-            <p:txBody>
-              <a:bodyPr wrap="none" rtlCol="0">
-                <a:spAutoFit/>
-              </a:bodyPr>
-              <a:lstStyle/>
-              <a:p>
-                <a:r>
-                  <a:rPr kumimoji="1" lang="en-US" altLang="zh-TW" dirty="0">
-                    <a:solidFill>
-                      <a:schemeClr val="tx1">
-                        <a:lumMod val="50000"/>
-                        <a:lumOff val="50000"/>
-                      </a:schemeClr>
-                    </a:solidFill>
-                  </a:rPr>
-                  <a:t>32</a:t>
-                </a:r>
-                <a:endParaRPr kumimoji="1" lang="zh-TW" altLang="en-US" dirty="0">
-                  <a:solidFill>
-                    <a:schemeClr val="tx1">
-                      <a:lumMod val="50000"/>
-                      <a:lumOff val="50000"/>
-                    </a:schemeClr>
-                  </a:solidFill>
-                </a:endParaRPr>
-              </a:p>
-            </p:txBody>
-          </p:sp>
-        </p:grpSp>
-        <p:grpSp>
-          <p:nvGrpSpPr>
-            <p:cNvPr id="46" name="群組 45">
-              <a:extLst>
-                <a:ext uri="{FF2B5EF4-FFF2-40B4-BE49-F238E27FC236}">
-                  <a16:creationId xmlns:a16="http://schemas.microsoft.com/office/drawing/2014/main" id="{DA8AE349-202E-3240-A2B2-2C6141054B77}"/>
-                </a:ext>
-              </a:extLst>
-            </p:cNvPr>
-            <p:cNvGrpSpPr/>
-            <p:nvPr/>
-          </p:nvGrpSpPr>
-          <p:grpSpPr>
-            <a:xfrm>
-              <a:off x="795969" y="190002"/>
-              <a:ext cx="535724" cy="1808166"/>
-              <a:chOff x="681749" y="1660091"/>
-              <a:chExt cx="535724" cy="1808166"/>
-            </a:xfrm>
-          </p:grpSpPr>
-          <p:sp>
-            <p:nvSpPr>
-              <p:cNvPr id="47" name="矩形 46">
-                <a:extLst>
-                  <a:ext uri="{FF2B5EF4-FFF2-40B4-BE49-F238E27FC236}">
-                    <a16:creationId xmlns:a16="http://schemas.microsoft.com/office/drawing/2014/main" id="{F8ED669F-C5BE-D245-99B8-38C52ACF052D}"/>
-                  </a:ext>
-                </a:extLst>
-              </p:cNvPr>
-              <p:cNvSpPr/>
-              <p:nvPr/>
-            </p:nvSpPr>
-            <p:spPr>
-              <a:xfrm>
-                <a:off x="1034062" y="2021775"/>
-                <a:ext cx="54000" cy="1152000"/>
-              </a:xfrm>
-              <a:prstGeom prst="rect">
-                <a:avLst/>
-              </a:prstGeom>
-              <a:solidFill>
-                <a:schemeClr val="tx1"/>
-              </a:solidFill>
-              <a:ln>
-                <a:noFill/>
-              </a:ln>
-            </p:spPr>
-            <p:style>
-              <a:lnRef idx="2">
-                <a:schemeClr val="accent1">
-                  <a:shade val="50000"/>
-                </a:schemeClr>
-              </a:lnRef>
-              <a:fillRef idx="1">
-                <a:schemeClr val="accent1"/>
-              </a:fillRef>
-              <a:effectRef idx="0">
-                <a:schemeClr val="accent1"/>
-              </a:effectRef>
-              <a:fontRef idx="minor">
-                <a:schemeClr val="lt1"/>
-              </a:fontRef>
-            </p:style>
-            <p:txBody>
-              <a:bodyPr rtlCol="0" anchor="ctr"/>
-              <a:lstStyle/>
-              <a:p>
-                <a:pPr algn="ctr"/>
-                <a:endParaRPr kumimoji="1" lang="zh-TW" altLang="en-US" dirty="0"/>
-              </a:p>
-            </p:txBody>
-          </p:sp>
-          <p:sp>
-            <p:nvSpPr>
-              <p:cNvPr id="48" name="文字方塊 47">
-                <a:extLst>
-                  <a:ext uri="{FF2B5EF4-FFF2-40B4-BE49-F238E27FC236}">
-                    <a16:creationId xmlns:a16="http://schemas.microsoft.com/office/drawing/2014/main" id="{F31C303B-09EA-4E4E-AA0B-94FD8EAD1C67}"/>
-                  </a:ext>
-                </a:extLst>
-              </p:cNvPr>
-              <p:cNvSpPr txBox="1"/>
-              <p:nvPr/>
-            </p:nvSpPr>
-            <p:spPr>
-              <a:xfrm>
-                <a:off x="681749" y="3098925"/>
-                <a:ext cx="535724" cy="369332"/>
-              </a:xfrm>
-              <a:prstGeom prst="rect">
-                <a:avLst/>
-              </a:prstGeom>
-              <a:noFill/>
-            </p:spPr>
-            <p:txBody>
-              <a:bodyPr wrap="none" rtlCol="0">
-                <a:spAutoFit/>
-              </a:bodyPr>
-              <a:lstStyle/>
-              <a:p>
-                <a:r>
-                  <a:rPr kumimoji="1" lang="en-US" altLang="zh-TW" dirty="0"/>
-                  <a:t>240</a:t>
-                </a:r>
-              </a:p>
-            </p:txBody>
-          </p:sp>
-          <p:sp>
-            <p:nvSpPr>
-              <p:cNvPr id="49" name="文字方塊 48">
-                <a:extLst>
-                  <a:ext uri="{FF2B5EF4-FFF2-40B4-BE49-F238E27FC236}">
-                    <a16:creationId xmlns:a16="http://schemas.microsoft.com/office/drawing/2014/main" id="{D2E905D0-8A6A-0F44-A9EF-1A2B13A9818A}"/>
-                  </a:ext>
-                </a:extLst>
-              </p:cNvPr>
-              <p:cNvSpPr txBox="1"/>
-              <p:nvPr/>
-            </p:nvSpPr>
-            <p:spPr>
-              <a:xfrm>
-                <a:off x="856096" y="1660091"/>
-                <a:ext cx="301685" cy="369330"/>
-              </a:xfrm>
-              <a:prstGeom prst="rect">
-                <a:avLst/>
-              </a:prstGeom>
-              <a:noFill/>
-            </p:spPr>
-            <p:txBody>
-              <a:bodyPr wrap="none" rtlCol="0">
-                <a:spAutoFit/>
-              </a:bodyPr>
-              <a:lstStyle/>
-              <a:p>
-                <a:r>
-                  <a:rPr kumimoji="1" lang="en-US" altLang="zh-TW" dirty="0">
-                    <a:solidFill>
-                      <a:schemeClr val="tx1">
-                        <a:lumMod val="50000"/>
-                        <a:lumOff val="50000"/>
-                      </a:schemeClr>
-                    </a:solidFill>
-                  </a:rPr>
-                  <a:t>4</a:t>
-                </a:r>
-                <a:endParaRPr kumimoji="1" lang="zh-TW" altLang="en-US" dirty="0">
-                  <a:solidFill>
-                    <a:schemeClr val="tx1">
-                      <a:lumMod val="50000"/>
-                      <a:lumOff val="50000"/>
-                    </a:schemeClr>
-                  </a:solidFill>
-                </a:endParaRPr>
-              </a:p>
-            </p:txBody>
-          </p:sp>
-        </p:grpSp>
-        <p:cxnSp>
-          <p:nvCxnSpPr>
-            <p:cNvPr id="51" name="直線箭頭接點 50">
-              <a:extLst>
-                <a:ext uri="{FF2B5EF4-FFF2-40B4-BE49-F238E27FC236}">
-                  <a16:creationId xmlns:a16="http://schemas.microsoft.com/office/drawing/2014/main" id="{7D21FBDF-0ED5-6746-9AC3-05E66B53A4B1}"/>
-                </a:ext>
-              </a:extLst>
-            </p:cNvPr>
-            <p:cNvCxnSpPr>
-              <a:stCxn id="4" idx="3"/>
-              <a:endCxn id="47" idx="3"/>
-            </p:cNvCxnSpPr>
-            <p:nvPr/>
-          </p:nvCxnSpPr>
-          <p:spPr>
-            <a:xfrm>
-              <a:off x="522945" y="1127686"/>
-              <a:ext cx="679337" cy="0"/>
-            </a:xfrm>
-            <a:prstGeom prst="straightConnector1">
-              <a:avLst/>
-            </a:prstGeom>
-            <a:ln>
-              <a:headEnd w="lg" len="med"/>
-              <a:tailEnd type="triangle" w="med" len="lg"/>
-            </a:ln>
-          </p:spPr>
-          <p:style>
-            <a:lnRef idx="1">
-              <a:schemeClr val="accent1"/>
-            </a:lnRef>
-            <a:fillRef idx="0">
-              <a:schemeClr val="accent1"/>
-            </a:fillRef>
-            <a:effectRef idx="0">
-              <a:schemeClr val="accent1"/>
-            </a:effectRef>
-            <a:fontRef idx="minor">
-              <a:schemeClr val="tx1"/>
-            </a:fontRef>
-          </p:style>
-        </p:cxnSp>
-        <p:cxnSp>
-          <p:nvCxnSpPr>
-            <p:cNvPr id="58" name="肘形接點 57">
-              <a:extLst>
-                <a:ext uri="{FF2B5EF4-FFF2-40B4-BE49-F238E27FC236}">
-                  <a16:creationId xmlns:a16="http://schemas.microsoft.com/office/drawing/2014/main" id="{B6FEBBE5-6B08-674D-AD68-092EDB530699}"/>
-                </a:ext>
-              </a:extLst>
-            </p:cNvPr>
-            <p:cNvCxnSpPr>
-              <a:stCxn id="48" idx="2"/>
-              <a:endCxn id="9" idx="1"/>
-            </p:cNvCxnSpPr>
-            <p:nvPr/>
-          </p:nvCxnSpPr>
-          <p:spPr>
-            <a:xfrm rot="16200000" flipH="1">
-              <a:off x="1234749" y="1827248"/>
-              <a:ext cx="414851" cy="756688"/>
-            </a:xfrm>
-            <a:prstGeom prst="bentConnector2">
-              <a:avLst/>
-            </a:prstGeom>
-            <a:ln>
-              <a:tailEnd type="triangle"/>
-            </a:ln>
-          </p:spPr>
-          <p:style>
-            <a:lnRef idx="1">
-              <a:schemeClr val="accent1"/>
-            </a:lnRef>
-            <a:fillRef idx="0">
-              <a:schemeClr val="accent1"/>
-            </a:fillRef>
-            <a:effectRef idx="0">
-              <a:schemeClr val="accent1"/>
-            </a:effectRef>
-            <a:fontRef idx="minor">
-              <a:schemeClr val="tx1"/>
-            </a:fontRef>
-          </p:style>
-        </p:cxnSp>
-        <p:cxnSp>
-          <p:nvCxnSpPr>
-            <p:cNvPr id="62" name="肘形接點 61">
-              <a:extLst>
-                <a:ext uri="{FF2B5EF4-FFF2-40B4-BE49-F238E27FC236}">
-                  <a16:creationId xmlns:a16="http://schemas.microsoft.com/office/drawing/2014/main" id="{73FC6FF8-78FA-2044-AFF4-9C9CA80CD6DD}"/>
-                </a:ext>
-              </a:extLst>
-            </p:cNvPr>
-            <p:cNvCxnSpPr/>
-            <p:nvPr/>
-          </p:nvCxnSpPr>
-          <p:spPr>
-            <a:xfrm rot="16200000" flipH="1">
-              <a:off x="1986130" y="2842768"/>
-              <a:ext cx="399070" cy="645237"/>
-            </a:xfrm>
-            <a:prstGeom prst="bentConnector2">
-              <a:avLst/>
-            </a:prstGeom>
-            <a:ln>
-              <a:tailEnd type="triangle"/>
-            </a:ln>
-          </p:spPr>
-          <p:style>
-            <a:lnRef idx="1">
-              <a:schemeClr val="accent1"/>
-            </a:lnRef>
-            <a:fillRef idx="0">
-              <a:schemeClr val="accent1"/>
-            </a:fillRef>
-            <a:effectRef idx="0">
-              <a:schemeClr val="accent1"/>
-            </a:effectRef>
-            <a:fontRef idx="minor">
-              <a:schemeClr val="tx1"/>
-            </a:fontRef>
-          </p:style>
-        </p:cxnSp>
-        <p:cxnSp>
-          <p:nvCxnSpPr>
-            <p:cNvPr id="63" name="肘形接點 62">
-              <a:extLst>
-                <a:ext uri="{FF2B5EF4-FFF2-40B4-BE49-F238E27FC236}">
-                  <a16:creationId xmlns:a16="http://schemas.microsoft.com/office/drawing/2014/main" id="{0F90DD5F-FE9C-8441-BC6C-E66C7B3642FD}"/>
-                </a:ext>
-              </a:extLst>
-            </p:cNvPr>
-            <p:cNvCxnSpPr/>
-            <p:nvPr/>
-          </p:nvCxnSpPr>
-          <p:spPr>
-            <a:xfrm rot="16200000" flipH="1">
-              <a:off x="2734958" y="3629744"/>
-              <a:ext cx="399070" cy="645237"/>
-            </a:xfrm>
-            <a:prstGeom prst="bentConnector2">
-              <a:avLst/>
-            </a:prstGeom>
-            <a:ln>
-              <a:tailEnd type="triangle"/>
-            </a:ln>
-          </p:spPr>
-          <p:style>
-            <a:lnRef idx="1">
-              <a:schemeClr val="accent1"/>
-            </a:lnRef>
-            <a:fillRef idx="0">
-              <a:schemeClr val="accent1"/>
-            </a:fillRef>
-            <a:effectRef idx="0">
-              <a:schemeClr val="accent1"/>
-            </a:effectRef>
-            <a:fontRef idx="minor">
-              <a:schemeClr val="tx1"/>
-            </a:fontRef>
-          </p:style>
-        </p:cxnSp>
-        <p:cxnSp>
-          <p:nvCxnSpPr>
-            <p:cNvPr id="64" name="肘形接點 63">
-              <a:extLst>
-                <a:ext uri="{FF2B5EF4-FFF2-40B4-BE49-F238E27FC236}">
-                  <a16:creationId xmlns:a16="http://schemas.microsoft.com/office/drawing/2014/main" id="{50DE4870-EC96-FB40-AD58-C565B8320FDB}"/>
-                </a:ext>
-              </a:extLst>
-            </p:cNvPr>
-            <p:cNvCxnSpPr/>
-            <p:nvPr/>
-          </p:nvCxnSpPr>
-          <p:spPr>
-            <a:xfrm rot="16200000" flipH="1">
-              <a:off x="3583110" y="4364687"/>
-              <a:ext cx="399070" cy="645237"/>
-            </a:xfrm>
-            <a:prstGeom prst="bentConnector2">
-              <a:avLst/>
-            </a:prstGeom>
-            <a:ln>
-              <a:tailEnd type="triangle"/>
-            </a:ln>
-          </p:spPr>
-          <p:style>
-            <a:lnRef idx="1">
-              <a:schemeClr val="accent1"/>
-            </a:lnRef>
-            <a:fillRef idx="0">
-              <a:schemeClr val="accent1"/>
-            </a:fillRef>
-            <a:effectRef idx="0">
-              <a:schemeClr val="accent1"/>
-            </a:effectRef>
-            <a:fontRef idx="minor">
-              <a:schemeClr val="tx1"/>
-            </a:fontRef>
-          </p:style>
-        </p:cxnSp>
-        <p:cxnSp>
-          <p:nvCxnSpPr>
-            <p:cNvPr id="65" name="肘形接點 64">
-              <a:extLst>
-                <a:ext uri="{FF2B5EF4-FFF2-40B4-BE49-F238E27FC236}">
-                  <a16:creationId xmlns:a16="http://schemas.microsoft.com/office/drawing/2014/main" id="{69F2567E-A2E9-AD4C-AE5B-F5E49132A9A6}"/>
-                </a:ext>
-              </a:extLst>
-            </p:cNvPr>
-            <p:cNvCxnSpPr/>
-            <p:nvPr/>
-          </p:nvCxnSpPr>
-          <p:spPr>
-            <a:xfrm rot="16200000" flipH="1">
-              <a:off x="4576236" y="5095664"/>
-              <a:ext cx="399070" cy="645237"/>
-            </a:xfrm>
-            <a:prstGeom prst="bentConnector2">
-              <a:avLst/>
-            </a:prstGeom>
-            <a:ln>
-              <a:tailEnd type="triangle"/>
-            </a:ln>
-          </p:spPr>
-          <p:style>
-            <a:lnRef idx="1">
-              <a:schemeClr val="accent1"/>
-            </a:lnRef>
-            <a:fillRef idx="0">
-              <a:schemeClr val="accent1"/>
-            </a:fillRef>
-            <a:effectRef idx="0">
-              <a:schemeClr val="accent1"/>
-            </a:effectRef>
-            <a:fontRef idx="minor">
-              <a:schemeClr val="tx1"/>
-            </a:fontRef>
-          </p:style>
-        </p:cxnSp>
-        <p:grpSp>
-          <p:nvGrpSpPr>
-            <p:cNvPr id="66" name="群組 65">
-              <a:extLst>
-                <a:ext uri="{FF2B5EF4-FFF2-40B4-BE49-F238E27FC236}">
-                  <a16:creationId xmlns:a16="http://schemas.microsoft.com/office/drawing/2014/main" id="{65527BF4-F590-6247-B9A9-91C708DBF1B1}"/>
-                </a:ext>
-              </a:extLst>
-            </p:cNvPr>
-            <p:cNvGrpSpPr/>
-            <p:nvPr/>
-          </p:nvGrpSpPr>
-          <p:grpSpPr>
-            <a:xfrm>
-              <a:off x="6623611" y="4463550"/>
-              <a:ext cx="576000" cy="714985"/>
-              <a:chOff x="3534505" y="3163973"/>
-              <a:chExt cx="576000" cy="714985"/>
-            </a:xfrm>
-          </p:grpSpPr>
-          <p:sp>
-            <p:nvSpPr>
-              <p:cNvPr id="67" name="矩形 66">
-                <a:extLst>
-                  <a:ext uri="{FF2B5EF4-FFF2-40B4-BE49-F238E27FC236}">
-                    <a16:creationId xmlns:a16="http://schemas.microsoft.com/office/drawing/2014/main" id="{392528DD-AFDD-AA4E-9A85-4ECD8969E52D}"/>
-                  </a:ext>
-                </a:extLst>
-              </p:cNvPr>
-              <p:cNvSpPr/>
-              <p:nvPr/>
-            </p:nvSpPr>
-            <p:spPr>
-              <a:xfrm>
-                <a:off x="3534505" y="3524429"/>
-                <a:ext cx="576000" cy="72000"/>
-              </a:xfrm>
-              <a:prstGeom prst="rect">
-                <a:avLst/>
-              </a:prstGeom>
-              <a:solidFill>
-                <a:schemeClr val="tx1"/>
-              </a:solidFill>
-              <a:ln>
-                <a:noFill/>
-              </a:ln>
-            </p:spPr>
-            <p:style>
-              <a:lnRef idx="2">
-                <a:schemeClr val="accent1">
-                  <a:shade val="50000"/>
-                </a:schemeClr>
-              </a:lnRef>
-              <a:fillRef idx="1">
-                <a:schemeClr val="accent1"/>
-              </a:fillRef>
-              <a:effectRef idx="0">
-                <a:schemeClr val="accent1"/>
-              </a:effectRef>
-              <a:fontRef idx="minor">
-                <a:schemeClr val="lt1"/>
-              </a:fontRef>
-            </p:style>
-            <p:txBody>
-              <a:bodyPr rtlCol="0" anchor="ctr"/>
-              <a:lstStyle/>
-              <a:p>
-                <a:pPr algn="ctr"/>
-                <a:endParaRPr kumimoji="1" lang="zh-TW" altLang="en-US" dirty="0"/>
-              </a:p>
-            </p:txBody>
-          </p:sp>
-          <p:sp>
-            <p:nvSpPr>
-              <p:cNvPr id="68" name="文字方塊 67">
-                <a:extLst>
-                  <a:ext uri="{FF2B5EF4-FFF2-40B4-BE49-F238E27FC236}">
-                    <a16:creationId xmlns:a16="http://schemas.microsoft.com/office/drawing/2014/main" id="{53040FC5-54F9-F344-B7BC-E312EAA8EE2D}"/>
-                  </a:ext>
-                </a:extLst>
-              </p:cNvPr>
-              <p:cNvSpPr txBox="1"/>
-              <p:nvPr/>
-            </p:nvSpPr>
-            <p:spPr>
-              <a:xfrm>
-                <a:off x="3581591" y="3509628"/>
-                <a:ext cx="418703" cy="369330"/>
-              </a:xfrm>
-              <a:prstGeom prst="rect">
-                <a:avLst/>
-              </a:prstGeom>
-              <a:noFill/>
-            </p:spPr>
-            <p:txBody>
-              <a:bodyPr wrap="none" rtlCol="0">
-                <a:spAutoFit/>
-              </a:bodyPr>
-              <a:lstStyle/>
-              <a:p>
-                <a:r>
-                  <a:rPr kumimoji="1" lang="en-US" altLang="zh-TW" dirty="0"/>
-                  <a:t>15</a:t>
-                </a:r>
-              </a:p>
-            </p:txBody>
-          </p:sp>
-          <p:sp>
-            <p:nvSpPr>
-              <p:cNvPr id="69" name="文字方塊 68">
-                <a:extLst>
-                  <a:ext uri="{FF2B5EF4-FFF2-40B4-BE49-F238E27FC236}">
-                    <a16:creationId xmlns:a16="http://schemas.microsoft.com/office/drawing/2014/main" id="{DC359CEC-9CD5-2647-97FB-274A873FEA32}"/>
-                  </a:ext>
-                </a:extLst>
-              </p:cNvPr>
-              <p:cNvSpPr txBox="1"/>
-              <p:nvPr/>
-            </p:nvSpPr>
-            <p:spPr>
-              <a:xfrm>
-                <a:off x="3565810" y="3163973"/>
-                <a:ext cx="418703" cy="369330"/>
-              </a:xfrm>
-              <a:prstGeom prst="rect">
-                <a:avLst/>
-              </a:prstGeom>
-              <a:noFill/>
-            </p:spPr>
-            <p:txBody>
-              <a:bodyPr wrap="none" rtlCol="0">
-                <a:spAutoFit/>
-              </a:bodyPr>
-              <a:lstStyle/>
-              <a:p>
-                <a:r>
-                  <a:rPr kumimoji="1" lang="en-US" altLang="zh-TW" dirty="0">
-                    <a:solidFill>
-                      <a:schemeClr val="tx1">
-                        <a:lumMod val="50000"/>
-                        <a:lumOff val="50000"/>
-                      </a:schemeClr>
-                    </a:solidFill>
-                  </a:rPr>
-                  <a:t>64</a:t>
-                </a:r>
-                <a:endParaRPr kumimoji="1" lang="zh-TW" altLang="en-US" dirty="0">
-                  <a:solidFill>
-                    <a:schemeClr val="tx1">
-                      <a:lumMod val="50000"/>
-                      <a:lumOff val="50000"/>
-                    </a:schemeClr>
-                  </a:solidFill>
-                </a:endParaRPr>
-              </a:p>
-            </p:txBody>
-          </p:sp>
-        </p:grpSp>
-        <p:grpSp>
-          <p:nvGrpSpPr>
-            <p:cNvPr id="96" name="群組 95">
-              <a:extLst>
-                <a:ext uri="{FF2B5EF4-FFF2-40B4-BE49-F238E27FC236}">
-                  <a16:creationId xmlns:a16="http://schemas.microsoft.com/office/drawing/2014/main" id="{09BFF19E-348F-6D4F-AABC-01936B9E5A75}"/>
-                </a:ext>
-              </a:extLst>
-            </p:cNvPr>
-            <p:cNvGrpSpPr/>
-            <p:nvPr/>
-          </p:nvGrpSpPr>
-          <p:grpSpPr>
-            <a:xfrm>
-              <a:off x="7587088" y="3628982"/>
-              <a:ext cx="418704" cy="732538"/>
-              <a:chOff x="3133810" y="1679489"/>
-              <a:chExt cx="418704" cy="731605"/>
-            </a:xfrm>
-          </p:grpSpPr>
-          <p:sp>
-            <p:nvSpPr>
-              <p:cNvPr id="97" name="矩形 96">
-                <a:extLst>
-                  <a:ext uri="{FF2B5EF4-FFF2-40B4-BE49-F238E27FC236}">
-                    <a16:creationId xmlns:a16="http://schemas.microsoft.com/office/drawing/2014/main" id="{4719F061-19F4-B44D-A63D-3AE6AA9AFA8E}"/>
-                  </a:ext>
-                </a:extLst>
-              </p:cNvPr>
-              <p:cNvSpPr/>
-              <p:nvPr/>
-            </p:nvSpPr>
-            <p:spPr>
-              <a:xfrm>
-                <a:off x="3246505" y="2015988"/>
-                <a:ext cx="288000" cy="143817"/>
-              </a:xfrm>
-              <a:prstGeom prst="rect">
-                <a:avLst/>
-              </a:prstGeom>
-              <a:solidFill>
-                <a:schemeClr val="tx1"/>
-              </a:solidFill>
-              <a:ln>
-                <a:noFill/>
-              </a:ln>
-            </p:spPr>
-            <p:style>
-              <a:lnRef idx="2">
-                <a:schemeClr val="accent1">
-                  <a:shade val="50000"/>
-                </a:schemeClr>
-              </a:lnRef>
-              <a:fillRef idx="1">
-                <a:schemeClr val="accent1"/>
-              </a:fillRef>
-              <a:effectRef idx="0">
-                <a:schemeClr val="accent1"/>
-              </a:effectRef>
-              <a:fontRef idx="minor">
-                <a:schemeClr val="lt1"/>
-              </a:fontRef>
-            </p:style>
-            <p:txBody>
-              <a:bodyPr rtlCol="0" anchor="ctr"/>
-              <a:lstStyle/>
-              <a:p>
-                <a:pPr algn="ctr"/>
-                <a:endParaRPr kumimoji="1" lang="zh-TW" altLang="en-US" dirty="0"/>
-              </a:p>
-            </p:txBody>
-          </p:sp>
-          <p:sp>
-            <p:nvSpPr>
-              <p:cNvPr id="98" name="文字方塊 97">
-                <a:extLst>
-                  <a:ext uri="{FF2B5EF4-FFF2-40B4-BE49-F238E27FC236}">
-                    <a16:creationId xmlns:a16="http://schemas.microsoft.com/office/drawing/2014/main" id="{16949858-936D-5943-9EB2-FCC7CC170DAA}"/>
-                  </a:ext>
-                </a:extLst>
-              </p:cNvPr>
-              <p:cNvSpPr txBox="1"/>
-              <p:nvPr/>
-            </p:nvSpPr>
-            <p:spPr>
-              <a:xfrm>
-                <a:off x="3133810" y="2041762"/>
-                <a:ext cx="418704" cy="369332"/>
-              </a:xfrm>
-              <a:prstGeom prst="rect">
-                <a:avLst/>
-              </a:prstGeom>
-              <a:noFill/>
-            </p:spPr>
-            <p:txBody>
-              <a:bodyPr wrap="none" rtlCol="0">
-                <a:spAutoFit/>
-              </a:bodyPr>
-              <a:lstStyle/>
-              <a:p>
-                <a:r>
-                  <a:rPr kumimoji="1" lang="en-US" altLang="zh-TW" dirty="0"/>
-                  <a:t>30</a:t>
-                </a:r>
-              </a:p>
-            </p:txBody>
-          </p:sp>
-          <p:sp>
-            <p:nvSpPr>
-              <p:cNvPr id="99" name="文字方塊 98">
-                <a:extLst>
-                  <a:ext uri="{FF2B5EF4-FFF2-40B4-BE49-F238E27FC236}">
-                    <a16:creationId xmlns:a16="http://schemas.microsoft.com/office/drawing/2014/main" id="{0F87D4AA-9A85-5647-89A1-CC81EB01A3EE}"/>
-                  </a:ext>
-                </a:extLst>
-              </p:cNvPr>
-              <p:cNvSpPr txBox="1"/>
-              <p:nvPr/>
-            </p:nvSpPr>
-            <p:spPr>
-              <a:xfrm>
-                <a:off x="3133810" y="1679489"/>
-                <a:ext cx="418704" cy="369332"/>
-              </a:xfrm>
-              <a:prstGeom prst="rect">
-                <a:avLst/>
-              </a:prstGeom>
-              <a:noFill/>
-            </p:spPr>
-            <p:txBody>
-              <a:bodyPr wrap="none" rtlCol="0">
-                <a:spAutoFit/>
-              </a:bodyPr>
-              <a:lstStyle/>
-              <a:p>
-                <a:r>
-                  <a:rPr kumimoji="1" lang="en-US" altLang="zh-TW" dirty="0">
-                    <a:solidFill>
-                      <a:schemeClr val="tx1">
-                        <a:lumMod val="50000"/>
-                        <a:lumOff val="50000"/>
-                      </a:schemeClr>
-                    </a:solidFill>
-                  </a:rPr>
-                  <a:t>32</a:t>
-                </a:r>
-                <a:endParaRPr kumimoji="1" lang="zh-TW" altLang="en-US" dirty="0">
-                  <a:solidFill>
-                    <a:schemeClr val="tx1">
-                      <a:lumMod val="50000"/>
-                      <a:lumOff val="50000"/>
-                    </a:schemeClr>
-                  </a:solidFill>
-                </a:endParaRPr>
-              </a:p>
-            </p:txBody>
-          </p:sp>
-        </p:grpSp>
-        <p:grpSp>
-          <p:nvGrpSpPr>
-            <p:cNvPr id="100" name="群組 99">
-              <a:extLst>
-                <a:ext uri="{FF2B5EF4-FFF2-40B4-BE49-F238E27FC236}">
-                  <a16:creationId xmlns:a16="http://schemas.microsoft.com/office/drawing/2014/main" id="{3FD9F49D-55F4-6A4A-A75C-71FA689B781C}"/>
-                </a:ext>
-              </a:extLst>
-            </p:cNvPr>
-            <p:cNvGrpSpPr/>
-            <p:nvPr/>
-          </p:nvGrpSpPr>
-          <p:grpSpPr>
-            <a:xfrm>
-              <a:off x="8362538" y="2789865"/>
-              <a:ext cx="434486" cy="904079"/>
-              <a:chOff x="3102248" y="1637558"/>
-              <a:chExt cx="434486" cy="904079"/>
-            </a:xfrm>
-          </p:grpSpPr>
-          <p:sp>
-            <p:nvSpPr>
-              <p:cNvPr id="101" name="矩形 100">
-                <a:extLst>
-                  <a:ext uri="{FF2B5EF4-FFF2-40B4-BE49-F238E27FC236}">
-                    <a16:creationId xmlns:a16="http://schemas.microsoft.com/office/drawing/2014/main" id="{212EA62C-2BC6-CD42-9648-6625C6CBA0B0}"/>
-                  </a:ext>
-                </a:extLst>
-              </p:cNvPr>
-              <p:cNvSpPr/>
-              <p:nvPr/>
-            </p:nvSpPr>
-            <p:spPr>
-              <a:xfrm>
-                <a:off x="3318505" y="1983432"/>
-                <a:ext cx="144000" cy="288000"/>
-              </a:xfrm>
-              <a:prstGeom prst="rect">
-                <a:avLst/>
-              </a:prstGeom>
-              <a:solidFill>
-                <a:schemeClr val="tx1"/>
-              </a:solidFill>
-              <a:ln>
-                <a:noFill/>
-              </a:ln>
-            </p:spPr>
-            <p:style>
-              <a:lnRef idx="2">
-                <a:schemeClr val="accent1">
-                  <a:shade val="50000"/>
-                </a:schemeClr>
-              </a:lnRef>
-              <a:fillRef idx="1">
-                <a:schemeClr val="accent1"/>
-              </a:fillRef>
-              <a:effectRef idx="0">
-                <a:schemeClr val="accent1"/>
-              </a:effectRef>
-              <a:fontRef idx="minor">
-                <a:schemeClr val="lt1"/>
-              </a:fontRef>
-            </p:style>
-            <p:txBody>
-              <a:bodyPr rtlCol="0" anchor="ctr"/>
-              <a:lstStyle/>
-              <a:p>
-                <a:pPr algn="ctr"/>
-                <a:endParaRPr kumimoji="1" lang="zh-TW" altLang="en-US" dirty="0"/>
-              </a:p>
-            </p:txBody>
-          </p:sp>
-          <p:sp>
-            <p:nvSpPr>
-              <p:cNvPr id="102" name="文字方塊 101">
-                <a:extLst>
-                  <a:ext uri="{FF2B5EF4-FFF2-40B4-BE49-F238E27FC236}">
-                    <a16:creationId xmlns:a16="http://schemas.microsoft.com/office/drawing/2014/main" id="{54C9A5A0-D535-7744-BB1B-55FFB07E0273}"/>
-                  </a:ext>
-                </a:extLst>
-              </p:cNvPr>
-              <p:cNvSpPr txBox="1"/>
-              <p:nvPr/>
-            </p:nvSpPr>
-            <p:spPr>
-              <a:xfrm>
-                <a:off x="3118029" y="2172307"/>
-                <a:ext cx="418705" cy="369330"/>
-              </a:xfrm>
-              <a:prstGeom prst="rect">
-                <a:avLst/>
-              </a:prstGeom>
-              <a:noFill/>
-            </p:spPr>
-            <p:txBody>
-              <a:bodyPr wrap="none" rtlCol="0">
-                <a:spAutoFit/>
-              </a:bodyPr>
-              <a:lstStyle/>
-              <a:p>
-                <a:r>
-                  <a:rPr kumimoji="1" lang="en-US" altLang="zh-TW" dirty="0"/>
-                  <a:t>60</a:t>
-                </a:r>
-              </a:p>
-            </p:txBody>
-          </p:sp>
-          <p:sp>
-            <p:nvSpPr>
-              <p:cNvPr id="103" name="文字方塊 102">
-                <a:extLst>
-                  <a:ext uri="{FF2B5EF4-FFF2-40B4-BE49-F238E27FC236}">
-                    <a16:creationId xmlns:a16="http://schemas.microsoft.com/office/drawing/2014/main" id="{7A094D5B-EEB1-CF4E-9CD5-0055A96A06EC}"/>
-                  </a:ext>
-                </a:extLst>
-              </p:cNvPr>
-              <p:cNvSpPr txBox="1"/>
-              <p:nvPr/>
-            </p:nvSpPr>
-            <p:spPr>
-              <a:xfrm>
-                <a:off x="3102248" y="1637558"/>
-                <a:ext cx="418705" cy="369333"/>
-              </a:xfrm>
-              <a:prstGeom prst="rect">
-                <a:avLst/>
-              </a:prstGeom>
-              <a:noFill/>
-            </p:spPr>
-            <p:txBody>
-              <a:bodyPr wrap="none" rtlCol="0">
-                <a:spAutoFit/>
-              </a:bodyPr>
-              <a:lstStyle/>
-              <a:p>
-                <a:r>
-                  <a:rPr kumimoji="1" lang="en-US" altLang="zh-TW" dirty="0">
-                    <a:solidFill>
-                      <a:schemeClr val="tx1">
-                        <a:lumMod val="50000"/>
-                        <a:lumOff val="50000"/>
-                      </a:schemeClr>
-                    </a:solidFill>
-                  </a:rPr>
-                  <a:t>16</a:t>
-                </a:r>
-                <a:endParaRPr kumimoji="1" lang="zh-TW" altLang="en-US" dirty="0">
-                  <a:solidFill>
-                    <a:schemeClr val="tx1">
-                      <a:lumMod val="50000"/>
-                      <a:lumOff val="50000"/>
-                    </a:schemeClr>
-                  </a:solidFill>
-                </a:endParaRPr>
-              </a:p>
-            </p:txBody>
-          </p:sp>
-        </p:grpSp>
-        <p:grpSp>
-          <p:nvGrpSpPr>
-            <p:cNvPr id="104" name="群組 103">
-              <a:extLst>
-                <a:ext uri="{FF2B5EF4-FFF2-40B4-BE49-F238E27FC236}">
-                  <a16:creationId xmlns:a16="http://schemas.microsoft.com/office/drawing/2014/main" id="{16F3C35E-8B07-7143-A65F-6FA96FDE125C}"/>
-                </a:ext>
-              </a:extLst>
-            </p:cNvPr>
-            <p:cNvGrpSpPr/>
-            <p:nvPr/>
-          </p:nvGrpSpPr>
-          <p:grpSpPr>
-            <a:xfrm>
-              <a:off x="9071058" y="1673768"/>
-              <a:ext cx="535724" cy="1231222"/>
-              <a:chOff x="1819757" y="1657128"/>
-              <a:chExt cx="535724" cy="1231222"/>
-            </a:xfrm>
-          </p:grpSpPr>
-          <p:sp>
-            <p:nvSpPr>
-              <p:cNvPr id="105" name="文字方塊 104">
-                <a:extLst>
-                  <a:ext uri="{FF2B5EF4-FFF2-40B4-BE49-F238E27FC236}">
-                    <a16:creationId xmlns:a16="http://schemas.microsoft.com/office/drawing/2014/main" id="{79E57417-F518-EE4C-82F2-D7ECA3C1199A}"/>
-                  </a:ext>
-                </a:extLst>
-              </p:cNvPr>
-              <p:cNvSpPr txBox="1"/>
-              <p:nvPr/>
-            </p:nvSpPr>
-            <p:spPr>
-              <a:xfrm>
-                <a:off x="1819757" y="2519019"/>
-                <a:ext cx="535724" cy="369331"/>
-              </a:xfrm>
-              <a:prstGeom prst="rect">
-                <a:avLst/>
-              </a:prstGeom>
-              <a:noFill/>
-            </p:spPr>
-            <p:txBody>
-              <a:bodyPr wrap="none" rtlCol="0">
-                <a:spAutoFit/>
-              </a:bodyPr>
-              <a:lstStyle/>
-              <a:p>
-                <a:r>
-                  <a:rPr kumimoji="1" lang="en-US" altLang="zh-TW" dirty="0"/>
-                  <a:t>120</a:t>
-                </a:r>
-              </a:p>
-            </p:txBody>
-          </p:sp>
-          <p:grpSp>
-            <p:nvGrpSpPr>
-              <p:cNvPr id="106" name="群組 105">
-                <a:extLst>
-                  <a:ext uri="{FF2B5EF4-FFF2-40B4-BE49-F238E27FC236}">
-                    <a16:creationId xmlns:a16="http://schemas.microsoft.com/office/drawing/2014/main" id="{92B349E9-1BDC-CA47-A535-760E170DE85B}"/>
-                  </a:ext>
-                </a:extLst>
-              </p:cNvPr>
-              <p:cNvGrpSpPr/>
-              <p:nvPr/>
-            </p:nvGrpSpPr>
-            <p:grpSpPr>
-              <a:xfrm>
-                <a:off x="1952557" y="1657128"/>
-                <a:ext cx="301686" cy="934860"/>
-                <a:chOff x="1952557" y="1657128"/>
-                <a:chExt cx="301686" cy="934860"/>
-              </a:xfrm>
-            </p:grpSpPr>
-            <p:sp>
-              <p:nvSpPr>
-                <p:cNvPr id="107" name="矩形 106">
-                  <a:extLst>
-                    <a:ext uri="{FF2B5EF4-FFF2-40B4-BE49-F238E27FC236}">
-                      <a16:creationId xmlns:a16="http://schemas.microsoft.com/office/drawing/2014/main" id="{EB8CFCA5-9B6D-F447-9B62-12DD01B89062}"/>
-                    </a:ext>
-                  </a:extLst>
-                </p:cNvPr>
-                <p:cNvSpPr/>
-                <p:nvPr/>
-              </p:nvSpPr>
-              <p:spPr>
-                <a:xfrm>
-                  <a:off x="2100862" y="2015988"/>
-                  <a:ext cx="72000" cy="576000"/>
-                </a:xfrm>
-                <a:prstGeom prst="rect">
-                  <a:avLst/>
-                </a:prstGeom>
-                <a:solidFill>
-                  <a:schemeClr val="tx1"/>
-                </a:solidFill>
-                <a:ln>
-                  <a:noFill/>
-                </a:ln>
-              </p:spPr>
-              <p:style>
-                <a:lnRef idx="2">
-                  <a:schemeClr val="accent1">
-                    <a:shade val="50000"/>
-                  </a:schemeClr>
-                </a:lnRef>
-                <a:fillRef idx="1">
-                  <a:schemeClr val="accent1"/>
-                </a:fillRef>
-                <a:effectRef idx="0">
-                  <a:schemeClr val="accent1"/>
-                </a:effectRef>
-                <a:fontRef idx="minor">
-                  <a:schemeClr val="lt1"/>
-                </a:fontRef>
-              </p:style>
-              <p:txBody>
-                <a:bodyPr rtlCol="0" anchor="ctr"/>
-                <a:lstStyle/>
-                <a:p>
-                  <a:pPr algn="ctr"/>
-                  <a:endParaRPr kumimoji="1" lang="zh-TW" altLang="en-US" dirty="0"/>
-                </a:p>
-              </p:txBody>
-            </p:sp>
-            <p:sp>
-              <p:nvSpPr>
-                <p:cNvPr id="108" name="文字方塊 107">
-                  <a:extLst>
-                    <a:ext uri="{FF2B5EF4-FFF2-40B4-BE49-F238E27FC236}">
-                      <a16:creationId xmlns:a16="http://schemas.microsoft.com/office/drawing/2014/main" id="{DF0E5C77-1628-6845-AF4C-C4AB4F2EF3A9}"/>
-                    </a:ext>
-                  </a:extLst>
-                </p:cNvPr>
-                <p:cNvSpPr txBox="1"/>
-                <p:nvPr/>
-              </p:nvSpPr>
-              <p:spPr>
-                <a:xfrm>
-                  <a:off x="1952557" y="1657128"/>
-                  <a:ext cx="301686" cy="369330"/>
-                </a:xfrm>
-                <a:prstGeom prst="rect">
-                  <a:avLst/>
-                </a:prstGeom>
-                <a:noFill/>
-              </p:spPr>
-              <p:txBody>
-                <a:bodyPr wrap="none" rtlCol="0">
-                  <a:spAutoFit/>
-                </a:bodyPr>
-                <a:lstStyle/>
-                <a:p>
-                  <a:r>
-                    <a:rPr kumimoji="1" lang="en-US" altLang="zh-TW" dirty="0">
-                      <a:solidFill>
-                        <a:schemeClr val="tx1">
-                          <a:lumMod val="50000"/>
-                          <a:lumOff val="50000"/>
-                        </a:schemeClr>
-                      </a:solidFill>
-                    </a:rPr>
-                    <a:t>8</a:t>
-                  </a:r>
-                  <a:endParaRPr kumimoji="1" lang="zh-TW" altLang="en-US" dirty="0">
-                    <a:solidFill>
-                      <a:schemeClr val="tx1">
-                        <a:lumMod val="50000"/>
-                        <a:lumOff val="50000"/>
-                      </a:schemeClr>
-                    </a:solidFill>
-                  </a:endParaRPr>
-                </a:p>
-              </p:txBody>
-            </p:sp>
-          </p:grpSp>
-        </p:grpSp>
-        <p:grpSp>
-          <p:nvGrpSpPr>
-            <p:cNvPr id="113" name="群組 112">
-              <a:extLst>
-                <a:ext uri="{FF2B5EF4-FFF2-40B4-BE49-F238E27FC236}">
-                  <a16:creationId xmlns:a16="http://schemas.microsoft.com/office/drawing/2014/main" id="{C34215BC-7547-AB41-821F-00AE57D1B45C}"/>
-                </a:ext>
-              </a:extLst>
-            </p:cNvPr>
-            <p:cNvGrpSpPr/>
-            <p:nvPr/>
-          </p:nvGrpSpPr>
-          <p:grpSpPr>
-            <a:xfrm>
-              <a:off x="9806819" y="109883"/>
-              <a:ext cx="535724" cy="1823946"/>
-              <a:chOff x="793200" y="1660091"/>
-              <a:chExt cx="535724" cy="1823946"/>
-            </a:xfrm>
-          </p:grpSpPr>
-          <p:sp>
-            <p:nvSpPr>
-              <p:cNvPr id="114" name="矩形 113">
-                <a:extLst>
-                  <a:ext uri="{FF2B5EF4-FFF2-40B4-BE49-F238E27FC236}">
-                    <a16:creationId xmlns:a16="http://schemas.microsoft.com/office/drawing/2014/main" id="{AE1A2C27-C6C9-E643-85EA-C10EEDB25C49}"/>
-                  </a:ext>
-                </a:extLst>
-              </p:cNvPr>
-              <p:cNvSpPr/>
-              <p:nvPr/>
-            </p:nvSpPr>
-            <p:spPr>
-              <a:xfrm>
-                <a:off x="1034062" y="2021775"/>
-                <a:ext cx="54000" cy="1152000"/>
-              </a:xfrm>
-              <a:prstGeom prst="rect">
-                <a:avLst/>
-              </a:prstGeom>
-              <a:solidFill>
-                <a:schemeClr val="tx1"/>
-              </a:solidFill>
-              <a:ln>
-                <a:noFill/>
-              </a:ln>
-            </p:spPr>
-            <p:style>
-              <a:lnRef idx="2">
-                <a:schemeClr val="accent1">
-                  <a:shade val="50000"/>
-                </a:schemeClr>
-              </a:lnRef>
-              <a:fillRef idx="1">
-                <a:schemeClr val="accent1"/>
-              </a:fillRef>
-              <a:effectRef idx="0">
-                <a:schemeClr val="accent1"/>
-              </a:effectRef>
-              <a:fontRef idx="minor">
-                <a:schemeClr val="lt1"/>
-              </a:fontRef>
-            </p:style>
-            <p:txBody>
-              <a:bodyPr rtlCol="0" anchor="ctr"/>
-              <a:lstStyle/>
-              <a:p>
-                <a:pPr algn="ctr"/>
-                <a:endParaRPr kumimoji="1" lang="zh-TW" altLang="en-US" dirty="0"/>
-              </a:p>
-            </p:txBody>
-          </p:sp>
-          <p:sp>
-            <p:nvSpPr>
-              <p:cNvPr id="115" name="文字方塊 114">
-                <a:extLst>
-                  <a:ext uri="{FF2B5EF4-FFF2-40B4-BE49-F238E27FC236}">
-                    <a16:creationId xmlns:a16="http://schemas.microsoft.com/office/drawing/2014/main" id="{8FAF18C5-5F43-314F-B91A-7EF856E1ACF0}"/>
-                  </a:ext>
-                </a:extLst>
-              </p:cNvPr>
-              <p:cNvSpPr txBox="1"/>
-              <p:nvPr/>
-            </p:nvSpPr>
-            <p:spPr>
-              <a:xfrm>
-                <a:off x="793200" y="3114705"/>
-                <a:ext cx="535724" cy="369332"/>
-              </a:xfrm>
-              <a:prstGeom prst="rect">
-                <a:avLst/>
-              </a:prstGeom>
-              <a:noFill/>
-            </p:spPr>
-            <p:txBody>
-              <a:bodyPr wrap="none" rtlCol="0">
-                <a:spAutoFit/>
-              </a:bodyPr>
-              <a:lstStyle/>
-              <a:p>
-                <a:r>
-                  <a:rPr kumimoji="1" lang="en-US" altLang="zh-TW" dirty="0"/>
-                  <a:t>240</a:t>
-                </a:r>
-              </a:p>
-            </p:txBody>
-          </p:sp>
-          <p:sp>
-            <p:nvSpPr>
-              <p:cNvPr id="116" name="文字方塊 115">
-                <a:extLst>
-                  <a:ext uri="{FF2B5EF4-FFF2-40B4-BE49-F238E27FC236}">
-                    <a16:creationId xmlns:a16="http://schemas.microsoft.com/office/drawing/2014/main" id="{E2D22375-4ECC-5147-9F19-7871C2CF77E6}"/>
-                  </a:ext>
-                </a:extLst>
-              </p:cNvPr>
-              <p:cNvSpPr txBox="1"/>
-              <p:nvPr/>
-            </p:nvSpPr>
-            <p:spPr>
-              <a:xfrm>
-                <a:off x="887658" y="1660091"/>
-                <a:ext cx="301685" cy="369331"/>
-              </a:xfrm>
-              <a:prstGeom prst="rect">
-                <a:avLst/>
-              </a:prstGeom>
-              <a:noFill/>
-            </p:spPr>
-            <p:txBody>
-              <a:bodyPr wrap="none" rtlCol="0">
-                <a:spAutoFit/>
-              </a:bodyPr>
-              <a:lstStyle/>
-              <a:p>
-                <a:r>
-                  <a:rPr kumimoji="1" lang="en-US" altLang="zh-TW" dirty="0">
-                    <a:solidFill>
-                      <a:schemeClr val="tx1">
-                        <a:lumMod val="50000"/>
-                        <a:lumOff val="50000"/>
-                      </a:schemeClr>
-                    </a:solidFill>
-                  </a:rPr>
-                  <a:t>5</a:t>
-                </a:r>
-                <a:endParaRPr kumimoji="1" lang="zh-TW" altLang="en-US" dirty="0">
-                  <a:solidFill>
-                    <a:schemeClr val="tx1">
-                      <a:lumMod val="50000"/>
-                      <a:lumOff val="50000"/>
-                    </a:schemeClr>
-                  </a:solidFill>
-                </a:endParaRPr>
-              </a:p>
-            </p:txBody>
-          </p:sp>
-        </p:grpSp>
-        <p:sp>
-          <p:nvSpPr>
-            <p:cNvPr id="136" name="橢圓 135">
-              <a:extLst>
-                <a:ext uri="{FF2B5EF4-FFF2-40B4-BE49-F238E27FC236}">
-                  <a16:creationId xmlns:a16="http://schemas.microsoft.com/office/drawing/2014/main" id="{0A5D547D-7256-EC42-A671-D8E08F6EC684}"/>
-                </a:ext>
-              </a:extLst>
-            </p:cNvPr>
-            <p:cNvSpPr/>
-            <p:nvPr/>
-          </p:nvSpPr>
-          <p:spPr>
-            <a:xfrm>
-              <a:off x="597194" y="1037637"/>
-              <a:ext cx="180000" cy="180000"/>
-            </a:xfrm>
-            <a:prstGeom prst="ellipse">
-              <a:avLst/>
-            </a:prstGeom>
-            <a:solidFill>
-              <a:schemeClr val="accent4"/>
-            </a:solidFill>
-            <a:ln>
-              <a:noFill/>
-            </a:ln>
-          </p:spPr>
-          <p:style>
-            <a:lnRef idx="2">
-              <a:schemeClr val="accent1">
-                <a:shade val="50000"/>
-              </a:schemeClr>
-            </a:lnRef>
-            <a:fillRef idx="1">
-              <a:schemeClr val="accent1"/>
-            </a:fillRef>
-            <a:effectRef idx="0">
-              <a:schemeClr val="accent1"/>
-            </a:effectRef>
-            <a:fontRef idx="minor">
-              <a:schemeClr val="lt1"/>
-            </a:fontRef>
-          </p:style>
-          <p:txBody>
-            <a:bodyPr rtlCol="0" anchor="ctr"/>
-            <a:lstStyle/>
-            <a:p>
-              <a:pPr algn="ctr"/>
-              <a:endParaRPr kumimoji="1" lang="zh-TW" altLang="en-US"/>
-            </a:p>
-          </p:txBody>
-        </p:sp>
-        <p:sp>
-          <p:nvSpPr>
-            <p:cNvPr id="137" name="橢圓 136">
-              <a:extLst>
-                <a:ext uri="{FF2B5EF4-FFF2-40B4-BE49-F238E27FC236}">
-                  <a16:creationId xmlns:a16="http://schemas.microsoft.com/office/drawing/2014/main" id="{76202B40-4240-1B48-981A-6CCEA32F5338}"/>
-                </a:ext>
-              </a:extLst>
-            </p:cNvPr>
-            <p:cNvSpPr/>
-            <p:nvPr/>
-          </p:nvSpPr>
-          <p:spPr>
-            <a:xfrm>
-              <a:off x="838731" y="1039174"/>
-              <a:ext cx="180000" cy="180000"/>
-            </a:xfrm>
-            <a:prstGeom prst="ellipse">
-              <a:avLst/>
-            </a:prstGeom>
-            <a:solidFill>
-              <a:schemeClr val="accent4"/>
-            </a:solidFill>
-            <a:ln>
-              <a:noFill/>
-            </a:ln>
-          </p:spPr>
-          <p:style>
-            <a:lnRef idx="2">
-              <a:schemeClr val="accent1">
-                <a:shade val="50000"/>
-              </a:schemeClr>
-            </a:lnRef>
-            <a:fillRef idx="1">
-              <a:schemeClr val="accent1"/>
-            </a:fillRef>
-            <a:effectRef idx="0">
-              <a:schemeClr val="accent1"/>
-            </a:effectRef>
-            <a:fontRef idx="minor">
-              <a:schemeClr val="lt1"/>
-            </a:fontRef>
-          </p:style>
-          <p:txBody>
-            <a:bodyPr rtlCol="0" anchor="ctr"/>
-            <a:lstStyle/>
-            <a:p>
-              <a:pPr algn="ctr"/>
-              <a:endParaRPr kumimoji="1" lang="zh-TW" altLang="en-US"/>
-            </a:p>
-          </p:txBody>
-        </p:sp>
-        <p:sp>
-          <p:nvSpPr>
-            <p:cNvPr id="138" name="橢圓 137">
-              <a:extLst>
-                <a:ext uri="{FF2B5EF4-FFF2-40B4-BE49-F238E27FC236}">
-                  <a16:creationId xmlns:a16="http://schemas.microsoft.com/office/drawing/2014/main" id="{5A79A0F6-6348-4940-8343-2F50DC81BD3D}"/>
-                </a:ext>
-              </a:extLst>
-            </p:cNvPr>
-            <p:cNvSpPr/>
-            <p:nvPr/>
-          </p:nvSpPr>
-          <p:spPr>
-            <a:xfrm>
-              <a:off x="1238592" y="2330017"/>
-              <a:ext cx="180000" cy="180000"/>
-            </a:xfrm>
-            <a:prstGeom prst="ellipse">
-              <a:avLst/>
-            </a:prstGeom>
-            <a:solidFill>
-              <a:schemeClr val="accent2"/>
-            </a:solidFill>
-            <a:ln>
-              <a:noFill/>
-            </a:ln>
-          </p:spPr>
-          <p:style>
-            <a:lnRef idx="2">
-              <a:schemeClr val="accent1">
-                <a:shade val="50000"/>
-              </a:schemeClr>
-            </a:lnRef>
-            <a:fillRef idx="1">
-              <a:schemeClr val="accent1"/>
-            </a:fillRef>
-            <a:effectRef idx="0">
-              <a:schemeClr val="accent1"/>
-            </a:effectRef>
-            <a:fontRef idx="minor">
-              <a:schemeClr val="lt1"/>
-            </a:fontRef>
-          </p:style>
-          <p:txBody>
-            <a:bodyPr rtlCol="0" anchor="ctr"/>
-            <a:lstStyle/>
-            <a:p>
-              <a:pPr algn="ctr"/>
-              <a:endParaRPr kumimoji="1" lang="zh-TW" altLang="en-US"/>
-            </a:p>
-          </p:txBody>
-        </p:sp>
-        <p:sp>
-          <p:nvSpPr>
-            <p:cNvPr id="139" name="橢圓 138">
-              <a:extLst>
-                <a:ext uri="{FF2B5EF4-FFF2-40B4-BE49-F238E27FC236}">
-                  <a16:creationId xmlns:a16="http://schemas.microsoft.com/office/drawing/2014/main" id="{8501B9D8-8DDA-8C4A-B037-2E8C2A6ECC4E}"/>
-                </a:ext>
-              </a:extLst>
-            </p:cNvPr>
-            <p:cNvSpPr/>
-            <p:nvPr/>
-          </p:nvSpPr>
-          <p:spPr>
-            <a:xfrm>
-              <a:off x="1485874" y="2327521"/>
-              <a:ext cx="180000" cy="180000"/>
-            </a:xfrm>
-            <a:prstGeom prst="ellipse">
-              <a:avLst/>
-            </a:prstGeom>
-            <a:solidFill>
-              <a:schemeClr val="accent4"/>
-            </a:solidFill>
-            <a:ln>
-              <a:noFill/>
-            </a:ln>
-          </p:spPr>
-          <p:style>
-            <a:lnRef idx="2">
-              <a:schemeClr val="accent1">
-                <a:shade val="50000"/>
-              </a:schemeClr>
-            </a:lnRef>
-            <a:fillRef idx="1">
-              <a:schemeClr val="accent1"/>
-            </a:fillRef>
-            <a:effectRef idx="0">
-              <a:schemeClr val="accent1"/>
-            </a:effectRef>
-            <a:fontRef idx="minor">
-              <a:schemeClr val="lt1"/>
-            </a:fontRef>
-          </p:style>
-          <p:txBody>
-            <a:bodyPr rtlCol="0" anchor="ctr"/>
-            <a:lstStyle/>
-            <a:p>
-              <a:pPr algn="ctr"/>
-              <a:endParaRPr kumimoji="1" lang="zh-TW" altLang="en-US"/>
-            </a:p>
-          </p:txBody>
-        </p:sp>
-        <p:sp>
-          <p:nvSpPr>
-            <p:cNvPr id="140" name="橢圓 139">
-              <a:extLst>
-                <a:ext uri="{FF2B5EF4-FFF2-40B4-BE49-F238E27FC236}">
-                  <a16:creationId xmlns:a16="http://schemas.microsoft.com/office/drawing/2014/main" id="{F663DE02-B7D0-724F-AB14-9A721149E7A9}"/>
-                </a:ext>
-              </a:extLst>
-            </p:cNvPr>
-            <p:cNvSpPr/>
-            <p:nvPr/>
-          </p:nvSpPr>
-          <p:spPr>
-            <a:xfrm>
-              <a:off x="1921937" y="3286534"/>
-              <a:ext cx="180000" cy="180000"/>
-            </a:xfrm>
-            <a:prstGeom prst="ellipse">
-              <a:avLst/>
-            </a:prstGeom>
-            <a:solidFill>
-              <a:schemeClr val="accent2"/>
-            </a:solidFill>
-            <a:ln>
-              <a:noFill/>
-            </a:ln>
-          </p:spPr>
-          <p:style>
-            <a:lnRef idx="2">
-              <a:schemeClr val="accent1">
-                <a:shade val="50000"/>
-              </a:schemeClr>
-            </a:lnRef>
-            <a:fillRef idx="1">
-              <a:schemeClr val="accent1"/>
-            </a:fillRef>
-            <a:effectRef idx="0">
-              <a:schemeClr val="accent1"/>
-            </a:effectRef>
-            <a:fontRef idx="minor">
-              <a:schemeClr val="lt1"/>
-            </a:fontRef>
-          </p:style>
-          <p:txBody>
-            <a:bodyPr rtlCol="0" anchor="ctr"/>
-            <a:lstStyle/>
-            <a:p>
-              <a:pPr algn="ctr"/>
-              <a:endParaRPr kumimoji="1" lang="zh-TW" altLang="en-US"/>
-            </a:p>
-          </p:txBody>
-        </p:sp>
-        <p:sp>
-          <p:nvSpPr>
-            <p:cNvPr id="141" name="橢圓 140">
-              <a:extLst>
-                <a:ext uri="{FF2B5EF4-FFF2-40B4-BE49-F238E27FC236}">
-                  <a16:creationId xmlns:a16="http://schemas.microsoft.com/office/drawing/2014/main" id="{ED975BD4-054D-2447-8409-1941ED3B7C54}"/>
-                </a:ext>
-              </a:extLst>
-            </p:cNvPr>
-            <p:cNvSpPr/>
-            <p:nvPr/>
-          </p:nvSpPr>
-          <p:spPr>
-            <a:xfrm>
-              <a:off x="2169219" y="3284038"/>
-              <a:ext cx="180000" cy="180000"/>
-            </a:xfrm>
-            <a:prstGeom prst="ellipse">
-              <a:avLst/>
-            </a:prstGeom>
-            <a:solidFill>
-              <a:schemeClr val="accent4"/>
-            </a:solidFill>
-            <a:ln>
-              <a:noFill/>
-            </a:ln>
-          </p:spPr>
-          <p:style>
-            <a:lnRef idx="2">
-              <a:schemeClr val="accent1">
-                <a:shade val="50000"/>
-              </a:schemeClr>
-            </a:lnRef>
-            <a:fillRef idx="1">
-              <a:schemeClr val="accent1"/>
-            </a:fillRef>
-            <a:effectRef idx="0">
-              <a:schemeClr val="accent1"/>
-            </a:effectRef>
-            <a:fontRef idx="minor">
-              <a:schemeClr val="lt1"/>
-            </a:fontRef>
-          </p:style>
-          <p:txBody>
-            <a:bodyPr rtlCol="0" anchor="ctr"/>
-            <a:lstStyle/>
-            <a:p>
-              <a:pPr algn="ctr"/>
-              <a:endParaRPr kumimoji="1" lang="zh-TW" altLang="en-US"/>
-            </a:p>
-          </p:txBody>
-        </p:sp>
-        <p:sp>
-          <p:nvSpPr>
-            <p:cNvPr id="142" name="橢圓 141">
-              <a:extLst>
-                <a:ext uri="{FF2B5EF4-FFF2-40B4-BE49-F238E27FC236}">
-                  <a16:creationId xmlns:a16="http://schemas.microsoft.com/office/drawing/2014/main" id="{623FE9E9-0C01-214C-B42F-1BBDE7F4E090}"/>
-                </a:ext>
-              </a:extLst>
-            </p:cNvPr>
-            <p:cNvSpPr/>
-            <p:nvPr/>
-          </p:nvSpPr>
-          <p:spPr>
-            <a:xfrm>
-              <a:off x="2676757" y="4061898"/>
-              <a:ext cx="180000" cy="180000"/>
-            </a:xfrm>
-            <a:prstGeom prst="ellipse">
-              <a:avLst/>
-            </a:prstGeom>
-            <a:solidFill>
-              <a:schemeClr val="accent2"/>
-            </a:solidFill>
-            <a:ln>
-              <a:noFill/>
-            </a:ln>
-          </p:spPr>
-          <p:style>
-            <a:lnRef idx="2">
-              <a:schemeClr val="accent1">
-                <a:shade val="50000"/>
-              </a:schemeClr>
-            </a:lnRef>
-            <a:fillRef idx="1">
-              <a:schemeClr val="accent1"/>
-            </a:fillRef>
-            <a:effectRef idx="0">
-              <a:schemeClr val="accent1"/>
-            </a:effectRef>
-            <a:fontRef idx="minor">
-              <a:schemeClr val="lt1"/>
-            </a:fontRef>
-          </p:style>
-          <p:txBody>
-            <a:bodyPr rtlCol="0" anchor="ctr"/>
-            <a:lstStyle/>
-            <a:p>
-              <a:pPr algn="ctr"/>
-              <a:endParaRPr kumimoji="1" lang="zh-TW" altLang="en-US"/>
-            </a:p>
-          </p:txBody>
-        </p:sp>
-        <p:sp>
-          <p:nvSpPr>
-            <p:cNvPr id="143" name="橢圓 142">
-              <a:extLst>
-                <a:ext uri="{FF2B5EF4-FFF2-40B4-BE49-F238E27FC236}">
-                  <a16:creationId xmlns:a16="http://schemas.microsoft.com/office/drawing/2014/main" id="{504BA134-C378-BE4C-9194-5119767F5122}"/>
-                </a:ext>
-              </a:extLst>
-            </p:cNvPr>
-            <p:cNvSpPr/>
-            <p:nvPr/>
-          </p:nvSpPr>
-          <p:spPr>
-            <a:xfrm>
-              <a:off x="2924039" y="4059402"/>
-              <a:ext cx="180000" cy="180000"/>
-            </a:xfrm>
-            <a:prstGeom prst="ellipse">
-              <a:avLst/>
-            </a:prstGeom>
-            <a:solidFill>
-              <a:schemeClr val="accent4"/>
-            </a:solidFill>
-            <a:ln>
-              <a:noFill/>
-            </a:ln>
-          </p:spPr>
-          <p:style>
-            <a:lnRef idx="2">
-              <a:schemeClr val="accent1">
-                <a:shade val="50000"/>
-              </a:schemeClr>
-            </a:lnRef>
-            <a:fillRef idx="1">
-              <a:schemeClr val="accent1"/>
-            </a:fillRef>
-            <a:effectRef idx="0">
-              <a:schemeClr val="accent1"/>
-            </a:effectRef>
-            <a:fontRef idx="minor">
-              <a:schemeClr val="lt1"/>
-            </a:fontRef>
-          </p:style>
-          <p:txBody>
-            <a:bodyPr rtlCol="0" anchor="ctr"/>
-            <a:lstStyle/>
-            <a:p>
-              <a:pPr algn="ctr"/>
-              <a:endParaRPr kumimoji="1" lang="zh-TW" altLang="en-US"/>
-            </a:p>
-          </p:txBody>
-        </p:sp>
-        <p:sp>
-          <p:nvSpPr>
-            <p:cNvPr id="144" name="橢圓 143">
-              <a:extLst>
-                <a:ext uri="{FF2B5EF4-FFF2-40B4-BE49-F238E27FC236}">
-                  <a16:creationId xmlns:a16="http://schemas.microsoft.com/office/drawing/2014/main" id="{A3B2E598-04AF-6C46-A78C-9DBB0FFE8050}"/>
-                </a:ext>
-              </a:extLst>
-            </p:cNvPr>
-            <p:cNvSpPr/>
-            <p:nvPr/>
-          </p:nvSpPr>
-          <p:spPr>
-            <a:xfrm>
-              <a:off x="3525767" y="4792300"/>
-              <a:ext cx="180000" cy="180000"/>
-            </a:xfrm>
-            <a:prstGeom prst="ellipse">
-              <a:avLst/>
-            </a:prstGeom>
-            <a:solidFill>
-              <a:schemeClr val="accent2"/>
-            </a:solidFill>
-            <a:ln>
-              <a:noFill/>
-            </a:ln>
-          </p:spPr>
-          <p:style>
-            <a:lnRef idx="2">
-              <a:schemeClr val="accent1">
-                <a:shade val="50000"/>
-              </a:schemeClr>
-            </a:lnRef>
-            <a:fillRef idx="1">
-              <a:schemeClr val="accent1"/>
-            </a:fillRef>
-            <a:effectRef idx="0">
-              <a:schemeClr val="accent1"/>
-            </a:effectRef>
-            <a:fontRef idx="minor">
-              <a:schemeClr val="lt1"/>
-            </a:fontRef>
-          </p:style>
-          <p:txBody>
-            <a:bodyPr rtlCol="0" anchor="ctr"/>
-            <a:lstStyle/>
-            <a:p>
-              <a:pPr algn="ctr"/>
-              <a:endParaRPr kumimoji="1" lang="zh-TW" altLang="en-US"/>
-            </a:p>
-          </p:txBody>
-        </p:sp>
-        <p:sp>
-          <p:nvSpPr>
-            <p:cNvPr id="145" name="橢圓 144">
-              <a:extLst>
-                <a:ext uri="{FF2B5EF4-FFF2-40B4-BE49-F238E27FC236}">
-                  <a16:creationId xmlns:a16="http://schemas.microsoft.com/office/drawing/2014/main" id="{B2BC8A5A-8780-D84C-B6AA-CC5CE1D83D8A}"/>
-                </a:ext>
-              </a:extLst>
-            </p:cNvPr>
-            <p:cNvSpPr/>
-            <p:nvPr/>
-          </p:nvSpPr>
-          <p:spPr>
-            <a:xfrm>
-              <a:off x="3773049" y="4789804"/>
-              <a:ext cx="180000" cy="180000"/>
-            </a:xfrm>
-            <a:prstGeom prst="ellipse">
-              <a:avLst/>
-            </a:prstGeom>
-            <a:solidFill>
-              <a:schemeClr val="accent4"/>
-            </a:solidFill>
-            <a:ln>
-              <a:noFill/>
-            </a:ln>
-          </p:spPr>
-          <p:style>
-            <a:lnRef idx="2">
-              <a:schemeClr val="accent1">
-                <a:shade val="50000"/>
-              </a:schemeClr>
-            </a:lnRef>
-            <a:fillRef idx="1">
-              <a:schemeClr val="accent1"/>
-            </a:fillRef>
-            <a:effectRef idx="0">
-              <a:schemeClr val="accent1"/>
-            </a:effectRef>
-            <a:fontRef idx="minor">
-              <a:schemeClr val="lt1"/>
-            </a:fontRef>
-          </p:style>
-          <p:txBody>
-            <a:bodyPr rtlCol="0" anchor="ctr"/>
-            <a:lstStyle/>
-            <a:p>
-              <a:pPr algn="ctr"/>
-              <a:endParaRPr kumimoji="1" lang="zh-TW" altLang="en-US"/>
-            </a:p>
-          </p:txBody>
-        </p:sp>
-        <p:sp>
-          <p:nvSpPr>
-            <p:cNvPr id="146" name="橢圓 145">
-              <a:extLst>
-                <a:ext uri="{FF2B5EF4-FFF2-40B4-BE49-F238E27FC236}">
-                  <a16:creationId xmlns:a16="http://schemas.microsoft.com/office/drawing/2014/main" id="{3E9AD2EA-AADF-7B43-89CB-69F4EB74EF9D}"/>
-                </a:ext>
-              </a:extLst>
-            </p:cNvPr>
-            <p:cNvSpPr/>
-            <p:nvPr/>
-          </p:nvSpPr>
-          <p:spPr>
-            <a:xfrm>
-              <a:off x="4542413" y="5527817"/>
-              <a:ext cx="180000" cy="180000"/>
-            </a:xfrm>
-            <a:prstGeom prst="ellipse">
-              <a:avLst/>
-            </a:prstGeom>
-            <a:solidFill>
-              <a:schemeClr val="accent2"/>
-            </a:solidFill>
-            <a:ln>
-              <a:noFill/>
-            </a:ln>
-          </p:spPr>
-          <p:style>
-            <a:lnRef idx="2">
-              <a:schemeClr val="accent1">
-                <a:shade val="50000"/>
-              </a:schemeClr>
-            </a:lnRef>
-            <a:fillRef idx="1">
-              <a:schemeClr val="accent1"/>
-            </a:fillRef>
-            <a:effectRef idx="0">
-              <a:schemeClr val="accent1"/>
-            </a:effectRef>
-            <a:fontRef idx="minor">
-              <a:schemeClr val="lt1"/>
-            </a:fontRef>
-          </p:style>
-          <p:txBody>
-            <a:bodyPr rtlCol="0" anchor="ctr"/>
-            <a:lstStyle/>
-            <a:p>
-              <a:pPr algn="ctr"/>
-              <a:endParaRPr kumimoji="1" lang="zh-TW" altLang="en-US"/>
-            </a:p>
-          </p:txBody>
-        </p:sp>
-        <p:sp>
-          <p:nvSpPr>
-            <p:cNvPr id="147" name="橢圓 146">
-              <a:extLst>
-                <a:ext uri="{FF2B5EF4-FFF2-40B4-BE49-F238E27FC236}">
-                  <a16:creationId xmlns:a16="http://schemas.microsoft.com/office/drawing/2014/main" id="{2176D61D-452D-734C-9DA2-9E19A14DFF56}"/>
-                </a:ext>
-              </a:extLst>
-            </p:cNvPr>
-            <p:cNvSpPr/>
-            <p:nvPr/>
-          </p:nvSpPr>
-          <p:spPr>
-            <a:xfrm>
-              <a:off x="4789695" y="5525321"/>
-              <a:ext cx="180000" cy="180000"/>
-            </a:xfrm>
-            <a:prstGeom prst="ellipse">
-              <a:avLst/>
-            </a:prstGeom>
-            <a:solidFill>
-              <a:schemeClr val="accent4"/>
-            </a:solidFill>
-            <a:ln>
-              <a:noFill/>
-            </a:ln>
-          </p:spPr>
-          <p:style>
-            <a:lnRef idx="2">
-              <a:schemeClr val="accent1">
-                <a:shade val="50000"/>
-              </a:schemeClr>
-            </a:lnRef>
-            <a:fillRef idx="1">
-              <a:schemeClr val="accent1"/>
-            </a:fillRef>
-            <a:effectRef idx="0">
-              <a:schemeClr val="accent1"/>
-            </a:effectRef>
-            <a:fontRef idx="minor">
-              <a:schemeClr val="lt1"/>
-            </a:fontRef>
-          </p:style>
-          <p:txBody>
-            <a:bodyPr rtlCol="0" anchor="ctr"/>
-            <a:lstStyle/>
-            <a:p>
-              <a:pPr algn="ctr"/>
-              <a:endParaRPr kumimoji="1" lang="zh-TW" altLang="en-US"/>
-            </a:p>
-          </p:txBody>
-        </p:sp>
-        <p:sp>
-          <p:nvSpPr>
-            <p:cNvPr id="148" name="橢圓 147">
-              <a:extLst>
-                <a:ext uri="{FF2B5EF4-FFF2-40B4-BE49-F238E27FC236}">
-                  <a16:creationId xmlns:a16="http://schemas.microsoft.com/office/drawing/2014/main" id="{DBDC05F2-591B-914D-857F-38BAD80F47E1}"/>
-                </a:ext>
-              </a:extLst>
-            </p:cNvPr>
-            <p:cNvSpPr/>
-            <p:nvPr/>
-          </p:nvSpPr>
-          <p:spPr>
-            <a:xfrm>
-              <a:off x="6380392" y="5532824"/>
-              <a:ext cx="180000" cy="180000"/>
-            </a:xfrm>
-            <a:prstGeom prst="ellipse">
-              <a:avLst/>
-            </a:prstGeom>
-            <a:solidFill>
-              <a:schemeClr val="accent5"/>
-            </a:solidFill>
-            <a:ln>
-              <a:noFill/>
-            </a:ln>
-          </p:spPr>
-          <p:style>
-            <a:lnRef idx="2">
-              <a:schemeClr val="accent1">
-                <a:shade val="50000"/>
-              </a:schemeClr>
-            </a:lnRef>
-            <a:fillRef idx="1">
-              <a:schemeClr val="accent1"/>
-            </a:fillRef>
-            <a:effectRef idx="0">
-              <a:schemeClr val="accent1"/>
-            </a:effectRef>
-            <a:fontRef idx="minor">
-              <a:schemeClr val="lt1"/>
-            </a:fontRef>
-          </p:style>
-          <p:txBody>
-            <a:bodyPr rtlCol="0" anchor="ctr"/>
-            <a:lstStyle/>
-            <a:p>
-              <a:pPr algn="ctr"/>
-              <a:endParaRPr kumimoji="1" lang="zh-TW" altLang="en-US"/>
-            </a:p>
-          </p:txBody>
-        </p:sp>
-        <p:sp>
-          <p:nvSpPr>
-            <p:cNvPr id="120" name="橢圓 119">
-              <a:extLst>
-                <a:ext uri="{FF2B5EF4-FFF2-40B4-BE49-F238E27FC236}">
-                  <a16:creationId xmlns:a16="http://schemas.microsoft.com/office/drawing/2014/main" id="{450AE22D-6434-5A4F-9952-5A4BEE87AB06}"/>
-                </a:ext>
-              </a:extLst>
-            </p:cNvPr>
-            <p:cNvSpPr/>
-            <p:nvPr/>
-          </p:nvSpPr>
-          <p:spPr>
-            <a:xfrm>
-              <a:off x="6637810" y="5540174"/>
-              <a:ext cx="180000" cy="180000"/>
-            </a:xfrm>
-            <a:prstGeom prst="ellipse">
-              <a:avLst/>
-            </a:prstGeom>
-            <a:solidFill>
-              <a:srgbClr val="92D050"/>
-            </a:solidFill>
-            <a:ln>
-              <a:noFill/>
-            </a:ln>
-          </p:spPr>
-          <p:style>
-            <a:lnRef idx="2">
-              <a:schemeClr val="accent1">
-                <a:shade val="50000"/>
-              </a:schemeClr>
-            </a:lnRef>
-            <a:fillRef idx="1">
-              <a:schemeClr val="accent1"/>
-            </a:fillRef>
-            <a:effectRef idx="0">
-              <a:schemeClr val="accent1"/>
-            </a:effectRef>
-            <a:fontRef idx="minor">
-              <a:schemeClr val="lt1"/>
-            </a:fontRef>
-          </p:style>
-          <p:txBody>
-            <a:bodyPr rtlCol="0" anchor="ctr"/>
-            <a:lstStyle/>
-            <a:p>
-              <a:pPr algn="ctr"/>
-              <a:endParaRPr kumimoji="1" lang="zh-TW" altLang="en-US"/>
-            </a:p>
-          </p:txBody>
-        </p:sp>
-        <p:cxnSp>
-          <p:nvCxnSpPr>
-            <p:cNvPr id="122" name="肘形接點 121">
-              <a:extLst>
-                <a:ext uri="{FF2B5EF4-FFF2-40B4-BE49-F238E27FC236}">
-                  <a16:creationId xmlns:a16="http://schemas.microsoft.com/office/drawing/2014/main" id="{65FFC34C-62AD-7F45-B0B1-78C31DD8B5FB}"/>
-                </a:ext>
-              </a:extLst>
-            </p:cNvPr>
-            <p:cNvCxnSpPr>
-              <a:cxnSpLocks/>
-            </p:cNvCxnSpPr>
-            <p:nvPr/>
-          </p:nvCxnSpPr>
-          <p:spPr>
-            <a:xfrm flipV="1">
-              <a:off x="7220682" y="4439220"/>
-              <a:ext cx="598650" cy="407080"/>
-            </a:xfrm>
-            <a:prstGeom prst="bentConnector3">
-              <a:avLst>
-                <a:gd name="adj1" fmla="val 99539"/>
-              </a:avLst>
-            </a:prstGeom>
-            <a:ln>
-              <a:tailEnd type="triangle"/>
-            </a:ln>
-          </p:spPr>
-          <p:style>
-            <a:lnRef idx="1">
-              <a:schemeClr val="accent1"/>
-            </a:lnRef>
-            <a:fillRef idx="0">
-              <a:schemeClr val="accent1"/>
-            </a:fillRef>
-            <a:effectRef idx="0">
-              <a:schemeClr val="accent1"/>
-            </a:effectRef>
-            <a:fontRef idx="minor">
-              <a:schemeClr val="tx1"/>
-            </a:fontRef>
-          </p:style>
-        </p:cxnSp>
-        <p:sp>
-          <p:nvSpPr>
-            <p:cNvPr id="123" name="橢圓 122">
-              <a:extLst>
-                <a:ext uri="{FF2B5EF4-FFF2-40B4-BE49-F238E27FC236}">
-                  <a16:creationId xmlns:a16="http://schemas.microsoft.com/office/drawing/2014/main" id="{75E4F0DF-9BA7-6B4A-ACE2-2B6FB95BD5B0}"/>
-                </a:ext>
-              </a:extLst>
-            </p:cNvPr>
-            <p:cNvSpPr/>
-            <p:nvPr/>
-          </p:nvSpPr>
-          <p:spPr>
-            <a:xfrm>
-              <a:off x="7287013" y="4761307"/>
-              <a:ext cx="180000" cy="180000"/>
-            </a:xfrm>
-            <a:prstGeom prst="ellipse">
-              <a:avLst/>
-            </a:prstGeom>
-            <a:solidFill>
-              <a:schemeClr val="accent5"/>
-            </a:solidFill>
-            <a:ln>
-              <a:noFill/>
-            </a:ln>
-          </p:spPr>
-          <p:style>
-            <a:lnRef idx="2">
-              <a:schemeClr val="accent1">
-                <a:shade val="50000"/>
-              </a:schemeClr>
-            </a:lnRef>
-            <a:fillRef idx="1">
-              <a:schemeClr val="accent1"/>
-            </a:fillRef>
-            <a:effectRef idx="0">
-              <a:schemeClr val="accent1"/>
-            </a:effectRef>
-            <a:fontRef idx="minor">
-              <a:schemeClr val="lt1"/>
-            </a:fontRef>
-          </p:style>
-          <p:txBody>
-            <a:bodyPr rtlCol="0" anchor="ctr"/>
-            <a:lstStyle/>
-            <a:p>
-              <a:pPr algn="ctr"/>
-              <a:endParaRPr kumimoji="1" lang="zh-TW" altLang="en-US"/>
-            </a:p>
-          </p:txBody>
-        </p:sp>
-        <p:sp>
-          <p:nvSpPr>
-            <p:cNvPr id="125" name="橢圓 124">
-              <a:extLst>
-                <a:ext uri="{FF2B5EF4-FFF2-40B4-BE49-F238E27FC236}">
-                  <a16:creationId xmlns:a16="http://schemas.microsoft.com/office/drawing/2014/main" id="{5351D9C2-F11D-B849-87E5-D410B1C02A75}"/>
-                </a:ext>
-              </a:extLst>
-            </p:cNvPr>
-            <p:cNvSpPr/>
-            <p:nvPr/>
-          </p:nvSpPr>
-          <p:spPr>
-            <a:xfrm>
-              <a:off x="7544431" y="4768657"/>
-              <a:ext cx="180000" cy="180000"/>
-            </a:xfrm>
-            <a:prstGeom prst="ellipse">
-              <a:avLst/>
-            </a:prstGeom>
-            <a:solidFill>
-              <a:srgbClr val="92D050"/>
-            </a:solidFill>
-            <a:ln>
-              <a:noFill/>
-            </a:ln>
-          </p:spPr>
-          <p:style>
-            <a:lnRef idx="2">
-              <a:schemeClr val="accent1">
-                <a:shade val="50000"/>
-              </a:schemeClr>
-            </a:lnRef>
-            <a:fillRef idx="1">
-              <a:schemeClr val="accent1"/>
-            </a:fillRef>
-            <a:effectRef idx="0">
-              <a:schemeClr val="accent1"/>
-            </a:effectRef>
-            <a:fontRef idx="minor">
-              <a:schemeClr val="lt1"/>
-            </a:fontRef>
-          </p:style>
-          <p:txBody>
-            <a:bodyPr rtlCol="0" anchor="ctr"/>
-            <a:lstStyle/>
-            <a:p>
-              <a:pPr algn="ctr"/>
-              <a:endParaRPr kumimoji="1" lang="zh-TW" altLang="en-US"/>
-            </a:p>
-          </p:txBody>
-        </p:sp>
-        <p:cxnSp>
-          <p:nvCxnSpPr>
-            <p:cNvPr id="126" name="肘形接點 125">
-              <a:extLst>
-                <a:ext uri="{FF2B5EF4-FFF2-40B4-BE49-F238E27FC236}">
-                  <a16:creationId xmlns:a16="http://schemas.microsoft.com/office/drawing/2014/main" id="{B9A33887-D614-8644-9957-84EA519CEE06}"/>
-                </a:ext>
-              </a:extLst>
-            </p:cNvPr>
-            <p:cNvCxnSpPr>
-              <a:cxnSpLocks/>
-            </p:cNvCxnSpPr>
-            <p:nvPr/>
-          </p:nvCxnSpPr>
-          <p:spPr>
-            <a:xfrm flipV="1">
-              <a:off x="8053135" y="3653767"/>
-              <a:ext cx="598650" cy="407080"/>
-            </a:xfrm>
-            <a:prstGeom prst="bentConnector3">
-              <a:avLst>
-                <a:gd name="adj1" fmla="val 99539"/>
-              </a:avLst>
-            </a:prstGeom>
-            <a:ln>
-              <a:tailEnd type="triangle"/>
-            </a:ln>
-          </p:spPr>
-          <p:style>
-            <a:lnRef idx="1">
-              <a:schemeClr val="accent1"/>
-            </a:lnRef>
-            <a:fillRef idx="0">
-              <a:schemeClr val="accent1"/>
-            </a:fillRef>
-            <a:effectRef idx="0">
-              <a:schemeClr val="accent1"/>
-            </a:effectRef>
-            <a:fontRef idx="minor">
-              <a:schemeClr val="tx1"/>
-            </a:fontRef>
-          </p:style>
-        </p:cxnSp>
-        <p:sp>
-          <p:nvSpPr>
-            <p:cNvPr id="129" name="橢圓 128">
-              <a:extLst>
-                <a:ext uri="{FF2B5EF4-FFF2-40B4-BE49-F238E27FC236}">
-                  <a16:creationId xmlns:a16="http://schemas.microsoft.com/office/drawing/2014/main" id="{92B4C019-BA70-FC47-A911-48203E410932}"/>
-                </a:ext>
-              </a:extLst>
-            </p:cNvPr>
-            <p:cNvSpPr/>
-            <p:nvPr/>
-          </p:nvSpPr>
-          <p:spPr>
-            <a:xfrm>
-              <a:off x="8119466" y="3963497"/>
-              <a:ext cx="180000" cy="180000"/>
-            </a:xfrm>
-            <a:prstGeom prst="ellipse">
-              <a:avLst/>
-            </a:prstGeom>
-            <a:solidFill>
-              <a:schemeClr val="accent5"/>
-            </a:solidFill>
-            <a:ln>
-              <a:noFill/>
-            </a:ln>
-          </p:spPr>
-          <p:style>
-            <a:lnRef idx="2">
-              <a:schemeClr val="accent1">
-                <a:shade val="50000"/>
-              </a:schemeClr>
-            </a:lnRef>
-            <a:fillRef idx="1">
-              <a:schemeClr val="accent1"/>
-            </a:fillRef>
-            <a:effectRef idx="0">
-              <a:schemeClr val="accent1"/>
-            </a:effectRef>
-            <a:fontRef idx="minor">
-              <a:schemeClr val="lt1"/>
-            </a:fontRef>
-          </p:style>
-          <p:txBody>
-            <a:bodyPr rtlCol="0" anchor="ctr"/>
-            <a:lstStyle/>
-            <a:p>
-              <a:pPr algn="ctr"/>
-              <a:endParaRPr kumimoji="1" lang="zh-TW" altLang="en-US"/>
-            </a:p>
-          </p:txBody>
-        </p:sp>
-        <p:sp>
-          <p:nvSpPr>
-            <p:cNvPr id="132" name="橢圓 131">
-              <a:extLst>
-                <a:ext uri="{FF2B5EF4-FFF2-40B4-BE49-F238E27FC236}">
-                  <a16:creationId xmlns:a16="http://schemas.microsoft.com/office/drawing/2014/main" id="{16324123-98C7-3E48-A01C-4FEDECFA83CB}"/>
-                </a:ext>
-              </a:extLst>
-            </p:cNvPr>
-            <p:cNvSpPr/>
-            <p:nvPr/>
-          </p:nvSpPr>
-          <p:spPr>
-            <a:xfrm>
-              <a:off x="8376884" y="3970847"/>
-              <a:ext cx="180000" cy="180000"/>
-            </a:xfrm>
-            <a:prstGeom prst="ellipse">
-              <a:avLst/>
-            </a:prstGeom>
-            <a:solidFill>
-              <a:srgbClr val="92D050"/>
-            </a:solidFill>
-            <a:ln>
-              <a:noFill/>
-            </a:ln>
-          </p:spPr>
-          <p:style>
-            <a:lnRef idx="2">
-              <a:schemeClr val="accent1">
-                <a:shade val="50000"/>
-              </a:schemeClr>
-            </a:lnRef>
-            <a:fillRef idx="1">
-              <a:schemeClr val="accent1"/>
-            </a:fillRef>
-            <a:effectRef idx="0">
-              <a:schemeClr val="accent1"/>
-            </a:effectRef>
-            <a:fontRef idx="minor">
-              <a:schemeClr val="lt1"/>
-            </a:fontRef>
-          </p:style>
-          <p:txBody>
-            <a:bodyPr rtlCol="0" anchor="ctr"/>
-            <a:lstStyle/>
-            <a:p>
-              <a:pPr algn="ctr"/>
-              <a:endParaRPr kumimoji="1" lang="zh-TW" altLang="en-US"/>
-            </a:p>
-          </p:txBody>
-        </p:sp>
-        <p:cxnSp>
-          <p:nvCxnSpPr>
-            <p:cNvPr id="135" name="肘形接點 134">
-              <a:extLst>
-                <a:ext uri="{FF2B5EF4-FFF2-40B4-BE49-F238E27FC236}">
-                  <a16:creationId xmlns:a16="http://schemas.microsoft.com/office/drawing/2014/main" id="{9FC45144-7CF2-B142-9A69-AAD4C24C8650}"/>
-                </a:ext>
-              </a:extLst>
-            </p:cNvPr>
-            <p:cNvCxnSpPr>
-              <a:cxnSpLocks/>
-            </p:cNvCxnSpPr>
-            <p:nvPr/>
-          </p:nvCxnSpPr>
-          <p:spPr>
-            <a:xfrm flipV="1">
-              <a:off x="8798532" y="2864820"/>
-              <a:ext cx="598650" cy="407080"/>
-            </a:xfrm>
-            <a:prstGeom prst="bentConnector3">
-              <a:avLst>
-                <a:gd name="adj1" fmla="val 99539"/>
-              </a:avLst>
-            </a:prstGeom>
-            <a:ln>
-              <a:tailEnd type="triangle"/>
-            </a:ln>
-          </p:spPr>
-          <p:style>
-            <a:lnRef idx="1">
-              <a:schemeClr val="accent1"/>
-            </a:lnRef>
-            <a:fillRef idx="0">
-              <a:schemeClr val="accent1"/>
-            </a:fillRef>
-            <a:effectRef idx="0">
-              <a:schemeClr val="accent1"/>
-            </a:effectRef>
-            <a:fontRef idx="minor">
-              <a:schemeClr val="tx1"/>
-            </a:fontRef>
-          </p:style>
-        </p:cxnSp>
-        <p:sp>
-          <p:nvSpPr>
-            <p:cNvPr id="160" name="橢圓 159">
-              <a:extLst>
-                <a:ext uri="{FF2B5EF4-FFF2-40B4-BE49-F238E27FC236}">
-                  <a16:creationId xmlns:a16="http://schemas.microsoft.com/office/drawing/2014/main" id="{FEB002F9-CE6E-AE48-86D0-EA3B72ECEBFE}"/>
-                </a:ext>
-              </a:extLst>
-            </p:cNvPr>
-            <p:cNvSpPr/>
-            <p:nvPr/>
-          </p:nvSpPr>
-          <p:spPr>
-            <a:xfrm>
-              <a:off x="8864863" y="3186907"/>
-              <a:ext cx="180000" cy="180000"/>
-            </a:xfrm>
-            <a:prstGeom prst="ellipse">
-              <a:avLst/>
-            </a:prstGeom>
-            <a:solidFill>
-              <a:schemeClr val="accent5"/>
-            </a:solidFill>
-            <a:ln>
-              <a:noFill/>
-            </a:ln>
-          </p:spPr>
-          <p:style>
-            <a:lnRef idx="2">
-              <a:schemeClr val="accent1">
-                <a:shade val="50000"/>
-              </a:schemeClr>
-            </a:lnRef>
-            <a:fillRef idx="1">
-              <a:schemeClr val="accent1"/>
-            </a:fillRef>
-            <a:effectRef idx="0">
-              <a:schemeClr val="accent1"/>
-            </a:effectRef>
-            <a:fontRef idx="minor">
-              <a:schemeClr val="lt1"/>
-            </a:fontRef>
-          </p:style>
-          <p:txBody>
-            <a:bodyPr rtlCol="0" anchor="ctr"/>
-            <a:lstStyle/>
-            <a:p>
-              <a:pPr algn="ctr"/>
-              <a:endParaRPr kumimoji="1" lang="zh-TW" altLang="en-US"/>
-            </a:p>
-          </p:txBody>
-        </p:sp>
-        <p:sp>
-          <p:nvSpPr>
-            <p:cNvPr id="161" name="橢圓 160">
-              <a:extLst>
-                <a:ext uri="{FF2B5EF4-FFF2-40B4-BE49-F238E27FC236}">
-                  <a16:creationId xmlns:a16="http://schemas.microsoft.com/office/drawing/2014/main" id="{4C011DDC-7EFA-8C44-B929-90189BBC27B7}"/>
-                </a:ext>
-              </a:extLst>
-            </p:cNvPr>
-            <p:cNvSpPr/>
-            <p:nvPr/>
-          </p:nvSpPr>
-          <p:spPr>
-            <a:xfrm>
-              <a:off x="9122281" y="3181900"/>
-              <a:ext cx="180000" cy="180000"/>
-            </a:xfrm>
-            <a:prstGeom prst="ellipse">
-              <a:avLst/>
-            </a:prstGeom>
-            <a:solidFill>
-              <a:srgbClr val="92D050"/>
-            </a:solidFill>
-            <a:ln>
-              <a:noFill/>
-            </a:ln>
-          </p:spPr>
-          <p:style>
-            <a:lnRef idx="2">
-              <a:schemeClr val="accent1">
-                <a:shade val="50000"/>
-              </a:schemeClr>
-            </a:lnRef>
-            <a:fillRef idx="1">
-              <a:schemeClr val="accent1"/>
-            </a:fillRef>
-            <a:effectRef idx="0">
-              <a:schemeClr val="accent1"/>
-            </a:effectRef>
-            <a:fontRef idx="minor">
-              <a:schemeClr val="lt1"/>
-            </a:fontRef>
-          </p:style>
-          <p:txBody>
-            <a:bodyPr rtlCol="0" anchor="ctr"/>
-            <a:lstStyle/>
-            <a:p>
-              <a:pPr algn="ctr"/>
-              <a:endParaRPr kumimoji="1" lang="zh-TW" altLang="en-US"/>
-            </a:p>
-          </p:txBody>
-        </p:sp>
-        <p:cxnSp>
-          <p:nvCxnSpPr>
-            <p:cNvPr id="162" name="肘形接點 161">
-              <a:extLst>
-                <a:ext uri="{FF2B5EF4-FFF2-40B4-BE49-F238E27FC236}">
-                  <a16:creationId xmlns:a16="http://schemas.microsoft.com/office/drawing/2014/main" id="{D4490EDF-AD01-6340-83F7-6BDF99C26E7B}"/>
-                </a:ext>
-              </a:extLst>
-            </p:cNvPr>
-            <p:cNvCxnSpPr>
-              <a:cxnSpLocks/>
-            </p:cNvCxnSpPr>
-            <p:nvPr/>
-          </p:nvCxnSpPr>
-          <p:spPr>
-            <a:xfrm flipV="1">
-              <a:off x="9510082" y="1920441"/>
-              <a:ext cx="598650" cy="407080"/>
-            </a:xfrm>
-            <a:prstGeom prst="bentConnector3">
-              <a:avLst>
-                <a:gd name="adj1" fmla="val 99539"/>
-              </a:avLst>
-            </a:prstGeom>
-            <a:ln>
-              <a:tailEnd type="triangle"/>
-            </a:ln>
-          </p:spPr>
-          <p:style>
-            <a:lnRef idx="1">
-              <a:schemeClr val="accent1"/>
-            </a:lnRef>
-            <a:fillRef idx="0">
-              <a:schemeClr val="accent1"/>
-            </a:fillRef>
-            <a:effectRef idx="0">
-              <a:schemeClr val="accent1"/>
-            </a:effectRef>
-            <a:fontRef idx="minor">
-              <a:schemeClr val="tx1"/>
-            </a:fontRef>
-          </p:style>
-        </p:cxnSp>
-        <p:sp>
-          <p:nvSpPr>
-            <p:cNvPr id="163" name="橢圓 162">
-              <a:extLst>
-                <a:ext uri="{FF2B5EF4-FFF2-40B4-BE49-F238E27FC236}">
-                  <a16:creationId xmlns:a16="http://schemas.microsoft.com/office/drawing/2014/main" id="{F46BDE3F-C0E1-F542-9B86-204CE20A981C}"/>
-                </a:ext>
-              </a:extLst>
-            </p:cNvPr>
-            <p:cNvSpPr/>
-            <p:nvPr/>
-          </p:nvSpPr>
-          <p:spPr>
-            <a:xfrm>
-              <a:off x="9576413" y="2242528"/>
-              <a:ext cx="180000" cy="180000"/>
-            </a:xfrm>
-            <a:prstGeom prst="ellipse">
-              <a:avLst/>
-            </a:prstGeom>
-            <a:solidFill>
-              <a:schemeClr val="accent5"/>
-            </a:solidFill>
-            <a:ln>
-              <a:noFill/>
-            </a:ln>
-          </p:spPr>
-          <p:style>
-            <a:lnRef idx="2">
-              <a:schemeClr val="accent1">
-                <a:shade val="50000"/>
-              </a:schemeClr>
-            </a:lnRef>
-            <a:fillRef idx="1">
-              <a:schemeClr val="accent1"/>
-            </a:fillRef>
-            <a:effectRef idx="0">
-              <a:schemeClr val="accent1"/>
-            </a:effectRef>
-            <a:fontRef idx="minor">
-              <a:schemeClr val="lt1"/>
-            </a:fontRef>
-          </p:style>
-          <p:txBody>
-            <a:bodyPr rtlCol="0" anchor="ctr"/>
-            <a:lstStyle/>
-            <a:p>
-              <a:pPr algn="ctr"/>
-              <a:endParaRPr kumimoji="1" lang="zh-TW" altLang="en-US"/>
-            </a:p>
-          </p:txBody>
-        </p:sp>
-        <p:sp>
-          <p:nvSpPr>
-            <p:cNvPr id="164" name="橢圓 163">
-              <a:extLst>
-                <a:ext uri="{FF2B5EF4-FFF2-40B4-BE49-F238E27FC236}">
-                  <a16:creationId xmlns:a16="http://schemas.microsoft.com/office/drawing/2014/main" id="{DD4EE412-5BAC-B04A-8628-3500877CAAF1}"/>
-                </a:ext>
-              </a:extLst>
-            </p:cNvPr>
-            <p:cNvSpPr/>
-            <p:nvPr/>
-          </p:nvSpPr>
-          <p:spPr>
-            <a:xfrm>
-              <a:off x="9833831" y="2237521"/>
-              <a:ext cx="180000" cy="180000"/>
-            </a:xfrm>
-            <a:prstGeom prst="ellipse">
-              <a:avLst/>
-            </a:prstGeom>
-            <a:solidFill>
-              <a:srgbClr val="92D050"/>
-            </a:solidFill>
-            <a:ln>
-              <a:noFill/>
-            </a:ln>
-          </p:spPr>
-          <p:style>
-            <a:lnRef idx="2">
-              <a:schemeClr val="accent1">
-                <a:shade val="50000"/>
-              </a:schemeClr>
-            </a:lnRef>
-            <a:fillRef idx="1">
-              <a:schemeClr val="accent1"/>
-            </a:fillRef>
-            <a:effectRef idx="0">
-              <a:schemeClr val="accent1"/>
-            </a:effectRef>
-            <a:fontRef idx="minor">
-              <a:schemeClr val="lt1"/>
-            </a:fontRef>
-          </p:style>
-          <p:txBody>
-            <a:bodyPr rtlCol="0" anchor="ctr"/>
-            <a:lstStyle/>
-            <a:p>
-              <a:pPr algn="ctr"/>
-              <a:endParaRPr kumimoji="1" lang="zh-TW" altLang="en-US"/>
-            </a:p>
-          </p:txBody>
-        </p:sp>
-      </p:grpSp>
-      <p:sp>
-        <p:nvSpPr>
-          <p:cNvPr id="39" name="文字方塊 38">
-            <a:extLst>
-              <a:ext uri="{FF2B5EF4-FFF2-40B4-BE49-F238E27FC236}">
-                <a16:creationId xmlns:a16="http://schemas.microsoft.com/office/drawing/2014/main" id="{FC01D1A5-265D-AC49-A378-FE001D6611F9}"/>
-              </a:ext>
-            </a:extLst>
-          </p:cNvPr>
-          <p:cNvSpPr txBox="1"/>
-          <p:nvPr/>
-        </p:nvSpPr>
-        <p:spPr>
-          <a:xfrm>
-            <a:off x="5823483" y="1710107"/>
-            <a:ext cx="1567673" cy="584775"/>
-          </a:xfrm>
-          <a:prstGeom prst="rect">
-            <a:avLst/>
-          </a:prstGeom>
-          <a:noFill/>
-        </p:spPr>
-        <p:txBody>
-          <a:bodyPr wrap="none" rtlCol="0">
-            <a:spAutoFit/>
-          </a:bodyPr>
-          <a:lstStyle/>
-          <a:p>
-            <a:r>
-              <a:rPr kumimoji="1" lang="en-US" altLang="zh-TW" sz="3200" b="1" dirty="0">
-                <a:solidFill>
-                  <a:schemeClr val="tx1">
-                    <a:lumMod val="50000"/>
-                    <a:lumOff val="50000"/>
-                  </a:schemeClr>
-                </a:solidFill>
-              </a:rPr>
-              <a:t>Encoder</a:t>
-            </a:r>
-            <a:endParaRPr kumimoji="1" lang="zh-TW" altLang="en-US" sz="3200" b="1" dirty="0">
-              <a:solidFill>
-                <a:schemeClr val="tx1">
-                  <a:lumMod val="50000"/>
-                  <a:lumOff val="50000"/>
-                </a:schemeClr>
-              </a:solidFill>
-            </a:endParaRPr>
-          </a:p>
-        </p:txBody>
-      </p:sp>
-      <p:sp>
-        <p:nvSpPr>
           <p:cNvPr id="165" name="標題 1">
             <a:extLst>
               <a:ext uri="{FF2B5EF4-FFF2-40B4-BE49-F238E27FC236}">
@@ -15625,24 +11778,19 @@
         </p:nvSpPr>
         <p:spPr>
           <a:xfrm>
-            <a:off x="838200" y="723474"/>
-            <a:ext cx="2723607" cy="1325563"/>
+            <a:off x="670999" y="723474"/>
+            <a:ext cx="4255139" cy="1325563"/>
           </a:xfrm>
         </p:spPr>
         <p:txBody>
-          <a:bodyPr/>
+          <a:bodyPr>
+            <a:normAutofit fontScale="90000"/>
+          </a:bodyPr>
           <a:lstStyle/>
           <a:p>
             <a:r>
               <a:rPr kumimoji="1" lang="en-US" altLang="zh-TW" b="1" dirty="0"/>
-              <a:t>Transfer</a:t>
-            </a:r>
-            <a:br>
-              <a:rPr kumimoji="1" lang="en-US" altLang="zh-TW" b="1" dirty="0"/>
-            </a:br>
-            <a:r>
-              <a:rPr kumimoji="1" lang="en-US" altLang="zh-TW" b="1" dirty="0"/>
-              <a:t>Learning</a:t>
+              <a:t>Transfer Learning using Auto-Encoder</a:t>
             </a:r>
             <a:endParaRPr kumimoji="1" lang="zh-TW" altLang="en-US" b="1" dirty="0"/>
           </a:p>
@@ -15673,7 +11821,7 @@
         </p:spPr>
         <p:txBody>
           <a:bodyPr vert="horz" lIns="91440" tIns="45720" rIns="91440" bIns="45720" rtlCol="0">
-            <a:normAutofit fontScale="92500" lnSpcReduction="10000"/>
+            <a:normAutofit/>
           </a:bodyPr>
           <a:lstStyle>
             <a:lvl1pPr marL="228600" indent="-228600" algn="l" defTabSz="914400" rtl="0" eaLnBrk="1" latinLnBrk="0" hangingPunct="1">
@@ -15842,44 +11990,29 @@
           <a:p>
             <a:r>
               <a:rPr lang="en-US" sz="2400" dirty="0"/>
-              <a:t>Challenges:</a:t>
-            </a:r>
-          </a:p>
-          <a:p>
-            <a:pPr lvl="1"/>
-            <a:r>
-              <a:rPr lang="en-US" sz="2000" dirty="0">
-                <a:solidFill>
-                  <a:schemeClr val="tx1">
-                    <a:lumMod val="50000"/>
-                    <a:lumOff val="50000"/>
-                  </a:schemeClr>
-                </a:solidFill>
-              </a:rPr>
-              <a:t>3D image data augmentation </a:t>
-            </a:r>
-            <a:r>
-              <a:rPr lang="en-US" sz="2000" dirty="0"/>
-              <a:t>(rotating, flipping, etc.) – not many reference resources found</a:t>
+              <a:t>Dimensionality Reduction</a:t>
             </a:r>
           </a:p>
           <a:p>
             <a:pPr lvl="1"/>
             <a:r>
               <a:rPr lang="en-US" sz="2000" dirty="0"/>
-              <a:t>The dataset and ground truth both needs to be augmented </a:t>
+              <a:t>Data compression</a:t>
             </a:r>
+          </a:p>
+          <a:p>
             <a:r>
-              <a:rPr lang="en-US" sz="2000" dirty="0">
-                <a:solidFill>
-                  <a:schemeClr val="tx1">
-                    <a:lumMod val="50000"/>
-                    <a:lumOff val="50000"/>
-                  </a:schemeClr>
-                </a:solidFill>
-              </a:rPr>
-              <a:t>at the same time</a:t>
+              <a:rPr lang="en-US" sz="2400" dirty="0"/>
+              <a:t>Feature Learning</a:t>
             </a:r>
+          </a:p>
+          <a:p>
+            <a:pPr lvl="1"/>
+            <a:r>
+              <a:rPr lang="en-US" sz="2000" dirty="0"/>
+              <a:t>Useful properties</a:t>
+            </a:r>
+            <a:endParaRPr lang="en-US" sz="2400" dirty="0"/>
           </a:p>
           <a:p>
             <a:r>
@@ -15891,35 +12024,3763 @@
             <a:pPr lvl="1"/>
             <a:r>
               <a:rPr lang="en-US" sz="2000" dirty="0"/>
-              <a:t>Solving the </a:t>
+              <a:t>Dice score on the validation dataset is too high </a:t>
+            </a:r>
+          </a:p>
+        </p:txBody>
+      </p:sp>
+      <p:graphicFrame>
+        <p:nvGraphicFramePr>
+          <p:cNvPr id="3" name="Table 6">
+            <a:extLst>
+              <a:ext uri="{FF2B5EF4-FFF2-40B4-BE49-F238E27FC236}">
+                <a16:creationId xmlns:a16="http://schemas.microsoft.com/office/drawing/2014/main" id="{AFBFFFE0-1C8A-8F4F-847F-94FDE9F61A4C}"/>
+              </a:ext>
+            </a:extLst>
+          </p:cNvPr>
+          <p:cNvGraphicFramePr>
+            <a:graphicFrameLocks noGrp="1"/>
+          </p:cNvGraphicFramePr>
+          <p:nvPr/>
+        </p:nvGraphicFramePr>
+        <p:xfrm>
+          <a:off x="5277969" y="723474"/>
+          <a:ext cx="388203" cy="3538440"/>
+        </p:xfrm>
+        <a:graphic>
+          <a:graphicData uri="http://schemas.openxmlformats.org/drawingml/2006/table">
+            <a:tbl>
+              <a:tblPr firstRow="1" bandRow="1">
+                <a:tableStyleId>{2D5ABB26-0587-4C30-8999-92F81FD0307C}</a:tableStyleId>
+              </a:tblPr>
+              <a:tblGrid>
+                <a:gridCol w="388203">
+                  <a:extLst>
+                    <a:ext uri="{9D8B030D-6E8A-4147-A177-3AD203B41FA5}">
+                      <a16:colId xmlns:a16="http://schemas.microsoft.com/office/drawing/2014/main" val="1757945352"/>
+                    </a:ext>
+                  </a:extLst>
+                </a:gridCol>
+              </a:tblGrid>
+              <a:tr h="442305">
+                <a:tc>
+                  <a:txBody>
+                    <a:bodyPr/>
+                    <a:lstStyle/>
+                    <a:p>
+                      <a:endParaRPr lang="en-US" dirty="0"/>
+                    </a:p>
+                  </a:txBody>
+                  <a:tcPr>
+                    <a:lnL w="12700" cap="flat" cmpd="sng" algn="ctr">
+                      <a:solidFill>
+                        <a:schemeClr val="tx1"/>
+                      </a:solidFill>
+                      <a:prstDash val="solid"/>
+                      <a:round/>
+                      <a:headEnd type="none" w="med" len="med"/>
+                      <a:tailEnd type="none" w="med" len="med"/>
+                    </a:lnL>
+                    <a:lnR w="12700" cap="flat" cmpd="sng" algn="ctr">
+                      <a:solidFill>
+                        <a:schemeClr val="tx1"/>
+                      </a:solidFill>
+                      <a:prstDash val="solid"/>
+                      <a:round/>
+                      <a:headEnd type="none" w="med" len="med"/>
+                      <a:tailEnd type="none" w="med" len="med"/>
+                    </a:lnR>
+                    <a:lnT w="12700" cap="flat" cmpd="sng" algn="ctr">
+                      <a:solidFill>
+                        <a:schemeClr val="tx1"/>
+                      </a:solidFill>
+                      <a:prstDash val="solid"/>
+                      <a:round/>
+                      <a:headEnd type="none" w="med" len="med"/>
+                      <a:tailEnd type="none" w="med" len="med"/>
+                    </a:lnT>
+                    <a:lnB w="12700" cap="flat" cmpd="sng" algn="ctr">
+                      <a:solidFill>
+                        <a:schemeClr val="tx1"/>
+                      </a:solidFill>
+                      <a:prstDash val="solid"/>
+                      <a:round/>
+                      <a:headEnd type="none" w="med" len="med"/>
+                      <a:tailEnd type="none" w="med" len="med"/>
+                    </a:lnB>
+                    <a:solidFill>
+                      <a:schemeClr val="accent6">
+                        <a:lumMod val="20000"/>
+                        <a:lumOff val="80000"/>
+                      </a:schemeClr>
+                    </a:solidFill>
+                  </a:tcPr>
+                </a:tc>
+                <a:extLst>
+                  <a:ext uri="{0D108BD9-81ED-4DB2-BD59-A6C34878D82A}">
+                    <a16:rowId xmlns:a16="http://schemas.microsoft.com/office/drawing/2014/main" val="479824518"/>
+                  </a:ext>
+                </a:extLst>
+              </a:tr>
+              <a:tr h="442305">
+                <a:tc>
+                  <a:txBody>
+                    <a:bodyPr/>
+                    <a:lstStyle/>
+                    <a:p>
+                      <a:endParaRPr lang="en-US"/>
+                    </a:p>
+                  </a:txBody>
+                  <a:tcPr>
+                    <a:lnL w="12700" cap="flat" cmpd="sng" algn="ctr">
+                      <a:solidFill>
+                        <a:schemeClr val="tx1"/>
+                      </a:solidFill>
+                      <a:prstDash val="solid"/>
+                      <a:round/>
+                      <a:headEnd type="none" w="med" len="med"/>
+                      <a:tailEnd type="none" w="med" len="med"/>
+                    </a:lnL>
+                    <a:lnR w="12700" cap="flat" cmpd="sng" algn="ctr">
+                      <a:solidFill>
+                        <a:schemeClr val="tx1"/>
+                      </a:solidFill>
+                      <a:prstDash val="solid"/>
+                      <a:round/>
+                      <a:headEnd type="none" w="med" len="med"/>
+                      <a:tailEnd type="none" w="med" len="med"/>
+                    </a:lnR>
+                    <a:lnT w="12700" cap="flat" cmpd="sng" algn="ctr">
+                      <a:solidFill>
+                        <a:schemeClr val="tx1"/>
+                      </a:solidFill>
+                      <a:prstDash val="solid"/>
+                      <a:round/>
+                      <a:headEnd type="none" w="med" len="med"/>
+                      <a:tailEnd type="none" w="med" len="med"/>
+                    </a:lnT>
+                    <a:lnB w="12700" cap="flat" cmpd="sng" algn="ctr">
+                      <a:solidFill>
+                        <a:schemeClr val="tx1"/>
+                      </a:solidFill>
+                      <a:prstDash val="solid"/>
+                      <a:round/>
+                      <a:headEnd type="none" w="med" len="med"/>
+                      <a:tailEnd type="none" w="med" len="med"/>
+                    </a:lnB>
+                    <a:solidFill>
+                      <a:schemeClr val="accent6">
+                        <a:lumMod val="20000"/>
+                        <a:lumOff val="80000"/>
+                      </a:schemeClr>
+                    </a:solidFill>
+                  </a:tcPr>
+                </a:tc>
+                <a:extLst>
+                  <a:ext uri="{0D108BD9-81ED-4DB2-BD59-A6C34878D82A}">
+                    <a16:rowId xmlns:a16="http://schemas.microsoft.com/office/drawing/2014/main" val="4237834014"/>
+                  </a:ext>
+                </a:extLst>
+              </a:tr>
+              <a:tr h="442305">
+                <a:tc>
+                  <a:txBody>
+                    <a:bodyPr/>
+                    <a:lstStyle/>
+                    <a:p>
+                      <a:endParaRPr lang="en-US"/>
+                    </a:p>
+                  </a:txBody>
+                  <a:tcPr>
+                    <a:lnL w="12700" cap="flat" cmpd="sng" algn="ctr">
+                      <a:solidFill>
+                        <a:schemeClr val="tx1"/>
+                      </a:solidFill>
+                      <a:prstDash val="solid"/>
+                      <a:round/>
+                      <a:headEnd type="none" w="med" len="med"/>
+                      <a:tailEnd type="none" w="med" len="med"/>
+                    </a:lnL>
+                    <a:lnR w="12700" cap="flat" cmpd="sng" algn="ctr">
+                      <a:solidFill>
+                        <a:schemeClr val="tx1"/>
+                      </a:solidFill>
+                      <a:prstDash val="solid"/>
+                      <a:round/>
+                      <a:headEnd type="none" w="med" len="med"/>
+                      <a:tailEnd type="none" w="med" len="med"/>
+                    </a:lnR>
+                    <a:lnT w="12700" cap="flat" cmpd="sng" algn="ctr">
+                      <a:solidFill>
+                        <a:schemeClr val="tx1"/>
+                      </a:solidFill>
+                      <a:prstDash val="solid"/>
+                      <a:round/>
+                      <a:headEnd type="none" w="med" len="med"/>
+                      <a:tailEnd type="none" w="med" len="med"/>
+                    </a:lnT>
+                    <a:lnB w="12700" cap="flat" cmpd="sng" algn="ctr">
+                      <a:solidFill>
+                        <a:schemeClr val="tx1"/>
+                      </a:solidFill>
+                      <a:prstDash val="solid"/>
+                      <a:round/>
+                      <a:headEnd type="none" w="med" len="med"/>
+                      <a:tailEnd type="none" w="med" len="med"/>
+                    </a:lnB>
+                    <a:solidFill>
+                      <a:schemeClr val="accent6">
+                        <a:lumMod val="20000"/>
+                        <a:lumOff val="80000"/>
+                      </a:schemeClr>
+                    </a:solidFill>
+                  </a:tcPr>
+                </a:tc>
+                <a:extLst>
+                  <a:ext uri="{0D108BD9-81ED-4DB2-BD59-A6C34878D82A}">
+                    <a16:rowId xmlns:a16="http://schemas.microsoft.com/office/drawing/2014/main" val="2940506627"/>
+                  </a:ext>
+                </a:extLst>
+              </a:tr>
+              <a:tr h="442305">
+                <a:tc>
+                  <a:txBody>
+                    <a:bodyPr/>
+                    <a:lstStyle/>
+                    <a:p>
+                      <a:endParaRPr lang="en-US"/>
+                    </a:p>
+                  </a:txBody>
+                  <a:tcPr>
+                    <a:lnL w="12700" cap="flat" cmpd="sng" algn="ctr">
+                      <a:solidFill>
+                        <a:schemeClr val="tx1"/>
+                      </a:solidFill>
+                      <a:prstDash val="solid"/>
+                      <a:round/>
+                      <a:headEnd type="none" w="med" len="med"/>
+                      <a:tailEnd type="none" w="med" len="med"/>
+                    </a:lnL>
+                    <a:lnR w="12700" cap="flat" cmpd="sng" algn="ctr">
+                      <a:solidFill>
+                        <a:schemeClr val="tx1"/>
+                      </a:solidFill>
+                      <a:prstDash val="solid"/>
+                      <a:round/>
+                      <a:headEnd type="none" w="med" len="med"/>
+                      <a:tailEnd type="none" w="med" len="med"/>
+                    </a:lnR>
+                    <a:lnT w="12700" cap="flat" cmpd="sng" algn="ctr">
+                      <a:solidFill>
+                        <a:schemeClr val="tx1"/>
+                      </a:solidFill>
+                      <a:prstDash val="solid"/>
+                      <a:round/>
+                      <a:headEnd type="none" w="med" len="med"/>
+                      <a:tailEnd type="none" w="med" len="med"/>
+                    </a:lnT>
+                    <a:lnB w="12700" cap="flat" cmpd="sng" algn="ctr">
+                      <a:solidFill>
+                        <a:schemeClr val="tx1"/>
+                      </a:solidFill>
+                      <a:prstDash val="solid"/>
+                      <a:round/>
+                      <a:headEnd type="none" w="med" len="med"/>
+                      <a:tailEnd type="none" w="med" len="med"/>
+                    </a:lnB>
+                    <a:solidFill>
+                      <a:schemeClr val="accent6">
+                        <a:lumMod val="20000"/>
+                        <a:lumOff val="80000"/>
+                      </a:schemeClr>
+                    </a:solidFill>
+                  </a:tcPr>
+                </a:tc>
+                <a:extLst>
+                  <a:ext uri="{0D108BD9-81ED-4DB2-BD59-A6C34878D82A}">
+                    <a16:rowId xmlns:a16="http://schemas.microsoft.com/office/drawing/2014/main" val="1636739982"/>
+                  </a:ext>
+                </a:extLst>
+              </a:tr>
+              <a:tr h="442305">
+                <a:tc>
+                  <a:txBody>
+                    <a:bodyPr/>
+                    <a:lstStyle/>
+                    <a:p>
+                      <a:endParaRPr lang="en-US"/>
+                    </a:p>
+                  </a:txBody>
+                  <a:tcPr>
+                    <a:lnL w="12700" cap="flat" cmpd="sng" algn="ctr">
+                      <a:solidFill>
+                        <a:schemeClr val="tx1"/>
+                      </a:solidFill>
+                      <a:prstDash val="solid"/>
+                      <a:round/>
+                      <a:headEnd type="none" w="med" len="med"/>
+                      <a:tailEnd type="none" w="med" len="med"/>
+                    </a:lnL>
+                    <a:lnR w="12700" cap="flat" cmpd="sng" algn="ctr">
+                      <a:solidFill>
+                        <a:schemeClr val="tx1"/>
+                      </a:solidFill>
+                      <a:prstDash val="solid"/>
+                      <a:round/>
+                      <a:headEnd type="none" w="med" len="med"/>
+                      <a:tailEnd type="none" w="med" len="med"/>
+                    </a:lnR>
+                    <a:lnT w="12700" cap="flat" cmpd="sng" algn="ctr">
+                      <a:solidFill>
+                        <a:schemeClr val="tx1"/>
+                      </a:solidFill>
+                      <a:prstDash val="solid"/>
+                      <a:round/>
+                      <a:headEnd type="none" w="med" len="med"/>
+                      <a:tailEnd type="none" w="med" len="med"/>
+                    </a:lnT>
+                    <a:lnB w="12700" cap="flat" cmpd="sng" algn="ctr">
+                      <a:solidFill>
+                        <a:schemeClr val="tx1"/>
+                      </a:solidFill>
+                      <a:prstDash val="solid"/>
+                      <a:round/>
+                      <a:headEnd type="none" w="med" len="med"/>
+                      <a:tailEnd type="none" w="med" len="med"/>
+                    </a:lnB>
+                    <a:solidFill>
+                      <a:schemeClr val="accent6">
+                        <a:lumMod val="20000"/>
+                        <a:lumOff val="80000"/>
+                      </a:schemeClr>
+                    </a:solidFill>
+                  </a:tcPr>
+                </a:tc>
+                <a:extLst>
+                  <a:ext uri="{0D108BD9-81ED-4DB2-BD59-A6C34878D82A}">
+                    <a16:rowId xmlns:a16="http://schemas.microsoft.com/office/drawing/2014/main" val="2979087257"/>
+                  </a:ext>
+                </a:extLst>
+              </a:tr>
+              <a:tr h="442305">
+                <a:tc>
+                  <a:txBody>
+                    <a:bodyPr/>
+                    <a:lstStyle/>
+                    <a:p>
+                      <a:endParaRPr lang="en-US"/>
+                    </a:p>
+                  </a:txBody>
+                  <a:tcPr>
+                    <a:lnL w="12700" cap="flat" cmpd="sng" algn="ctr">
+                      <a:solidFill>
+                        <a:schemeClr val="tx1"/>
+                      </a:solidFill>
+                      <a:prstDash val="solid"/>
+                      <a:round/>
+                      <a:headEnd type="none" w="med" len="med"/>
+                      <a:tailEnd type="none" w="med" len="med"/>
+                    </a:lnL>
+                    <a:lnR w="12700" cap="flat" cmpd="sng" algn="ctr">
+                      <a:solidFill>
+                        <a:schemeClr val="tx1"/>
+                      </a:solidFill>
+                      <a:prstDash val="solid"/>
+                      <a:round/>
+                      <a:headEnd type="none" w="med" len="med"/>
+                      <a:tailEnd type="none" w="med" len="med"/>
+                    </a:lnR>
+                    <a:lnT w="12700" cap="flat" cmpd="sng" algn="ctr">
+                      <a:solidFill>
+                        <a:schemeClr val="tx1"/>
+                      </a:solidFill>
+                      <a:prstDash val="solid"/>
+                      <a:round/>
+                      <a:headEnd type="none" w="med" len="med"/>
+                      <a:tailEnd type="none" w="med" len="med"/>
+                    </a:lnT>
+                    <a:lnB w="12700" cap="flat" cmpd="sng" algn="ctr">
+                      <a:solidFill>
+                        <a:schemeClr val="tx1"/>
+                      </a:solidFill>
+                      <a:prstDash val="solid"/>
+                      <a:round/>
+                      <a:headEnd type="none" w="med" len="med"/>
+                      <a:tailEnd type="none" w="med" len="med"/>
+                    </a:lnB>
+                    <a:solidFill>
+                      <a:schemeClr val="accent6">
+                        <a:lumMod val="20000"/>
+                        <a:lumOff val="80000"/>
+                      </a:schemeClr>
+                    </a:solidFill>
+                  </a:tcPr>
+                </a:tc>
+                <a:extLst>
+                  <a:ext uri="{0D108BD9-81ED-4DB2-BD59-A6C34878D82A}">
+                    <a16:rowId xmlns:a16="http://schemas.microsoft.com/office/drawing/2014/main" val="3652197590"/>
+                  </a:ext>
+                </a:extLst>
+              </a:tr>
+              <a:tr h="442305">
+                <a:tc>
+                  <a:txBody>
+                    <a:bodyPr/>
+                    <a:lstStyle/>
+                    <a:p>
+                      <a:endParaRPr lang="en-US"/>
+                    </a:p>
+                  </a:txBody>
+                  <a:tcPr>
+                    <a:lnL w="12700" cap="flat" cmpd="sng" algn="ctr">
+                      <a:solidFill>
+                        <a:schemeClr val="tx1"/>
+                      </a:solidFill>
+                      <a:prstDash val="solid"/>
+                      <a:round/>
+                      <a:headEnd type="none" w="med" len="med"/>
+                      <a:tailEnd type="none" w="med" len="med"/>
+                    </a:lnL>
+                    <a:lnR w="12700" cap="flat" cmpd="sng" algn="ctr">
+                      <a:solidFill>
+                        <a:schemeClr val="tx1"/>
+                      </a:solidFill>
+                      <a:prstDash val="solid"/>
+                      <a:round/>
+                      <a:headEnd type="none" w="med" len="med"/>
+                      <a:tailEnd type="none" w="med" len="med"/>
+                    </a:lnR>
+                    <a:lnT w="12700" cap="flat" cmpd="sng" algn="ctr">
+                      <a:solidFill>
+                        <a:schemeClr val="tx1"/>
+                      </a:solidFill>
+                      <a:prstDash val="solid"/>
+                      <a:round/>
+                      <a:headEnd type="none" w="med" len="med"/>
+                      <a:tailEnd type="none" w="med" len="med"/>
+                    </a:lnT>
+                    <a:lnB w="12700" cap="flat" cmpd="sng" algn="ctr">
+                      <a:solidFill>
+                        <a:schemeClr val="tx1"/>
+                      </a:solidFill>
+                      <a:prstDash val="solid"/>
+                      <a:round/>
+                      <a:headEnd type="none" w="med" len="med"/>
+                      <a:tailEnd type="none" w="med" len="med"/>
+                    </a:lnB>
+                    <a:solidFill>
+                      <a:schemeClr val="accent6">
+                        <a:lumMod val="20000"/>
+                        <a:lumOff val="80000"/>
+                      </a:schemeClr>
+                    </a:solidFill>
+                  </a:tcPr>
+                </a:tc>
+                <a:extLst>
+                  <a:ext uri="{0D108BD9-81ED-4DB2-BD59-A6C34878D82A}">
+                    <a16:rowId xmlns:a16="http://schemas.microsoft.com/office/drawing/2014/main" val="4260493060"/>
+                  </a:ext>
+                </a:extLst>
+              </a:tr>
+              <a:tr h="442305">
+                <a:tc>
+                  <a:txBody>
+                    <a:bodyPr/>
+                    <a:lstStyle/>
+                    <a:p>
+                      <a:endParaRPr lang="en-US" dirty="0"/>
+                    </a:p>
+                  </a:txBody>
+                  <a:tcPr>
+                    <a:lnL w="12700" cap="flat" cmpd="sng" algn="ctr">
+                      <a:solidFill>
+                        <a:schemeClr val="tx1"/>
+                      </a:solidFill>
+                      <a:prstDash val="solid"/>
+                      <a:round/>
+                      <a:headEnd type="none" w="med" len="med"/>
+                      <a:tailEnd type="none" w="med" len="med"/>
+                    </a:lnL>
+                    <a:lnR w="12700" cap="flat" cmpd="sng" algn="ctr">
+                      <a:solidFill>
+                        <a:schemeClr val="tx1"/>
+                      </a:solidFill>
+                      <a:prstDash val="solid"/>
+                      <a:round/>
+                      <a:headEnd type="none" w="med" len="med"/>
+                      <a:tailEnd type="none" w="med" len="med"/>
+                    </a:lnR>
+                    <a:lnT w="12700" cap="flat" cmpd="sng" algn="ctr">
+                      <a:solidFill>
+                        <a:schemeClr val="tx1"/>
+                      </a:solidFill>
+                      <a:prstDash val="solid"/>
+                      <a:round/>
+                      <a:headEnd type="none" w="med" len="med"/>
+                      <a:tailEnd type="none" w="med" len="med"/>
+                    </a:lnT>
+                    <a:lnB w="12700" cap="flat" cmpd="sng" algn="ctr">
+                      <a:solidFill>
+                        <a:schemeClr val="tx1"/>
+                      </a:solidFill>
+                      <a:prstDash val="solid"/>
+                      <a:round/>
+                      <a:headEnd type="none" w="med" len="med"/>
+                      <a:tailEnd type="none" w="med" len="med"/>
+                    </a:lnB>
+                    <a:solidFill>
+                      <a:schemeClr val="accent6">
+                        <a:lumMod val="20000"/>
+                        <a:lumOff val="80000"/>
+                      </a:schemeClr>
+                    </a:solidFill>
+                  </a:tcPr>
+                </a:tc>
+                <a:extLst>
+                  <a:ext uri="{0D108BD9-81ED-4DB2-BD59-A6C34878D82A}">
+                    <a16:rowId xmlns:a16="http://schemas.microsoft.com/office/drawing/2014/main" val="1536397340"/>
+                  </a:ext>
+                </a:extLst>
+              </a:tr>
+            </a:tbl>
+          </a:graphicData>
+        </a:graphic>
+      </p:graphicFrame>
+      <p:graphicFrame>
+        <p:nvGraphicFramePr>
+          <p:cNvPr id="7" name="Table 7">
+            <a:extLst>
+              <a:ext uri="{FF2B5EF4-FFF2-40B4-BE49-F238E27FC236}">
+                <a16:creationId xmlns:a16="http://schemas.microsoft.com/office/drawing/2014/main" id="{87D4AD89-7BC9-7547-93F1-119919372360}"/>
+              </a:ext>
+            </a:extLst>
+          </p:cNvPr>
+          <p:cNvGraphicFramePr>
+            <a:graphicFrameLocks noGrp="1"/>
+          </p:cNvGraphicFramePr>
+          <p:nvPr/>
+        </p:nvGraphicFramePr>
+        <p:xfrm>
+          <a:off x="6700786" y="1713864"/>
+          <a:ext cx="388203" cy="1483360"/>
+        </p:xfrm>
+        <a:graphic>
+          <a:graphicData uri="http://schemas.openxmlformats.org/drawingml/2006/table">
+            <a:tbl>
+              <a:tblPr firstRow="1" bandRow="1">
+                <a:tableStyleId>{2D5ABB26-0587-4C30-8999-92F81FD0307C}</a:tableStyleId>
+              </a:tblPr>
+              <a:tblGrid>
+                <a:gridCol w="388203">
+                  <a:extLst>
+                    <a:ext uri="{9D8B030D-6E8A-4147-A177-3AD203B41FA5}">
+                      <a16:colId xmlns:a16="http://schemas.microsoft.com/office/drawing/2014/main" val="1419882353"/>
+                    </a:ext>
+                  </a:extLst>
+                </a:gridCol>
+              </a:tblGrid>
+              <a:tr h="370840">
+                <a:tc>
+                  <a:txBody>
+                    <a:bodyPr/>
+                    <a:lstStyle/>
+                    <a:p>
+                      <a:endParaRPr lang="en-US"/>
+                    </a:p>
+                  </a:txBody>
+                  <a:tcPr>
+                    <a:lnL w="12700" cap="flat" cmpd="sng" algn="ctr">
+                      <a:solidFill>
+                        <a:schemeClr val="tx1"/>
+                      </a:solidFill>
+                      <a:prstDash val="solid"/>
+                      <a:round/>
+                      <a:headEnd type="none" w="med" len="med"/>
+                      <a:tailEnd type="none" w="med" len="med"/>
+                    </a:lnL>
+                    <a:lnR w="12700" cap="flat" cmpd="sng" algn="ctr">
+                      <a:solidFill>
+                        <a:schemeClr val="tx1"/>
+                      </a:solidFill>
+                      <a:prstDash val="solid"/>
+                      <a:round/>
+                      <a:headEnd type="none" w="med" len="med"/>
+                      <a:tailEnd type="none" w="med" len="med"/>
+                    </a:lnR>
+                    <a:lnT w="12700" cap="flat" cmpd="sng" algn="ctr">
+                      <a:solidFill>
+                        <a:schemeClr val="tx1"/>
+                      </a:solidFill>
+                      <a:prstDash val="solid"/>
+                      <a:round/>
+                      <a:headEnd type="none" w="med" len="med"/>
+                      <a:tailEnd type="none" w="med" len="med"/>
+                    </a:lnT>
+                    <a:lnB w="12700" cap="flat" cmpd="sng" algn="ctr">
+                      <a:solidFill>
+                        <a:schemeClr val="tx1"/>
+                      </a:solidFill>
+                      <a:prstDash val="solid"/>
+                      <a:round/>
+                      <a:headEnd type="none" w="med" len="med"/>
+                      <a:tailEnd type="none" w="med" len="med"/>
+                    </a:lnB>
+                    <a:solidFill>
+                      <a:schemeClr val="accent6">
+                        <a:lumMod val="20000"/>
+                        <a:lumOff val="80000"/>
+                      </a:schemeClr>
+                    </a:solidFill>
+                  </a:tcPr>
+                </a:tc>
+                <a:extLst>
+                  <a:ext uri="{0D108BD9-81ED-4DB2-BD59-A6C34878D82A}">
+                    <a16:rowId xmlns:a16="http://schemas.microsoft.com/office/drawing/2014/main" val="457577377"/>
+                  </a:ext>
+                </a:extLst>
+              </a:tr>
+              <a:tr h="370840">
+                <a:tc>
+                  <a:txBody>
+                    <a:bodyPr/>
+                    <a:lstStyle/>
+                    <a:p>
+                      <a:endParaRPr lang="en-US"/>
+                    </a:p>
+                  </a:txBody>
+                  <a:tcPr>
+                    <a:lnL w="12700" cap="flat" cmpd="sng" algn="ctr">
+                      <a:solidFill>
+                        <a:schemeClr val="tx1"/>
+                      </a:solidFill>
+                      <a:prstDash val="solid"/>
+                      <a:round/>
+                      <a:headEnd type="none" w="med" len="med"/>
+                      <a:tailEnd type="none" w="med" len="med"/>
+                    </a:lnL>
+                    <a:lnR w="12700" cap="flat" cmpd="sng" algn="ctr">
+                      <a:solidFill>
+                        <a:schemeClr val="tx1"/>
+                      </a:solidFill>
+                      <a:prstDash val="solid"/>
+                      <a:round/>
+                      <a:headEnd type="none" w="med" len="med"/>
+                      <a:tailEnd type="none" w="med" len="med"/>
+                    </a:lnR>
+                    <a:lnT w="12700" cap="flat" cmpd="sng" algn="ctr">
+                      <a:solidFill>
+                        <a:schemeClr val="tx1"/>
+                      </a:solidFill>
+                      <a:prstDash val="solid"/>
+                      <a:round/>
+                      <a:headEnd type="none" w="med" len="med"/>
+                      <a:tailEnd type="none" w="med" len="med"/>
+                    </a:lnT>
+                    <a:lnB w="12700" cap="flat" cmpd="sng" algn="ctr">
+                      <a:solidFill>
+                        <a:schemeClr val="tx1"/>
+                      </a:solidFill>
+                      <a:prstDash val="solid"/>
+                      <a:round/>
+                      <a:headEnd type="none" w="med" len="med"/>
+                      <a:tailEnd type="none" w="med" len="med"/>
+                    </a:lnB>
+                    <a:solidFill>
+                      <a:schemeClr val="accent6">
+                        <a:lumMod val="20000"/>
+                        <a:lumOff val="80000"/>
+                      </a:schemeClr>
+                    </a:solidFill>
+                  </a:tcPr>
+                </a:tc>
+                <a:extLst>
+                  <a:ext uri="{0D108BD9-81ED-4DB2-BD59-A6C34878D82A}">
+                    <a16:rowId xmlns:a16="http://schemas.microsoft.com/office/drawing/2014/main" val="4272872369"/>
+                  </a:ext>
+                </a:extLst>
+              </a:tr>
+              <a:tr h="370840">
+                <a:tc>
+                  <a:txBody>
+                    <a:bodyPr/>
+                    <a:lstStyle/>
+                    <a:p>
+                      <a:endParaRPr lang="en-US"/>
+                    </a:p>
+                  </a:txBody>
+                  <a:tcPr>
+                    <a:lnL w="12700" cap="flat" cmpd="sng" algn="ctr">
+                      <a:solidFill>
+                        <a:schemeClr val="tx1"/>
+                      </a:solidFill>
+                      <a:prstDash val="solid"/>
+                      <a:round/>
+                      <a:headEnd type="none" w="med" len="med"/>
+                      <a:tailEnd type="none" w="med" len="med"/>
+                    </a:lnL>
+                    <a:lnR w="12700" cap="flat" cmpd="sng" algn="ctr">
+                      <a:solidFill>
+                        <a:schemeClr val="tx1"/>
+                      </a:solidFill>
+                      <a:prstDash val="solid"/>
+                      <a:round/>
+                      <a:headEnd type="none" w="med" len="med"/>
+                      <a:tailEnd type="none" w="med" len="med"/>
+                    </a:lnR>
+                    <a:lnT w="12700" cap="flat" cmpd="sng" algn="ctr">
+                      <a:solidFill>
+                        <a:schemeClr val="tx1"/>
+                      </a:solidFill>
+                      <a:prstDash val="solid"/>
+                      <a:round/>
+                      <a:headEnd type="none" w="med" len="med"/>
+                      <a:tailEnd type="none" w="med" len="med"/>
+                    </a:lnT>
+                    <a:lnB w="12700" cap="flat" cmpd="sng" algn="ctr">
+                      <a:solidFill>
+                        <a:schemeClr val="tx1"/>
+                      </a:solidFill>
+                      <a:prstDash val="solid"/>
+                      <a:round/>
+                      <a:headEnd type="none" w="med" len="med"/>
+                      <a:tailEnd type="none" w="med" len="med"/>
+                    </a:lnB>
+                    <a:solidFill>
+                      <a:schemeClr val="accent6">
+                        <a:lumMod val="20000"/>
+                        <a:lumOff val="80000"/>
+                      </a:schemeClr>
+                    </a:solidFill>
+                  </a:tcPr>
+                </a:tc>
+                <a:extLst>
+                  <a:ext uri="{0D108BD9-81ED-4DB2-BD59-A6C34878D82A}">
+                    <a16:rowId xmlns:a16="http://schemas.microsoft.com/office/drawing/2014/main" val="2988014524"/>
+                  </a:ext>
+                </a:extLst>
+              </a:tr>
+              <a:tr h="370840">
+                <a:tc>
+                  <a:txBody>
+                    <a:bodyPr/>
+                    <a:lstStyle/>
+                    <a:p>
+                      <a:endParaRPr lang="en-US" dirty="0"/>
+                    </a:p>
+                  </a:txBody>
+                  <a:tcPr>
+                    <a:lnL w="12700" cap="flat" cmpd="sng" algn="ctr">
+                      <a:solidFill>
+                        <a:schemeClr val="tx1"/>
+                      </a:solidFill>
+                      <a:prstDash val="solid"/>
+                      <a:round/>
+                      <a:headEnd type="none" w="med" len="med"/>
+                      <a:tailEnd type="none" w="med" len="med"/>
+                    </a:lnL>
+                    <a:lnR w="12700" cap="flat" cmpd="sng" algn="ctr">
+                      <a:solidFill>
+                        <a:schemeClr val="tx1"/>
+                      </a:solidFill>
+                      <a:prstDash val="solid"/>
+                      <a:round/>
+                      <a:headEnd type="none" w="med" len="med"/>
+                      <a:tailEnd type="none" w="med" len="med"/>
+                    </a:lnR>
+                    <a:lnT w="12700" cap="flat" cmpd="sng" algn="ctr">
+                      <a:solidFill>
+                        <a:schemeClr val="tx1"/>
+                      </a:solidFill>
+                      <a:prstDash val="solid"/>
+                      <a:round/>
+                      <a:headEnd type="none" w="med" len="med"/>
+                      <a:tailEnd type="none" w="med" len="med"/>
+                    </a:lnT>
+                    <a:lnB w="12700" cap="flat" cmpd="sng" algn="ctr">
+                      <a:solidFill>
+                        <a:schemeClr val="tx1"/>
+                      </a:solidFill>
+                      <a:prstDash val="solid"/>
+                      <a:round/>
+                      <a:headEnd type="none" w="med" len="med"/>
+                      <a:tailEnd type="none" w="med" len="med"/>
+                    </a:lnB>
+                    <a:solidFill>
+                      <a:schemeClr val="accent6">
+                        <a:lumMod val="20000"/>
+                        <a:lumOff val="80000"/>
+                      </a:schemeClr>
+                    </a:solidFill>
+                  </a:tcPr>
+                </a:tc>
+                <a:extLst>
+                  <a:ext uri="{0D108BD9-81ED-4DB2-BD59-A6C34878D82A}">
+                    <a16:rowId xmlns:a16="http://schemas.microsoft.com/office/drawing/2014/main" val="3800464148"/>
+                  </a:ext>
+                </a:extLst>
+              </a:tr>
+            </a:tbl>
+          </a:graphicData>
+        </a:graphic>
+      </p:graphicFrame>
+      <p:graphicFrame>
+        <p:nvGraphicFramePr>
+          <p:cNvPr id="12" name="Table 15">
+            <a:extLst>
+              <a:ext uri="{FF2B5EF4-FFF2-40B4-BE49-F238E27FC236}">
+                <a16:creationId xmlns:a16="http://schemas.microsoft.com/office/drawing/2014/main" id="{1C54E265-A01E-004D-95A4-564AA17FCB68}"/>
+              </a:ext>
+            </a:extLst>
+          </p:cNvPr>
+          <p:cNvGraphicFramePr>
+            <a:graphicFrameLocks noGrp="1"/>
+          </p:cNvGraphicFramePr>
+          <p:nvPr/>
+        </p:nvGraphicFramePr>
+        <p:xfrm>
+          <a:off x="8053482" y="2049037"/>
+          <a:ext cx="388203" cy="741680"/>
+        </p:xfrm>
+        <a:graphic>
+          <a:graphicData uri="http://schemas.openxmlformats.org/drawingml/2006/table">
+            <a:tbl>
+              <a:tblPr firstRow="1" bandRow="1">
+                <a:tableStyleId>{2D5ABB26-0587-4C30-8999-92F81FD0307C}</a:tableStyleId>
+              </a:tblPr>
+              <a:tblGrid>
+                <a:gridCol w="388203">
+                  <a:extLst>
+                    <a:ext uri="{9D8B030D-6E8A-4147-A177-3AD203B41FA5}">
+                      <a16:colId xmlns:a16="http://schemas.microsoft.com/office/drawing/2014/main" val="1266231038"/>
+                    </a:ext>
+                  </a:extLst>
+                </a:gridCol>
+              </a:tblGrid>
+              <a:tr h="370840">
+                <a:tc>
+                  <a:txBody>
+                    <a:bodyPr/>
+                    <a:lstStyle/>
+                    <a:p>
+                      <a:endParaRPr lang="en-US"/>
+                    </a:p>
+                  </a:txBody>
+                  <a:tcPr>
+                    <a:lnL w="12700" cap="flat" cmpd="sng" algn="ctr">
+                      <a:solidFill>
+                        <a:schemeClr val="tx1"/>
+                      </a:solidFill>
+                      <a:prstDash val="solid"/>
+                      <a:round/>
+                      <a:headEnd type="none" w="med" len="med"/>
+                      <a:tailEnd type="none" w="med" len="med"/>
+                    </a:lnL>
+                    <a:lnR w="12700" cap="flat" cmpd="sng" algn="ctr">
+                      <a:solidFill>
+                        <a:schemeClr val="tx1"/>
+                      </a:solidFill>
+                      <a:prstDash val="solid"/>
+                      <a:round/>
+                      <a:headEnd type="none" w="med" len="med"/>
+                      <a:tailEnd type="none" w="med" len="med"/>
+                    </a:lnR>
+                    <a:lnT w="12700" cap="flat" cmpd="sng" algn="ctr">
+                      <a:solidFill>
+                        <a:schemeClr val="tx1"/>
+                      </a:solidFill>
+                      <a:prstDash val="solid"/>
+                      <a:round/>
+                      <a:headEnd type="none" w="med" len="med"/>
+                      <a:tailEnd type="none" w="med" len="med"/>
+                    </a:lnT>
+                    <a:lnB w="12700" cap="flat" cmpd="sng" algn="ctr">
+                      <a:solidFill>
+                        <a:schemeClr val="tx1"/>
+                      </a:solidFill>
+                      <a:prstDash val="solid"/>
+                      <a:round/>
+                      <a:headEnd type="none" w="med" len="med"/>
+                      <a:tailEnd type="none" w="med" len="med"/>
+                    </a:lnB>
+                    <a:solidFill>
+                      <a:schemeClr val="accent5">
+                        <a:lumMod val="20000"/>
+                        <a:lumOff val="80000"/>
+                      </a:schemeClr>
+                    </a:solidFill>
+                  </a:tcPr>
+                </a:tc>
+                <a:extLst>
+                  <a:ext uri="{0D108BD9-81ED-4DB2-BD59-A6C34878D82A}">
+                    <a16:rowId xmlns:a16="http://schemas.microsoft.com/office/drawing/2014/main" val="246460741"/>
+                  </a:ext>
+                </a:extLst>
+              </a:tr>
+              <a:tr h="370840">
+                <a:tc>
+                  <a:txBody>
+                    <a:bodyPr/>
+                    <a:lstStyle/>
+                    <a:p>
+                      <a:endParaRPr lang="en-US" dirty="0"/>
+                    </a:p>
+                  </a:txBody>
+                  <a:tcPr>
+                    <a:lnL w="12700" cap="flat" cmpd="sng" algn="ctr">
+                      <a:solidFill>
+                        <a:schemeClr val="tx1"/>
+                      </a:solidFill>
+                      <a:prstDash val="solid"/>
+                      <a:round/>
+                      <a:headEnd type="none" w="med" len="med"/>
+                      <a:tailEnd type="none" w="med" len="med"/>
+                    </a:lnL>
+                    <a:lnR w="12700" cap="flat" cmpd="sng" algn="ctr">
+                      <a:solidFill>
+                        <a:schemeClr val="tx1"/>
+                      </a:solidFill>
+                      <a:prstDash val="solid"/>
+                      <a:round/>
+                      <a:headEnd type="none" w="med" len="med"/>
+                      <a:tailEnd type="none" w="med" len="med"/>
+                    </a:lnR>
+                    <a:lnT w="12700" cap="flat" cmpd="sng" algn="ctr">
+                      <a:solidFill>
+                        <a:schemeClr val="tx1"/>
+                      </a:solidFill>
+                      <a:prstDash val="solid"/>
+                      <a:round/>
+                      <a:headEnd type="none" w="med" len="med"/>
+                      <a:tailEnd type="none" w="med" len="med"/>
+                    </a:lnT>
+                    <a:lnB w="12700" cap="flat" cmpd="sng" algn="ctr">
+                      <a:solidFill>
+                        <a:schemeClr val="tx1"/>
+                      </a:solidFill>
+                      <a:prstDash val="solid"/>
+                      <a:round/>
+                      <a:headEnd type="none" w="med" len="med"/>
+                      <a:tailEnd type="none" w="med" len="med"/>
+                    </a:lnB>
+                    <a:solidFill>
+                      <a:schemeClr val="accent5">
+                        <a:lumMod val="20000"/>
+                        <a:lumOff val="80000"/>
+                      </a:schemeClr>
+                    </a:solidFill>
+                  </a:tcPr>
+                </a:tc>
+                <a:extLst>
+                  <a:ext uri="{0D108BD9-81ED-4DB2-BD59-A6C34878D82A}">
+                    <a16:rowId xmlns:a16="http://schemas.microsoft.com/office/drawing/2014/main" val="2855974127"/>
+                  </a:ext>
+                </a:extLst>
+              </a:tr>
+            </a:tbl>
+          </a:graphicData>
+        </a:graphic>
+      </p:graphicFrame>
+      <p:graphicFrame>
+        <p:nvGraphicFramePr>
+          <p:cNvPr id="109" name="Table 7">
+            <a:extLst>
+              <a:ext uri="{FF2B5EF4-FFF2-40B4-BE49-F238E27FC236}">
+                <a16:creationId xmlns:a16="http://schemas.microsoft.com/office/drawing/2014/main" id="{0CC18F97-D693-5E49-AEA1-BBD6E4C03D28}"/>
+              </a:ext>
+            </a:extLst>
+          </p:cNvPr>
+          <p:cNvGraphicFramePr>
+            <a:graphicFrameLocks noGrp="1"/>
+          </p:cNvGraphicFramePr>
+          <p:nvPr/>
+        </p:nvGraphicFramePr>
+        <p:xfrm>
+          <a:off x="9406178" y="1713864"/>
+          <a:ext cx="388203" cy="1483360"/>
+        </p:xfrm>
+        <a:graphic>
+          <a:graphicData uri="http://schemas.openxmlformats.org/drawingml/2006/table">
+            <a:tbl>
+              <a:tblPr firstRow="1" bandRow="1">
+                <a:tableStyleId>{2D5ABB26-0587-4C30-8999-92F81FD0307C}</a:tableStyleId>
+              </a:tblPr>
+              <a:tblGrid>
+                <a:gridCol w="388203">
+                  <a:extLst>
+                    <a:ext uri="{9D8B030D-6E8A-4147-A177-3AD203B41FA5}">
+                      <a16:colId xmlns:a16="http://schemas.microsoft.com/office/drawing/2014/main" val="1419882353"/>
+                    </a:ext>
+                  </a:extLst>
+                </a:gridCol>
+              </a:tblGrid>
+              <a:tr h="370840">
+                <a:tc>
+                  <a:txBody>
+                    <a:bodyPr/>
+                    <a:lstStyle/>
+                    <a:p>
+                      <a:endParaRPr lang="en-US"/>
+                    </a:p>
+                  </a:txBody>
+                  <a:tcPr>
+                    <a:lnL w="12700" cap="flat" cmpd="sng" algn="ctr">
+                      <a:solidFill>
+                        <a:schemeClr val="tx1"/>
+                      </a:solidFill>
+                      <a:prstDash val="solid"/>
+                      <a:round/>
+                      <a:headEnd type="none" w="med" len="med"/>
+                      <a:tailEnd type="none" w="med" len="med"/>
+                    </a:lnL>
+                    <a:lnR w="12700" cap="flat" cmpd="sng" algn="ctr">
+                      <a:solidFill>
+                        <a:schemeClr val="tx1"/>
+                      </a:solidFill>
+                      <a:prstDash val="solid"/>
+                      <a:round/>
+                      <a:headEnd type="none" w="med" len="med"/>
+                      <a:tailEnd type="none" w="med" len="med"/>
+                    </a:lnR>
+                    <a:lnT w="12700" cap="flat" cmpd="sng" algn="ctr">
+                      <a:solidFill>
+                        <a:schemeClr val="tx1"/>
+                      </a:solidFill>
+                      <a:prstDash val="solid"/>
+                      <a:round/>
+                      <a:headEnd type="none" w="med" len="med"/>
+                      <a:tailEnd type="none" w="med" len="med"/>
+                    </a:lnT>
+                    <a:lnB w="12700" cap="flat" cmpd="sng" algn="ctr">
+                      <a:solidFill>
+                        <a:schemeClr val="tx1"/>
+                      </a:solidFill>
+                      <a:prstDash val="solid"/>
+                      <a:round/>
+                      <a:headEnd type="none" w="med" len="med"/>
+                      <a:tailEnd type="none" w="med" len="med"/>
+                    </a:lnB>
+                    <a:solidFill>
+                      <a:schemeClr val="tx1">
+                        <a:lumMod val="10000"/>
+                        <a:lumOff val="90000"/>
+                      </a:schemeClr>
+                    </a:solidFill>
+                  </a:tcPr>
+                </a:tc>
+                <a:extLst>
+                  <a:ext uri="{0D108BD9-81ED-4DB2-BD59-A6C34878D82A}">
+                    <a16:rowId xmlns:a16="http://schemas.microsoft.com/office/drawing/2014/main" val="457577377"/>
+                  </a:ext>
+                </a:extLst>
+              </a:tr>
+              <a:tr h="370840">
+                <a:tc>
+                  <a:txBody>
+                    <a:bodyPr/>
+                    <a:lstStyle/>
+                    <a:p>
+                      <a:endParaRPr lang="en-US"/>
+                    </a:p>
+                  </a:txBody>
+                  <a:tcPr>
+                    <a:lnL w="12700" cap="flat" cmpd="sng" algn="ctr">
+                      <a:solidFill>
+                        <a:schemeClr val="tx1"/>
+                      </a:solidFill>
+                      <a:prstDash val="solid"/>
+                      <a:round/>
+                      <a:headEnd type="none" w="med" len="med"/>
+                      <a:tailEnd type="none" w="med" len="med"/>
+                    </a:lnL>
+                    <a:lnR w="12700" cap="flat" cmpd="sng" algn="ctr">
+                      <a:solidFill>
+                        <a:schemeClr val="tx1"/>
+                      </a:solidFill>
+                      <a:prstDash val="solid"/>
+                      <a:round/>
+                      <a:headEnd type="none" w="med" len="med"/>
+                      <a:tailEnd type="none" w="med" len="med"/>
+                    </a:lnR>
+                    <a:lnT w="12700" cap="flat" cmpd="sng" algn="ctr">
+                      <a:solidFill>
+                        <a:schemeClr val="tx1"/>
+                      </a:solidFill>
+                      <a:prstDash val="solid"/>
+                      <a:round/>
+                      <a:headEnd type="none" w="med" len="med"/>
+                      <a:tailEnd type="none" w="med" len="med"/>
+                    </a:lnT>
+                    <a:lnB w="12700" cap="flat" cmpd="sng" algn="ctr">
+                      <a:solidFill>
+                        <a:schemeClr val="tx1"/>
+                      </a:solidFill>
+                      <a:prstDash val="solid"/>
+                      <a:round/>
+                      <a:headEnd type="none" w="med" len="med"/>
+                      <a:tailEnd type="none" w="med" len="med"/>
+                    </a:lnB>
+                    <a:solidFill>
+                      <a:schemeClr val="tx1">
+                        <a:lumMod val="10000"/>
+                        <a:lumOff val="90000"/>
+                      </a:schemeClr>
+                    </a:solidFill>
+                  </a:tcPr>
+                </a:tc>
+                <a:extLst>
+                  <a:ext uri="{0D108BD9-81ED-4DB2-BD59-A6C34878D82A}">
+                    <a16:rowId xmlns:a16="http://schemas.microsoft.com/office/drawing/2014/main" val="4272872369"/>
+                  </a:ext>
+                </a:extLst>
+              </a:tr>
+              <a:tr h="370840">
+                <a:tc>
+                  <a:txBody>
+                    <a:bodyPr/>
+                    <a:lstStyle/>
+                    <a:p>
+                      <a:endParaRPr lang="en-US"/>
+                    </a:p>
+                  </a:txBody>
+                  <a:tcPr>
+                    <a:lnL w="12700" cap="flat" cmpd="sng" algn="ctr">
+                      <a:solidFill>
+                        <a:schemeClr val="tx1"/>
+                      </a:solidFill>
+                      <a:prstDash val="solid"/>
+                      <a:round/>
+                      <a:headEnd type="none" w="med" len="med"/>
+                      <a:tailEnd type="none" w="med" len="med"/>
+                    </a:lnL>
+                    <a:lnR w="12700" cap="flat" cmpd="sng" algn="ctr">
+                      <a:solidFill>
+                        <a:schemeClr val="tx1"/>
+                      </a:solidFill>
+                      <a:prstDash val="solid"/>
+                      <a:round/>
+                      <a:headEnd type="none" w="med" len="med"/>
+                      <a:tailEnd type="none" w="med" len="med"/>
+                    </a:lnR>
+                    <a:lnT w="12700" cap="flat" cmpd="sng" algn="ctr">
+                      <a:solidFill>
+                        <a:schemeClr val="tx1"/>
+                      </a:solidFill>
+                      <a:prstDash val="solid"/>
+                      <a:round/>
+                      <a:headEnd type="none" w="med" len="med"/>
+                      <a:tailEnd type="none" w="med" len="med"/>
+                    </a:lnT>
+                    <a:lnB w="12700" cap="flat" cmpd="sng" algn="ctr">
+                      <a:solidFill>
+                        <a:schemeClr val="tx1"/>
+                      </a:solidFill>
+                      <a:prstDash val="solid"/>
+                      <a:round/>
+                      <a:headEnd type="none" w="med" len="med"/>
+                      <a:tailEnd type="none" w="med" len="med"/>
+                    </a:lnB>
+                    <a:solidFill>
+                      <a:schemeClr val="tx1">
+                        <a:lumMod val="10000"/>
+                        <a:lumOff val="90000"/>
+                      </a:schemeClr>
+                    </a:solidFill>
+                  </a:tcPr>
+                </a:tc>
+                <a:extLst>
+                  <a:ext uri="{0D108BD9-81ED-4DB2-BD59-A6C34878D82A}">
+                    <a16:rowId xmlns:a16="http://schemas.microsoft.com/office/drawing/2014/main" val="2988014524"/>
+                  </a:ext>
+                </a:extLst>
+              </a:tr>
+              <a:tr h="370840">
+                <a:tc>
+                  <a:txBody>
+                    <a:bodyPr/>
+                    <a:lstStyle/>
+                    <a:p>
+                      <a:endParaRPr lang="en-US" dirty="0"/>
+                    </a:p>
+                  </a:txBody>
+                  <a:tcPr>
+                    <a:lnL w="12700" cap="flat" cmpd="sng" algn="ctr">
+                      <a:solidFill>
+                        <a:schemeClr val="tx1"/>
+                      </a:solidFill>
+                      <a:prstDash val="solid"/>
+                      <a:round/>
+                      <a:headEnd type="none" w="med" len="med"/>
+                      <a:tailEnd type="none" w="med" len="med"/>
+                    </a:lnL>
+                    <a:lnR w="12700" cap="flat" cmpd="sng" algn="ctr">
+                      <a:solidFill>
+                        <a:schemeClr val="tx1"/>
+                      </a:solidFill>
+                      <a:prstDash val="solid"/>
+                      <a:round/>
+                      <a:headEnd type="none" w="med" len="med"/>
+                      <a:tailEnd type="none" w="med" len="med"/>
+                    </a:lnR>
+                    <a:lnT w="12700" cap="flat" cmpd="sng" algn="ctr">
+                      <a:solidFill>
+                        <a:schemeClr val="tx1"/>
+                      </a:solidFill>
+                      <a:prstDash val="solid"/>
+                      <a:round/>
+                      <a:headEnd type="none" w="med" len="med"/>
+                      <a:tailEnd type="none" w="med" len="med"/>
+                    </a:lnT>
+                    <a:lnB w="12700" cap="flat" cmpd="sng" algn="ctr">
+                      <a:solidFill>
+                        <a:schemeClr val="tx1"/>
+                      </a:solidFill>
+                      <a:prstDash val="solid"/>
+                      <a:round/>
+                      <a:headEnd type="none" w="med" len="med"/>
+                      <a:tailEnd type="none" w="med" len="med"/>
+                    </a:lnB>
+                    <a:solidFill>
+                      <a:schemeClr val="tx1">
+                        <a:lumMod val="10000"/>
+                        <a:lumOff val="90000"/>
+                      </a:schemeClr>
+                    </a:solidFill>
+                  </a:tcPr>
+                </a:tc>
+                <a:extLst>
+                  <a:ext uri="{0D108BD9-81ED-4DB2-BD59-A6C34878D82A}">
+                    <a16:rowId xmlns:a16="http://schemas.microsoft.com/office/drawing/2014/main" val="3800464148"/>
+                  </a:ext>
+                </a:extLst>
+              </a:tr>
+            </a:tbl>
+          </a:graphicData>
+        </a:graphic>
+      </p:graphicFrame>
+      <p:graphicFrame>
+        <p:nvGraphicFramePr>
+          <p:cNvPr id="111" name="Table 6">
+            <a:extLst>
+              <a:ext uri="{FF2B5EF4-FFF2-40B4-BE49-F238E27FC236}">
+                <a16:creationId xmlns:a16="http://schemas.microsoft.com/office/drawing/2014/main" id="{3B479B84-41BE-5648-9748-7BB4BE8D6141}"/>
+              </a:ext>
+            </a:extLst>
+          </p:cNvPr>
+          <p:cNvGraphicFramePr>
+            <a:graphicFrameLocks noGrp="1"/>
+          </p:cNvGraphicFramePr>
+          <p:nvPr/>
+        </p:nvGraphicFramePr>
+        <p:xfrm>
+          <a:off x="10758874" y="686324"/>
+          <a:ext cx="388203" cy="3538440"/>
+        </p:xfrm>
+        <a:graphic>
+          <a:graphicData uri="http://schemas.openxmlformats.org/drawingml/2006/table">
+            <a:tbl>
+              <a:tblPr firstRow="1" bandRow="1">
+                <a:tableStyleId>{2D5ABB26-0587-4C30-8999-92F81FD0307C}</a:tableStyleId>
+              </a:tblPr>
+              <a:tblGrid>
+                <a:gridCol w="388203">
+                  <a:extLst>
+                    <a:ext uri="{9D8B030D-6E8A-4147-A177-3AD203B41FA5}">
+                      <a16:colId xmlns:a16="http://schemas.microsoft.com/office/drawing/2014/main" val="1757945352"/>
+                    </a:ext>
+                  </a:extLst>
+                </a:gridCol>
+              </a:tblGrid>
+              <a:tr h="442305">
+                <a:tc>
+                  <a:txBody>
+                    <a:bodyPr/>
+                    <a:lstStyle/>
+                    <a:p>
+                      <a:endParaRPr lang="en-US" dirty="0"/>
+                    </a:p>
+                  </a:txBody>
+                  <a:tcPr>
+                    <a:lnL w="12700" cap="flat" cmpd="sng" algn="ctr">
+                      <a:solidFill>
+                        <a:schemeClr val="tx1"/>
+                      </a:solidFill>
+                      <a:prstDash val="solid"/>
+                      <a:round/>
+                      <a:headEnd type="none" w="med" len="med"/>
+                      <a:tailEnd type="none" w="med" len="med"/>
+                    </a:lnL>
+                    <a:lnR w="12700" cap="flat" cmpd="sng" algn="ctr">
+                      <a:solidFill>
+                        <a:schemeClr val="tx1"/>
+                      </a:solidFill>
+                      <a:prstDash val="solid"/>
+                      <a:round/>
+                      <a:headEnd type="none" w="med" len="med"/>
+                      <a:tailEnd type="none" w="med" len="med"/>
+                    </a:lnR>
+                    <a:lnT w="12700" cap="flat" cmpd="sng" algn="ctr">
+                      <a:solidFill>
+                        <a:schemeClr val="tx1"/>
+                      </a:solidFill>
+                      <a:prstDash val="solid"/>
+                      <a:round/>
+                      <a:headEnd type="none" w="med" len="med"/>
+                      <a:tailEnd type="none" w="med" len="med"/>
+                    </a:lnT>
+                    <a:lnB w="12700" cap="flat" cmpd="sng" algn="ctr">
+                      <a:solidFill>
+                        <a:schemeClr val="tx1"/>
+                      </a:solidFill>
+                      <a:prstDash val="solid"/>
+                      <a:round/>
+                      <a:headEnd type="none" w="med" len="med"/>
+                      <a:tailEnd type="none" w="med" len="med"/>
+                    </a:lnB>
+                    <a:solidFill>
+                      <a:schemeClr val="tx1">
+                        <a:lumMod val="10000"/>
+                        <a:lumOff val="90000"/>
+                      </a:schemeClr>
+                    </a:solidFill>
+                  </a:tcPr>
+                </a:tc>
+                <a:extLst>
+                  <a:ext uri="{0D108BD9-81ED-4DB2-BD59-A6C34878D82A}">
+                    <a16:rowId xmlns:a16="http://schemas.microsoft.com/office/drawing/2014/main" val="479824518"/>
+                  </a:ext>
+                </a:extLst>
+              </a:tr>
+              <a:tr h="442305">
+                <a:tc>
+                  <a:txBody>
+                    <a:bodyPr/>
+                    <a:lstStyle/>
+                    <a:p>
+                      <a:endParaRPr lang="en-US"/>
+                    </a:p>
+                  </a:txBody>
+                  <a:tcPr>
+                    <a:lnL w="12700" cap="flat" cmpd="sng" algn="ctr">
+                      <a:solidFill>
+                        <a:schemeClr val="tx1"/>
+                      </a:solidFill>
+                      <a:prstDash val="solid"/>
+                      <a:round/>
+                      <a:headEnd type="none" w="med" len="med"/>
+                      <a:tailEnd type="none" w="med" len="med"/>
+                    </a:lnL>
+                    <a:lnR w="12700" cap="flat" cmpd="sng" algn="ctr">
+                      <a:solidFill>
+                        <a:schemeClr val="tx1"/>
+                      </a:solidFill>
+                      <a:prstDash val="solid"/>
+                      <a:round/>
+                      <a:headEnd type="none" w="med" len="med"/>
+                      <a:tailEnd type="none" w="med" len="med"/>
+                    </a:lnR>
+                    <a:lnT w="12700" cap="flat" cmpd="sng" algn="ctr">
+                      <a:solidFill>
+                        <a:schemeClr val="tx1"/>
+                      </a:solidFill>
+                      <a:prstDash val="solid"/>
+                      <a:round/>
+                      <a:headEnd type="none" w="med" len="med"/>
+                      <a:tailEnd type="none" w="med" len="med"/>
+                    </a:lnT>
+                    <a:lnB w="12700" cap="flat" cmpd="sng" algn="ctr">
+                      <a:solidFill>
+                        <a:schemeClr val="tx1"/>
+                      </a:solidFill>
+                      <a:prstDash val="solid"/>
+                      <a:round/>
+                      <a:headEnd type="none" w="med" len="med"/>
+                      <a:tailEnd type="none" w="med" len="med"/>
+                    </a:lnB>
+                    <a:solidFill>
+                      <a:schemeClr val="tx1">
+                        <a:lumMod val="10000"/>
+                        <a:lumOff val="90000"/>
+                      </a:schemeClr>
+                    </a:solidFill>
+                  </a:tcPr>
+                </a:tc>
+                <a:extLst>
+                  <a:ext uri="{0D108BD9-81ED-4DB2-BD59-A6C34878D82A}">
+                    <a16:rowId xmlns:a16="http://schemas.microsoft.com/office/drawing/2014/main" val="4237834014"/>
+                  </a:ext>
+                </a:extLst>
+              </a:tr>
+              <a:tr h="442305">
+                <a:tc>
+                  <a:txBody>
+                    <a:bodyPr/>
+                    <a:lstStyle/>
+                    <a:p>
+                      <a:endParaRPr lang="en-US"/>
+                    </a:p>
+                  </a:txBody>
+                  <a:tcPr>
+                    <a:lnL w="12700" cap="flat" cmpd="sng" algn="ctr">
+                      <a:solidFill>
+                        <a:schemeClr val="tx1"/>
+                      </a:solidFill>
+                      <a:prstDash val="solid"/>
+                      <a:round/>
+                      <a:headEnd type="none" w="med" len="med"/>
+                      <a:tailEnd type="none" w="med" len="med"/>
+                    </a:lnL>
+                    <a:lnR w="12700" cap="flat" cmpd="sng" algn="ctr">
+                      <a:solidFill>
+                        <a:schemeClr val="tx1"/>
+                      </a:solidFill>
+                      <a:prstDash val="solid"/>
+                      <a:round/>
+                      <a:headEnd type="none" w="med" len="med"/>
+                      <a:tailEnd type="none" w="med" len="med"/>
+                    </a:lnR>
+                    <a:lnT w="12700" cap="flat" cmpd="sng" algn="ctr">
+                      <a:solidFill>
+                        <a:schemeClr val="tx1"/>
+                      </a:solidFill>
+                      <a:prstDash val="solid"/>
+                      <a:round/>
+                      <a:headEnd type="none" w="med" len="med"/>
+                      <a:tailEnd type="none" w="med" len="med"/>
+                    </a:lnT>
+                    <a:lnB w="12700" cap="flat" cmpd="sng" algn="ctr">
+                      <a:solidFill>
+                        <a:schemeClr val="tx1"/>
+                      </a:solidFill>
+                      <a:prstDash val="solid"/>
+                      <a:round/>
+                      <a:headEnd type="none" w="med" len="med"/>
+                      <a:tailEnd type="none" w="med" len="med"/>
+                    </a:lnB>
+                    <a:solidFill>
+                      <a:schemeClr val="tx1">
+                        <a:lumMod val="10000"/>
+                        <a:lumOff val="90000"/>
+                      </a:schemeClr>
+                    </a:solidFill>
+                  </a:tcPr>
+                </a:tc>
+                <a:extLst>
+                  <a:ext uri="{0D108BD9-81ED-4DB2-BD59-A6C34878D82A}">
+                    <a16:rowId xmlns:a16="http://schemas.microsoft.com/office/drawing/2014/main" val="2940506627"/>
+                  </a:ext>
+                </a:extLst>
+              </a:tr>
+              <a:tr h="442305">
+                <a:tc>
+                  <a:txBody>
+                    <a:bodyPr/>
+                    <a:lstStyle/>
+                    <a:p>
+                      <a:endParaRPr lang="en-US"/>
+                    </a:p>
+                  </a:txBody>
+                  <a:tcPr>
+                    <a:lnL w="12700" cap="flat" cmpd="sng" algn="ctr">
+                      <a:solidFill>
+                        <a:schemeClr val="tx1"/>
+                      </a:solidFill>
+                      <a:prstDash val="solid"/>
+                      <a:round/>
+                      <a:headEnd type="none" w="med" len="med"/>
+                      <a:tailEnd type="none" w="med" len="med"/>
+                    </a:lnL>
+                    <a:lnR w="12700" cap="flat" cmpd="sng" algn="ctr">
+                      <a:solidFill>
+                        <a:schemeClr val="tx1"/>
+                      </a:solidFill>
+                      <a:prstDash val="solid"/>
+                      <a:round/>
+                      <a:headEnd type="none" w="med" len="med"/>
+                      <a:tailEnd type="none" w="med" len="med"/>
+                    </a:lnR>
+                    <a:lnT w="12700" cap="flat" cmpd="sng" algn="ctr">
+                      <a:solidFill>
+                        <a:schemeClr val="tx1"/>
+                      </a:solidFill>
+                      <a:prstDash val="solid"/>
+                      <a:round/>
+                      <a:headEnd type="none" w="med" len="med"/>
+                      <a:tailEnd type="none" w="med" len="med"/>
+                    </a:lnT>
+                    <a:lnB w="12700" cap="flat" cmpd="sng" algn="ctr">
+                      <a:solidFill>
+                        <a:schemeClr val="tx1"/>
+                      </a:solidFill>
+                      <a:prstDash val="solid"/>
+                      <a:round/>
+                      <a:headEnd type="none" w="med" len="med"/>
+                      <a:tailEnd type="none" w="med" len="med"/>
+                    </a:lnB>
+                    <a:solidFill>
+                      <a:schemeClr val="tx1">
+                        <a:lumMod val="10000"/>
+                        <a:lumOff val="90000"/>
+                      </a:schemeClr>
+                    </a:solidFill>
+                  </a:tcPr>
+                </a:tc>
+                <a:extLst>
+                  <a:ext uri="{0D108BD9-81ED-4DB2-BD59-A6C34878D82A}">
+                    <a16:rowId xmlns:a16="http://schemas.microsoft.com/office/drawing/2014/main" val="1636739982"/>
+                  </a:ext>
+                </a:extLst>
+              </a:tr>
+              <a:tr h="442305">
+                <a:tc>
+                  <a:txBody>
+                    <a:bodyPr/>
+                    <a:lstStyle/>
+                    <a:p>
+                      <a:endParaRPr lang="en-US" dirty="0"/>
+                    </a:p>
+                  </a:txBody>
+                  <a:tcPr>
+                    <a:lnL w="12700" cap="flat" cmpd="sng" algn="ctr">
+                      <a:solidFill>
+                        <a:schemeClr val="tx1"/>
+                      </a:solidFill>
+                      <a:prstDash val="solid"/>
+                      <a:round/>
+                      <a:headEnd type="none" w="med" len="med"/>
+                      <a:tailEnd type="none" w="med" len="med"/>
+                    </a:lnL>
+                    <a:lnR w="12700" cap="flat" cmpd="sng" algn="ctr">
+                      <a:solidFill>
+                        <a:schemeClr val="tx1"/>
+                      </a:solidFill>
+                      <a:prstDash val="solid"/>
+                      <a:round/>
+                      <a:headEnd type="none" w="med" len="med"/>
+                      <a:tailEnd type="none" w="med" len="med"/>
+                    </a:lnR>
+                    <a:lnT w="12700" cap="flat" cmpd="sng" algn="ctr">
+                      <a:solidFill>
+                        <a:schemeClr val="tx1"/>
+                      </a:solidFill>
+                      <a:prstDash val="solid"/>
+                      <a:round/>
+                      <a:headEnd type="none" w="med" len="med"/>
+                      <a:tailEnd type="none" w="med" len="med"/>
+                    </a:lnT>
+                    <a:lnB w="12700" cap="flat" cmpd="sng" algn="ctr">
+                      <a:solidFill>
+                        <a:schemeClr val="tx1"/>
+                      </a:solidFill>
+                      <a:prstDash val="solid"/>
+                      <a:round/>
+                      <a:headEnd type="none" w="med" len="med"/>
+                      <a:tailEnd type="none" w="med" len="med"/>
+                    </a:lnB>
+                    <a:solidFill>
+                      <a:schemeClr val="tx1">
+                        <a:lumMod val="10000"/>
+                        <a:lumOff val="90000"/>
+                      </a:schemeClr>
+                    </a:solidFill>
+                  </a:tcPr>
+                </a:tc>
+                <a:extLst>
+                  <a:ext uri="{0D108BD9-81ED-4DB2-BD59-A6C34878D82A}">
+                    <a16:rowId xmlns:a16="http://schemas.microsoft.com/office/drawing/2014/main" val="2979087257"/>
+                  </a:ext>
+                </a:extLst>
+              </a:tr>
+              <a:tr h="442305">
+                <a:tc>
+                  <a:txBody>
+                    <a:bodyPr/>
+                    <a:lstStyle/>
+                    <a:p>
+                      <a:endParaRPr lang="en-US"/>
+                    </a:p>
+                  </a:txBody>
+                  <a:tcPr>
+                    <a:lnL w="12700" cap="flat" cmpd="sng" algn="ctr">
+                      <a:solidFill>
+                        <a:schemeClr val="tx1"/>
+                      </a:solidFill>
+                      <a:prstDash val="solid"/>
+                      <a:round/>
+                      <a:headEnd type="none" w="med" len="med"/>
+                      <a:tailEnd type="none" w="med" len="med"/>
+                    </a:lnL>
+                    <a:lnR w="12700" cap="flat" cmpd="sng" algn="ctr">
+                      <a:solidFill>
+                        <a:schemeClr val="tx1"/>
+                      </a:solidFill>
+                      <a:prstDash val="solid"/>
+                      <a:round/>
+                      <a:headEnd type="none" w="med" len="med"/>
+                      <a:tailEnd type="none" w="med" len="med"/>
+                    </a:lnR>
+                    <a:lnT w="12700" cap="flat" cmpd="sng" algn="ctr">
+                      <a:solidFill>
+                        <a:schemeClr val="tx1"/>
+                      </a:solidFill>
+                      <a:prstDash val="solid"/>
+                      <a:round/>
+                      <a:headEnd type="none" w="med" len="med"/>
+                      <a:tailEnd type="none" w="med" len="med"/>
+                    </a:lnT>
+                    <a:lnB w="12700" cap="flat" cmpd="sng" algn="ctr">
+                      <a:solidFill>
+                        <a:schemeClr val="tx1"/>
+                      </a:solidFill>
+                      <a:prstDash val="solid"/>
+                      <a:round/>
+                      <a:headEnd type="none" w="med" len="med"/>
+                      <a:tailEnd type="none" w="med" len="med"/>
+                    </a:lnB>
+                    <a:solidFill>
+                      <a:schemeClr val="tx1">
+                        <a:lumMod val="10000"/>
+                        <a:lumOff val="90000"/>
+                      </a:schemeClr>
+                    </a:solidFill>
+                  </a:tcPr>
+                </a:tc>
+                <a:extLst>
+                  <a:ext uri="{0D108BD9-81ED-4DB2-BD59-A6C34878D82A}">
+                    <a16:rowId xmlns:a16="http://schemas.microsoft.com/office/drawing/2014/main" val="3652197590"/>
+                  </a:ext>
+                </a:extLst>
+              </a:tr>
+              <a:tr h="442305">
+                <a:tc>
+                  <a:txBody>
+                    <a:bodyPr/>
+                    <a:lstStyle/>
+                    <a:p>
+                      <a:endParaRPr lang="en-US"/>
+                    </a:p>
+                  </a:txBody>
+                  <a:tcPr>
+                    <a:lnL w="12700" cap="flat" cmpd="sng" algn="ctr">
+                      <a:solidFill>
+                        <a:schemeClr val="tx1"/>
+                      </a:solidFill>
+                      <a:prstDash val="solid"/>
+                      <a:round/>
+                      <a:headEnd type="none" w="med" len="med"/>
+                      <a:tailEnd type="none" w="med" len="med"/>
+                    </a:lnL>
+                    <a:lnR w="12700" cap="flat" cmpd="sng" algn="ctr">
+                      <a:solidFill>
+                        <a:schemeClr val="tx1"/>
+                      </a:solidFill>
+                      <a:prstDash val="solid"/>
+                      <a:round/>
+                      <a:headEnd type="none" w="med" len="med"/>
+                      <a:tailEnd type="none" w="med" len="med"/>
+                    </a:lnR>
+                    <a:lnT w="12700" cap="flat" cmpd="sng" algn="ctr">
+                      <a:solidFill>
+                        <a:schemeClr val="tx1"/>
+                      </a:solidFill>
+                      <a:prstDash val="solid"/>
+                      <a:round/>
+                      <a:headEnd type="none" w="med" len="med"/>
+                      <a:tailEnd type="none" w="med" len="med"/>
+                    </a:lnT>
+                    <a:lnB w="12700" cap="flat" cmpd="sng" algn="ctr">
+                      <a:solidFill>
+                        <a:schemeClr val="tx1"/>
+                      </a:solidFill>
+                      <a:prstDash val="solid"/>
+                      <a:round/>
+                      <a:headEnd type="none" w="med" len="med"/>
+                      <a:tailEnd type="none" w="med" len="med"/>
+                    </a:lnB>
+                    <a:solidFill>
+                      <a:schemeClr val="tx1">
+                        <a:lumMod val="10000"/>
+                        <a:lumOff val="90000"/>
+                      </a:schemeClr>
+                    </a:solidFill>
+                  </a:tcPr>
+                </a:tc>
+                <a:extLst>
+                  <a:ext uri="{0D108BD9-81ED-4DB2-BD59-A6C34878D82A}">
+                    <a16:rowId xmlns:a16="http://schemas.microsoft.com/office/drawing/2014/main" val="4260493060"/>
+                  </a:ext>
+                </a:extLst>
+              </a:tr>
+              <a:tr h="442305">
+                <a:tc>
+                  <a:txBody>
+                    <a:bodyPr/>
+                    <a:lstStyle/>
+                    <a:p>
+                      <a:endParaRPr lang="en-US" dirty="0"/>
+                    </a:p>
+                  </a:txBody>
+                  <a:tcPr>
+                    <a:lnL w="12700" cap="flat" cmpd="sng" algn="ctr">
+                      <a:solidFill>
+                        <a:schemeClr val="tx1"/>
+                      </a:solidFill>
+                      <a:prstDash val="solid"/>
+                      <a:round/>
+                      <a:headEnd type="none" w="med" len="med"/>
+                      <a:tailEnd type="none" w="med" len="med"/>
+                    </a:lnL>
+                    <a:lnR w="12700" cap="flat" cmpd="sng" algn="ctr">
+                      <a:solidFill>
+                        <a:schemeClr val="tx1"/>
+                      </a:solidFill>
+                      <a:prstDash val="solid"/>
+                      <a:round/>
+                      <a:headEnd type="none" w="med" len="med"/>
+                      <a:tailEnd type="none" w="med" len="med"/>
+                    </a:lnR>
+                    <a:lnT w="12700" cap="flat" cmpd="sng" algn="ctr">
+                      <a:solidFill>
+                        <a:schemeClr val="tx1"/>
+                      </a:solidFill>
+                      <a:prstDash val="solid"/>
+                      <a:round/>
+                      <a:headEnd type="none" w="med" len="med"/>
+                      <a:tailEnd type="none" w="med" len="med"/>
+                    </a:lnT>
+                    <a:lnB w="12700" cap="flat" cmpd="sng" algn="ctr">
+                      <a:solidFill>
+                        <a:schemeClr val="tx1"/>
+                      </a:solidFill>
+                      <a:prstDash val="solid"/>
+                      <a:round/>
+                      <a:headEnd type="none" w="med" len="med"/>
+                      <a:tailEnd type="none" w="med" len="med"/>
+                    </a:lnB>
+                    <a:solidFill>
+                      <a:schemeClr val="tx1">
+                        <a:lumMod val="10000"/>
+                        <a:lumOff val="90000"/>
+                      </a:schemeClr>
+                    </a:solidFill>
+                  </a:tcPr>
+                </a:tc>
+                <a:extLst>
+                  <a:ext uri="{0D108BD9-81ED-4DB2-BD59-A6C34878D82A}">
+                    <a16:rowId xmlns:a16="http://schemas.microsoft.com/office/drawing/2014/main" val="1536397340"/>
+                  </a:ext>
+                </a:extLst>
+              </a:tr>
+            </a:tbl>
+          </a:graphicData>
+        </a:graphic>
+      </p:graphicFrame>
+      <p:cxnSp>
+        <p:nvCxnSpPr>
+          <p:cNvPr id="17" name="Straight Connector 16">
+            <a:extLst>
+              <a:ext uri="{FF2B5EF4-FFF2-40B4-BE49-F238E27FC236}">
+                <a16:creationId xmlns:a16="http://schemas.microsoft.com/office/drawing/2014/main" id="{DBB8B1ED-A488-9E46-A90D-AE48C54FA4FE}"/>
+              </a:ext>
+            </a:extLst>
+          </p:cNvPr>
+          <p:cNvCxnSpPr>
+            <a:cxnSpLocks/>
+          </p:cNvCxnSpPr>
+          <p:nvPr/>
+        </p:nvCxnSpPr>
+        <p:spPr>
+          <a:xfrm>
+            <a:off x="5666172" y="723474"/>
+            <a:ext cx="1034614" cy="990390"/>
+          </a:xfrm>
+          <a:prstGeom prst="line">
+            <a:avLst/>
+          </a:prstGeom>
+          <a:ln>
+            <a:solidFill>
+              <a:schemeClr val="tx1"/>
+            </a:solidFill>
+            <a:prstDash val="dash"/>
+          </a:ln>
+        </p:spPr>
+        <p:style>
+          <a:lnRef idx="3">
+            <a:schemeClr val="accent1"/>
+          </a:lnRef>
+          <a:fillRef idx="0">
+            <a:schemeClr val="accent1"/>
+          </a:fillRef>
+          <a:effectRef idx="2">
+            <a:schemeClr val="accent1"/>
+          </a:effectRef>
+          <a:fontRef idx="minor">
+            <a:schemeClr val="tx1"/>
+          </a:fontRef>
+        </p:style>
+      </p:cxnSp>
+      <p:cxnSp>
+        <p:nvCxnSpPr>
+          <p:cNvPr id="117" name="Straight Connector 116">
+            <a:extLst>
+              <a:ext uri="{FF2B5EF4-FFF2-40B4-BE49-F238E27FC236}">
+                <a16:creationId xmlns:a16="http://schemas.microsoft.com/office/drawing/2014/main" id="{B03F1BE2-13C1-A24D-95C9-3E30B645C5EE}"/>
+              </a:ext>
+            </a:extLst>
+          </p:cNvPr>
+          <p:cNvCxnSpPr>
+            <a:cxnSpLocks/>
+          </p:cNvCxnSpPr>
+          <p:nvPr/>
+        </p:nvCxnSpPr>
+        <p:spPr>
+          <a:xfrm flipV="1">
+            <a:off x="5666172" y="3197224"/>
+            <a:ext cx="1034614" cy="1064690"/>
+          </a:xfrm>
+          <a:prstGeom prst="line">
+            <a:avLst/>
+          </a:prstGeom>
+          <a:ln>
+            <a:solidFill>
+              <a:schemeClr val="tx1"/>
+            </a:solidFill>
+            <a:prstDash val="dash"/>
+          </a:ln>
+        </p:spPr>
+        <p:style>
+          <a:lnRef idx="3">
+            <a:schemeClr val="accent1"/>
+          </a:lnRef>
+          <a:fillRef idx="0">
+            <a:schemeClr val="accent1"/>
+          </a:fillRef>
+          <a:effectRef idx="2">
+            <a:schemeClr val="accent1"/>
+          </a:effectRef>
+          <a:fontRef idx="minor">
+            <a:schemeClr val="tx1"/>
+          </a:fontRef>
+        </p:style>
+      </p:cxnSp>
+      <p:cxnSp>
+        <p:nvCxnSpPr>
+          <p:cNvPr id="119" name="Straight Connector 118">
+            <a:extLst>
+              <a:ext uri="{FF2B5EF4-FFF2-40B4-BE49-F238E27FC236}">
+                <a16:creationId xmlns:a16="http://schemas.microsoft.com/office/drawing/2014/main" id="{B0790800-956E-A446-AED9-20E1F828184C}"/>
+              </a:ext>
+            </a:extLst>
+          </p:cNvPr>
+          <p:cNvCxnSpPr>
+            <a:cxnSpLocks/>
+          </p:cNvCxnSpPr>
+          <p:nvPr/>
+        </p:nvCxnSpPr>
+        <p:spPr>
+          <a:xfrm flipV="1">
+            <a:off x="5666318" y="1713864"/>
+            <a:ext cx="1034468" cy="2543657"/>
+          </a:xfrm>
+          <a:prstGeom prst="line">
+            <a:avLst/>
+          </a:prstGeom>
+          <a:ln>
+            <a:solidFill>
+              <a:schemeClr val="tx1"/>
+            </a:solidFill>
+            <a:prstDash val="dash"/>
+          </a:ln>
+        </p:spPr>
+        <p:style>
+          <a:lnRef idx="3">
+            <a:schemeClr val="accent1"/>
+          </a:lnRef>
+          <a:fillRef idx="0">
+            <a:schemeClr val="accent1"/>
+          </a:fillRef>
+          <a:effectRef idx="2">
+            <a:schemeClr val="accent1"/>
+          </a:effectRef>
+          <a:fontRef idx="minor">
+            <a:schemeClr val="tx1"/>
+          </a:fontRef>
+        </p:style>
+      </p:cxnSp>
+      <p:cxnSp>
+        <p:nvCxnSpPr>
+          <p:cNvPr id="121" name="Straight Connector 120">
+            <a:extLst>
+              <a:ext uri="{FF2B5EF4-FFF2-40B4-BE49-F238E27FC236}">
+                <a16:creationId xmlns:a16="http://schemas.microsoft.com/office/drawing/2014/main" id="{64622411-2E9D-CE4F-A8AE-671D0AF188CE}"/>
+              </a:ext>
+            </a:extLst>
+          </p:cNvPr>
+          <p:cNvCxnSpPr>
+            <a:cxnSpLocks/>
+          </p:cNvCxnSpPr>
+          <p:nvPr/>
+        </p:nvCxnSpPr>
+        <p:spPr>
+          <a:xfrm>
+            <a:off x="5666172" y="719081"/>
+            <a:ext cx="1025974" cy="2483385"/>
+          </a:xfrm>
+          <a:prstGeom prst="line">
+            <a:avLst/>
+          </a:prstGeom>
+          <a:ln>
+            <a:solidFill>
+              <a:schemeClr val="tx1"/>
+            </a:solidFill>
+            <a:prstDash val="dash"/>
+          </a:ln>
+        </p:spPr>
+        <p:style>
+          <a:lnRef idx="3">
+            <a:schemeClr val="accent1"/>
+          </a:lnRef>
+          <a:fillRef idx="0">
+            <a:schemeClr val="accent1"/>
+          </a:fillRef>
+          <a:effectRef idx="2">
+            <a:schemeClr val="accent1"/>
+          </a:effectRef>
+          <a:fontRef idx="minor">
+            <a:schemeClr val="tx1"/>
+          </a:fontRef>
+        </p:style>
+      </p:cxnSp>
+      <p:cxnSp>
+        <p:nvCxnSpPr>
+          <p:cNvPr id="124" name="Straight Connector 123">
+            <a:extLst>
+              <a:ext uri="{FF2B5EF4-FFF2-40B4-BE49-F238E27FC236}">
+                <a16:creationId xmlns:a16="http://schemas.microsoft.com/office/drawing/2014/main" id="{8CE1240C-97FE-824D-8F3D-6CCE340C0327}"/>
+              </a:ext>
+            </a:extLst>
+          </p:cNvPr>
+          <p:cNvCxnSpPr>
+            <a:cxnSpLocks/>
+          </p:cNvCxnSpPr>
+          <p:nvPr/>
+        </p:nvCxnSpPr>
+        <p:spPr>
+          <a:xfrm flipV="1">
+            <a:off x="7097629" y="2790717"/>
+            <a:ext cx="957118" cy="411749"/>
+          </a:xfrm>
+          <a:prstGeom prst="line">
+            <a:avLst/>
+          </a:prstGeom>
+          <a:ln>
+            <a:solidFill>
+              <a:schemeClr val="tx1"/>
+            </a:solidFill>
+            <a:prstDash val="dash"/>
+          </a:ln>
+        </p:spPr>
+        <p:style>
+          <a:lnRef idx="3">
+            <a:schemeClr val="accent1"/>
+          </a:lnRef>
+          <a:fillRef idx="0">
+            <a:schemeClr val="accent1"/>
+          </a:fillRef>
+          <a:effectRef idx="2">
+            <a:schemeClr val="accent1"/>
+          </a:effectRef>
+          <a:fontRef idx="minor">
+            <a:schemeClr val="tx1"/>
+          </a:fontRef>
+        </p:style>
+      </p:cxnSp>
+      <p:cxnSp>
+        <p:nvCxnSpPr>
+          <p:cNvPr id="133" name="Straight Connector 132">
+            <a:extLst>
+              <a:ext uri="{FF2B5EF4-FFF2-40B4-BE49-F238E27FC236}">
+                <a16:creationId xmlns:a16="http://schemas.microsoft.com/office/drawing/2014/main" id="{0CB85F96-37A7-C747-90F7-B824CE0C75AF}"/>
+              </a:ext>
+            </a:extLst>
+          </p:cNvPr>
+          <p:cNvCxnSpPr>
+            <a:cxnSpLocks/>
+          </p:cNvCxnSpPr>
+          <p:nvPr/>
+        </p:nvCxnSpPr>
+        <p:spPr>
+          <a:xfrm>
+            <a:off x="7095099" y="1713864"/>
+            <a:ext cx="948478" cy="335173"/>
+          </a:xfrm>
+          <a:prstGeom prst="line">
+            <a:avLst/>
+          </a:prstGeom>
+          <a:ln>
+            <a:solidFill>
+              <a:schemeClr val="tx1"/>
+            </a:solidFill>
+            <a:prstDash val="dash"/>
+          </a:ln>
+        </p:spPr>
+        <p:style>
+          <a:lnRef idx="3">
+            <a:schemeClr val="accent1"/>
+          </a:lnRef>
+          <a:fillRef idx="0">
+            <a:schemeClr val="accent1"/>
+          </a:fillRef>
+          <a:effectRef idx="2">
+            <a:schemeClr val="accent1"/>
+          </a:effectRef>
+          <a:fontRef idx="minor">
+            <a:schemeClr val="tx1"/>
+          </a:fontRef>
+        </p:style>
+      </p:cxnSp>
+      <p:cxnSp>
+        <p:nvCxnSpPr>
+          <p:cNvPr id="134" name="Straight Connector 133">
+            <a:extLst>
+              <a:ext uri="{FF2B5EF4-FFF2-40B4-BE49-F238E27FC236}">
+                <a16:creationId xmlns:a16="http://schemas.microsoft.com/office/drawing/2014/main" id="{7A3BC2B7-93E0-BE46-9746-59B49B453F6C}"/>
+              </a:ext>
+            </a:extLst>
+          </p:cNvPr>
+          <p:cNvCxnSpPr>
+            <a:cxnSpLocks/>
+          </p:cNvCxnSpPr>
+          <p:nvPr/>
+        </p:nvCxnSpPr>
+        <p:spPr>
+          <a:xfrm flipV="1">
+            <a:off x="7117813" y="2049037"/>
+            <a:ext cx="945574" cy="1148187"/>
+          </a:xfrm>
+          <a:prstGeom prst="line">
+            <a:avLst/>
+          </a:prstGeom>
+          <a:ln>
+            <a:solidFill>
+              <a:schemeClr val="tx1"/>
+            </a:solidFill>
+            <a:prstDash val="dash"/>
+          </a:ln>
+        </p:spPr>
+        <p:style>
+          <a:lnRef idx="3">
+            <a:schemeClr val="accent1"/>
+          </a:lnRef>
+          <a:fillRef idx="0">
+            <a:schemeClr val="accent1"/>
+          </a:fillRef>
+          <a:effectRef idx="2">
+            <a:schemeClr val="accent1"/>
+          </a:effectRef>
+          <a:fontRef idx="minor">
+            <a:schemeClr val="tx1"/>
+          </a:fontRef>
+        </p:style>
+      </p:cxnSp>
+      <p:cxnSp>
+        <p:nvCxnSpPr>
+          <p:cNvPr id="149" name="Straight Connector 148">
+            <a:extLst>
+              <a:ext uri="{FF2B5EF4-FFF2-40B4-BE49-F238E27FC236}">
+                <a16:creationId xmlns:a16="http://schemas.microsoft.com/office/drawing/2014/main" id="{17E2B9FB-FC5C-FE44-8A94-C3EFFDD239C9}"/>
+              </a:ext>
+            </a:extLst>
+          </p:cNvPr>
+          <p:cNvCxnSpPr>
+            <a:cxnSpLocks/>
+          </p:cNvCxnSpPr>
+          <p:nvPr/>
+        </p:nvCxnSpPr>
+        <p:spPr>
+          <a:xfrm>
+            <a:off x="7097629" y="1708622"/>
+            <a:ext cx="945948" cy="1098614"/>
+          </a:xfrm>
+          <a:prstGeom prst="line">
+            <a:avLst/>
+          </a:prstGeom>
+          <a:ln>
+            <a:solidFill>
+              <a:schemeClr val="tx1"/>
+            </a:solidFill>
+            <a:prstDash val="dash"/>
+          </a:ln>
+        </p:spPr>
+        <p:style>
+          <a:lnRef idx="3">
+            <a:schemeClr val="accent1"/>
+          </a:lnRef>
+          <a:fillRef idx="0">
+            <a:schemeClr val="accent1"/>
+          </a:fillRef>
+          <a:effectRef idx="2">
+            <a:schemeClr val="accent1"/>
+          </a:effectRef>
+          <a:fontRef idx="minor">
+            <a:schemeClr val="tx1"/>
+          </a:fontRef>
+        </p:style>
+      </p:cxnSp>
+      <p:cxnSp>
+        <p:nvCxnSpPr>
+          <p:cNvPr id="150" name="Straight Connector 149">
+            <a:extLst>
+              <a:ext uri="{FF2B5EF4-FFF2-40B4-BE49-F238E27FC236}">
+                <a16:creationId xmlns:a16="http://schemas.microsoft.com/office/drawing/2014/main" id="{19E56C66-BEF3-1740-B726-91D3429F440A}"/>
+              </a:ext>
+            </a:extLst>
+          </p:cNvPr>
+          <p:cNvCxnSpPr>
+            <a:cxnSpLocks/>
+          </p:cNvCxnSpPr>
+          <p:nvPr/>
+        </p:nvCxnSpPr>
+        <p:spPr>
+          <a:xfrm>
+            <a:off x="8434148" y="2788096"/>
+            <a:ext cx="970765" cy="409128"/>
+          </a:xfrm>
+          <a:prstGeom prst="line">
+            <a:avLst/>
+          </a:prstGeom>
+          <a:ln>
+            <a:solidFill>
+              <a:schemeClr val="tx1"/>
+            </a:solidFill>
+            <a:prstDash val="dash"/>
+          </a:ln>
+        </p:spPr>
+        <p:style>
+          <a:lnRef idx="3">
+            <a:schemeClr val="accent1"/>
+          </a:lnRef>
+          <a:fillRef idx="0">
+            <a:schemeClr val="accent1"/>
+          </a:fillRef>
+          <a:effectRef idx="2">
+            <a:schemeClr val="accent1"/>
+          </a:effectRef>
+          <a:fontRef idx="minor">
+            <a:schemeClr val="tx1"/>
+          </a:fontRef>
+        </p:style>
+      </p:cxnSp>
+      <p:cxnSp>
+        <p:nvCxnSpPr>
+          <p:cNvPr id="151" name="Straight Connector 150">
+            <a:extLst>
+              <a:ext uri="{FF2B5EF4-FFF2-40B4-BE49-F238E27FC236}">
+                <a16:creationId xmlns:a16="http://schemas.microsoft.com/office/drawing/2014/main" id="{9B09A6FB-964B-324E-B2BD-19899D1A1955}"/>
+              </a:ext>
+            </a:extLst>
+          </p:cNvPr>
+          <p:cNvCxnSpPr>
+            <a:cxnSpLocks/>
+          </p:cNvCxnSpPr>
+          <p:nvPr/>
+        </p:nvCxnSpPr>
+        <p:spPr>
+          <a:xfrm flipV="1">
+            <a:off x="8445318" y="1708622"/>
+            <a:ext cx="970765" cy="337794"/>
+          </a:xfrm>
+          <a:prstGeom prst="line">
+            <a:avLst/>
+          </a:prstGeom>
+          <a:ln>
+            <a:solidFill>
+              <a:schemeClr val="tx1"/>
+            </a:solidFill>
+            <a:prstDash val="dash"/>
+          </a:ln>
+        </p:spPr>
+        <p:style>
+          <a:lnRef idx="3">
+            <a:schemeClr val="accent1"/>
+          </a:lnRef>
+          <a:fillRef idx="0">
+            <a:schemeClr val="accent1"/>
+          </a:fillRef>
+          <a:effectRef idx="2">
+            <a:schemeClr val="accent1"/>
+          </a:effectRef>
+          <a:fontRef idx="minor">
+            <a:schemeClr val="tx1"/>
+          </a:fontRef>
+        </p:style>
+      </p:cxnSp>
+      <p:cxnSp>
+        <p:nvCxnSpPr>
+          <p:cNvPr id="152" name="Straight Connector 151">
+            <a:extLst>
+              <a:ext uri="{FF2B5EF4-FFF2-40B4-BE49-F238E27FC236}">
+                <a16:creationId xmlns:a16="http://schemas.microsoft.com/office/drawing/2014/main" id="{822412D8-F32A-2345-8A81-C14E98C833AE}"/>
+              </a:ext>
+            </a:extLst>
+          </p:cNvPr>
+          <p:cNvCxnSpPr>
+            <a:cxnSpLocks/>
+          </p:cNvCxnSpPr>
+          <p:nvPr/>
+        </p:nvCxnSpPr>
+        <p:spPr>
+          <a:xfrm flipV="1">
+            <a:off x="8440794" y="1708622"/>
+            <a:ext cx="964119" cy="1050333"/>
+          </a:xfrm>
+          <a:prstGeom prst="line">
+            <a:avLst/>
+          </a:prstGeom>
+          <a:ln>
+            <a:solidFill>
+              <a:schemeClr val="tx1"/>
+            </a:solidFill>
+            <a:prstDash val="dash"/>
+          </a:ln>
+        </p:spPr>
+        <p:style>
+          <a:lnRef idx="3">
+            <a:schemeClr val="accent1"/>
+          </a:lnRef>
+          <a:fillRef idx="0">
+            <a:schemeClr val="accent1"/>
+          </a:fillRef>
+          <a:effectRef idx="2">
+            <a:schemeClr val="accent1"/>
+          </a:effectRef>
+          <a:fontRef idx="minor">
+            <a:schemeClr val="tx1"/>
+          </a:fontRef>
+        </p:style>
+      </p:cxnSp>
+      <p:cxnSp>
+        <p:nvCxnSpPr>
+          <p:cNvPr id="153" name="Straight Connector 152">
+            <a:extLst>
+              <a:ext uri="{FF2B5EF4-FFF2-40B4-BE49-F238E27FC236}">
+                <a16:creationId xmlns:a16="http://schemas.microsoft.com/office/drawing/2014/main" id="{841DA343-3867-D449-8933-B89A30D28B97}"/>
+              </a:ext>
+            </a:extLst>
+          </p:cNvPr>
+          <p:cNvCxnSpPr>
+            <a:cxnSpLocks/>
+          </p:cNvCxnSpPr>
+          <p:nvPr/>
+        </p:nvCxnSpPr>
+        <p:spPr>
+          <a:xfrm flipH="1" flipV="1">
+            <a:off x="8460604" y="2046416"/>
+            <a:ext cx="934652" cy="1150808"/>
+          </a:xfrm>
+          <a:prstGeom prst="line">
+            <a:avLst/>
+          </a:prstGeom>
+          <a:ln>
+            <a:solidFill>
+              <a:schemeClr val="tx1"/>
+            </a:solidFill>
+            <a:prstDash val="dash"/>
+          </a:ln>
+        </p:spPr>
+        <p:style>
+          <a:lnRef idx="3">
+            <a:schemeClr val="accent1"/>
+          </a:lnRef>
+          <a:fillRef idx="0">
+            <a:schemeClr val="accent1"/>
+          </a:fillRef>
+          <a:effectRef idx="2">
+            <a:schemeClr val="accent1"/>
+          </a:effectRef>
+          <a:fontRef idx="minor">
+            <a:schemeClr val="tx1"/>
+          </a:fontRef>
+        </p:style>
+      </p:cxnSp>
+      <p:cxnSp>
+        <p:nvCxnSpPr>
+          <p:cNvPr id="154" name="Straight Connector 153">
+            <a:extLst>
+              <a:ext uri="{FF2B5EF4-FFF2-40B4-BE49-F238E27FC236}">
+                <a16:creationId xmlns:a16="http://schemas.microsoft.com/office/drawing/2014/main" id="{E13FC62E-8A42-1E4B-87EF-4B8D57511782}"/>
+              </a:ext>
+            </a:extLst>
+          </p:cNvPr>
+          <p:cNvCxnSpPr>
+            <a:cxnSpLocks/>
+          </p:cNvCxnSpPr>
+          <p:nvPr/>
+        </p:nvCxnSpPr>
+        <p:spPr>
+          <a:xfrm flipH="1" flipV="1">
+            <a:off x="9799435" y="3154165"/>
+            <a:ext cx="968079" cy="1070599"/>
+          </a:xfrm>
+          <a:prstGeom prst="line">
+            <a:avLst/>
+          </a:prstGeom>
+          <a:ln>
+            <a:solidFill>
+              <a:schemeClr val="tx1"/>
+            </a:solidFill>
+            <a:prstDash val="dash"/>
+          </a:ln>
+        </p:spPr>
+        <p:style>
+          <a:lnRef idx="3">
+            <a:schemeClr val="accent1"/>
+          </a:lnRef>
+          <a:fillRef idx="0">
+            <a:schemeClr val="accent1"/>
+          </a:fillRef>
+          <a:effectRef idx="2">
+            <a:schemeClr val="accent1"/>
+          </a:effectRef>
+          <a:fontRef idx="minor">
+            <a:schemeClr val="tx1"/>
+          </a:fontRef>
+        </p:style>
+      </p:cxnSp>
+      <p:cxnSp>
+        <p:nvCxnSpPr>
+          <p:cNvPr id="155" name="Straight Connector 154">
+            <a:extLst>
+              <a:ext uri="{FF2B5EF4-FFF2-40B4-BE49-F238E27FC236}">
+                <a16:creationId xmlns:a16="http://schemas.microsoft.com/office/drawing/2014/main" id="{9D31CD4E-740C-6A4F-BEBA-0462C6952F12}"/>
+              </a:ext>
+            </a:extLst>
+          </p:cNvPr>
+          <p:cNvCxnSpPr>
+            <a:cxnSpLocks/>
+          </p:cNvCxnSpPr>
+          <p:nvPr/>
+        </p:nvCxnSpPr>
+        <p:spPr>
+          <a:xfrm flipH="1">
+            <a:off x="9767914" y="686324"/>
+            <a:ext cx="999600" cy="1022298"/>
+          </a:xfrm>
+          <a:prstGeom prst="line">
+            <a:avLst/>
+          </a:prstGeom>
+          <a:ln>
+            <a:solidFill>
+              <a:schemeClr val="tx1"/>
+            </a:solidFill>
+            <a:prstDash val="dash"/>
+          </a:ln>
+        </p:spPr>
+        <p:style>
+          <a:lnRef idx="3">
+            <a:schemeClr val="accent1"/>
+          </a:lnRef>
+          <a:fillRef idx="0">
+            <a:schemeClr val="accent1"/>
+          </a:fillRef>
+          <a:effectRef idx="2">
+            <a:schemeClr val="accent1"/>
+          </a:effectRef>
+          <a:fontRef idx="minor">
+            <a:schemeClr val="tx1"/>
+          </a:fontRef>
+        </p:style>
+      </p:cxnSp>
+      <p:cxnSp>
+        <p:nvCxnSpPr>
+          <p:cNvPr id="156" name="Straight Connector 155">
+            <a:extLst>
+              <a:ext uri="{FF2B5EF4-FFF2-40B4-BE49-F238E27FC236}">
+                <a16:creationId xmlns:a16="http://schemas.microsoft.com/office/drawing/2014/main" id="{8DED0925-7A8A-4842-9F2A-43496DFAD1C9}"/>
+              </a:ext>
+            </a:extLst>
+          </p:cNvPr>
+          <p:cNvCxnSpPr>
+            <a:cxnSpLocks/>
+          </p:cNvCxnSpPr>
+          <p:nvPr/>
+        </p:nvCxnSpPr>
+        <p:spPr>
+          <a:xfrm flipH="1">
+            <a:off x="9799435" y="681082"/>
+            <a:ext cx="959439" cy="2506261"/>
+          </a:xfrm>
+          <a:prstGeom prst="line">
+            <a:avLst/>
+          </a:prstGeom>
+          <a:ln>
+            <a:solidFill>
+              <a:schemeClr val="tx1"/>
+            </a:solidFill>
+            <a:prstDash val="dash"/>
+          </a:ln>
+        </p:spPr>
+        <p:style>
+          <a:lnRef idx="3">
+            <a:schemeClr val="accent1"/>
+          </a:lnRef>
+          <a:fillRef idx="0">
+            <a:schemeClr val="accent1"/>
+          </a:fillRef>
+          <a:effectRef idx="2">
+            <a:schemeClr val="accent1"/>
+          </a:effectRef>
+          <a:fontRef idx="minor">
+            <a:schemeClr val="tx1"/>
+          </a:fontRef>
+        </p:style>
+      </p:cxnSp>
+      <p:cxnSp>
+        <p:nvCxnSpPr>
+          <p:cNvPr id="157" name="Straight Connector 156">
+            <a:extLst>
+              <a:ext uri="{FF2B5EF4-FFF2-40B4-BE49-F238E27FC236}">
+                <a16:creationId xmlns:a16="http://schemas.microsoft.com/office/drawing/2014/main" id="{5EBD81F7-6E55-2243-BD48-94146444E6BB}"/>
+              </a:ext>
+            </a:extLst>
+          </p:cNvPr>
+          <p:cNvCxnSpPr>
+            <a:cxnSpLocks/>
+          </p:cNvCxnSpPr>
+          <p:nvPr/>
+        </p:nvCxnSpPr>
+        <p:spPr>
+          <a:xfrm>
+            <a:off x="9808771" y="1690786"/>
+            <a:ext cx="950103" cy="2533978"/>
+          </a:xfrm>
+          <a:prstGeom prst="line">
+            <a:avLst/>
+          </a:prstGeom>
+          <a:ln>
+            <a:solidFill>
+              <a:schemeClr val="tx1"/>
+            </a:solidFill>
+            <a:prstDash val="dash"/>
+          </a:ln>
+        </p:spPr>
+        <p:style>
+          <a:lnRef idx="3">
+            <a:schemeClr val="accent1"/>
+          </a:lnRef>
+          <a:fillRef idx="0">
+            <a:schemeClr val="accent1"/>
+          </a:fillRef>
+          <a:effectRef idx="2">
+            <a:schemeClr val="accent1"/>
+          </a:effectRef>
+          <a:fontRef idx="minor">
+            <a:schemeClr val="tx1"/>
+          </a:fontRef>
+        </p:style>
+      </p:cxnSp>
+      <p:pic>
+        <p:nvPicPr>
+          <p:cNvPr id="72" name="Graphic 71" descr="Caret Up with solid fill">
+            <a:extLst>
+              <a:ext uri="{FF2B5EF4-FFF2-40B4-BE49-F238E27FC236}">
+                <a16:creationId xmlns:a16="http://schemas.microsoft.com/office/drawing/2014/main" id="{BFA9026C-AEE7-B14A-A456-0889A3A6E531}"/>
+              </a:ext>
+            </a:extLst>
+          </p:cNvPr>
+          <p:cNvPicPr>
+            <a:picLocks noChangeAspect="1"/>
+          </p:cNvPicPr>
+          <p:nvPr/>
+        </p:nvPicPr>
+        <p:blipFill>
+          <a:blip r:embed="rId3">
+            <a:extLst>
+              <a:ext uri="{96DAC541-7B7A-43D3-8B79-37D633B846F1}">
+                <asvg:svgBlip xmlns:asvg="http://schemas.microsoft.com/office/drawing/2016/SVG/main" r:embed="rId4"/>
+              </a:ext>
+            </a:extLst>
+          </a:blip>
+          <a:stretch>
+            <a:fillRect/>
+          </a:stretch>
+        </p:blipFill>
+        <p:spPr>
+          <a:xfrm rot="7998180">
+            <a:off x="6059114" y="1133395"/>
+            <a:ext cx="411749" cy="388204"/>
+          </a:xfrm>
+          <a:prstGeom prst="rect">
+            <a:avLst/>
+          </a:prstGeom>
+        </p:spPr>
+      </p:pic>
+      <p:pic>
+        <p:nvPicPr>
+          <p:cNvPr id="158" name="Graphic 157" descr="Caret Up with solid fill">
+            <a:extLst>
+              <a:ext uri="{FF2B5EF4-FFF2-40B4-BE49-F238E27FC236}">
+                <a16:creationId xmlns:a16="http://schemas.microsoft.com/office/drawing/2014/main" id="{5342B95F-3A09-0040-A9AF-A0D59B16B3BB}"/>
+              </a:ext>
+            </a:extLst>
+          </p:cNvPr>
+          <p:cNvPicPr>
+            <a:picLocks noChangeAspect="1"/>
+          </p:cNvPicPr>
+          <p:nvPr/>
+        </p:nvPicPr>
+        <p:blipFill>
+          <a:blip r:embed="rId3">
+            <a:extLst>
+              <a:ext uri="{96DAC541-7B7A-43D3-8B79-37D633B846F1}">
+                <asvg:svgBlip xmlns:asvg="http://schemas.microsoft.com/office/drawing/2016/SVG/main" r:embed="rId4"/>
+              </a:ext>
+            </a:extLst>
+          </a:blip>
+          <a:stretch>
+            <a:fillRect/>
+          </a:stretch>
+        </p:blipFill>
+        <p:spPr>
+          <a:xfrm rot="2592951">
+            <a:off x="6044522" y="3461433"/>
+            <a:ext cx="411749" cy="388204"/>
+          </a:xfrm>
+          <a:prstGeom prst="rect">
+            <a:avLst/>
+          </a:prstGeom>
+        </p:spPr>
+      </p:pic>
+      <p:pic>
+        <p:nvPicPr>
+          <p:cNvPr id="159" name="Graphic 158" descr="Caret Up with solid fill">
+            <a:extLst>
+              <a:ext uri="{FF2B5EF4-FFF2-40B4-BE49-F238E27FC236}">
+                <a16:creationId xmlns:a16="http://schemas.microsoft.com/office/drawing/2014/main" id="{03FA9994-9057-6445-B66A-DD6E41D2986F}"/>
+              </a:ext>
+            </a:extLst>
+          </p:cNvPr>
+          <p:cNvPicPr>
+            <a:picLocks noChangeAspect="1"/>
+          </p:cNvPicPr>
+          <p:nvPr/>
+        </p:nvPicPr>
+        <p:blipFill>
+          <a:blip r:embed="rId3">
+            <a:extLst>
+              <a:ext uri="{96DAC541-7B7A-43D3-8B79-37D633B846F1}">
+                <asvg:svgBlip xmlns:asvg="http://schemas.microsoft.com/office/drawing/2016/SVG/main" r:embed="rId4"/>
+              </a:ext>
+            </a:extLst>
+          </a:blip>
+          <a:stretch>
+            <a:fillRect/>
+          </a:stretch>
+        </p:blipFill>
+        <p:spPr>
+          <a:xfrm rot="2592951">
+            <a:off x="5909770" y="2960062"/>
+            <a:ext cx="411749" cy="388204"/>
+          </a:xfrm>
+          <a:prstGeom prst="rect">
+            <a:avLst/>
+          </a:prstGeom>
+        </p:spPr>
+      </p:pic>
+      <p:pic>
+        <p:nvPicPr>
+          <p:cNvPr id="167" name="Graphic 166" descr="Caret Up with solid fill">
+            <a:extLst>
+              <a:ext uri="{FF2B5EF4-FFF2-40B4-BE49-F238E27FC236}">
+                <a16:creationId xmlns:a16="http://schemas.microsoft.com/office/drawing/2014/main" id="{53C8E5A7-7FE2-C044-B012-3F972581BF67}"/>
+              </a:ext>
+            </a:extLst>
+          </p:cNvPr>
+          <p:cNvPicPr>
+            <a:picLocks noChangeAspect="1"/>
+          </p:cNvPicPr>
+          <p:nvPr/>
+        </p:nvPicPr>
+        <p:blipFill>
+          <a:blip r:embed="rId3">
+            <a:extLst>
+              <a:ext uri="{96DAC541-7B7A-43D3-8B79-37D633B846F1}">
+                <asvg:svgBlip xmlns:asvg="http://schemas.microsoft.com/office/drawing/2016/SVG/main" r:embed="rId4"/>
+              </a:ext>
+            </a:extLst>
+          </a:blip>
+          <a:stretch>
+            <a:fillRect/>
+          </a:stretch>
+        </p:blipFill>
+        <p:spPr>
+          <a:xfrm rot="8766675">
+            <a:off x="5904919" y="1667951"/>
+            <a:ext cx="411749" cy="388204"/>
+          </a:xfrm>
+          <a:prstGeom prst="rect">
+            <a:avLst/>
+          </a:prstGeom>
+        </p:spPr>
+      </p:pic>
+      <p:pic>
+        <p:nvPicPr>
+          <p:cNvPr id="168" name="Graphic 167" descr="Caret Up with solid fill">
+            <a:extLst>
+              <a:ext uri="{FF2B5EF4-FFF2-40B4-BE49-F238E27FC236}">
+                <a16:creationId xmlns:a16="http://schemas.microsoft.com/office/drawing/2014/main" id="{2B03BA15-E5BA-0D40-81DE-4ACF8D883284}"/>
+              </a:ext>
+            </a:extLst>
+          </p:cNvPr>
+          <p:cNvPicPr>
+            <a:picLocks noChangeAspect="1"/>
+          </p:cNvPicPr>
+          <p:nvPr/>
+        </p:nvPicPr>
+        <p:blipFill>
+          <a:blip r:embed="rId3">
+            <a:extLst>
+              <a:ext uri="{96DAC541-7B7A-43D3-8B79-37D633B846F1}">
+                <asvg:svgBlip xmlns:asvg="http://schemas.microsoft.com/office/drawing/2016/SVG/main" r:embed="rId4"/>
+              </a:ext>
+            </a:extLst>
+          </a:blip>
+          <a:stretch>
+            <a:fillRect/>
+          </a:stretch>
+        </p:blipFill>
+        <p:spPr>
+          <a:xfrm rot="4170176">
+            <a:off x="7454352" y="2798559"/>
+            <a:ext cx="411749" cy="388204"/>
+          </a:xfrm>
+          <a:prstGeom prst="rect">
+            <a:avLst/>
+          </a:prstGeom>
+        </p:spPr>
+      </p:pic>
+      <p:pic>
+        <p:nvPicPr>
+          <p:cNvPr id="169" name="Graphic 168" descr="Caret Up with solid fill">
+            <a:extLst>
+              <a:ext uri="{FF2B5EF4-FFF2-40B4-BE49-F238E27FC236}">
+                <a16:creationId xmlns:a16="http://schemas.microsoft.com/office/drawing/2014/main" id="{453519DA-EB2E-9047-A882-8CDF898141C9}"/>
+              </a:ext>
+            </a:extLst>
+          </p:cNvPr>
+          <p:cNvPicPr>
+            <a:picLocks noChangeAspect="1"/>
+          </p:cNvPicPr>
+          <p:nvPr/>
+        </p:nvPicPr>
+        <p:blipFill>
+          <a:blip r:embed="rId3">
+            <a:extLst>
+              <a:ext uri="{96DAC541-7B7A-43D3-8B79-37D633B846F1}">
+                <asvg:svgBlip xmlns:asvg="http://schemas.microsoft.com/office/drawing/2016/SVG/main" r:embed="rId4"/>
+              </a:ext>
+            </a:extLst>
+          </a:blip>
+          <a:stretch>
+            <a:fillRect/>
+          </a:stretch>
+        </p:blipFill>
+        <p:spPr>
+          <a:xfrm rot="6890702">
+            <a:off x="7465212" y="1737404"/>
+            <a:ext cx="411749" cy="388204"/>
+          </a:xfrm>
+          <a:prstGeom prst="rect">
+            <a:avLst/>
+          </a:prstGeom>
+        </p:spPr>
+      </p:pic>
+      <p:pic>
+        <p:nvPicPr>
+          <p:cNvPr id="170" name="Graphic 169" descr="Caret Up with solid fill">
+            <a:extLst>
+              <a:ext uri="{FF2B5EF4-FFF2-40B4-BE49-F238E27FC236}">
+                <a16:creationId xmlns:a16="http://schemas.microsoft.com/office/drawing/2014/main" id="{D8BAF299-73AF-1C4D-B7B2-FAC4280F0B3E}"/>
+              </a:ext>
+            </a:extLst>
+          </p:cNvPr>
+          <p:cNvPicPr>
+            <a:picLocks noChangeAspect="1"/>
+          </p:cNvPicPr>
+          <p:nvPr/>
+        </p:nvPicPr>
+        <p:blipFill>
+          <a:blip r:embed="rId3">
+            <a:extLst>
+              <a:ext uri="{96DAC541-7B7A-43D3-8B79-37D633B846F1}">
+                <asvg:svgBlip xmlns:asvg="http://schemas.microsoft.com/office/drawing/2016/SVG/main" r:embed="rId4"/>
+              </a:ext>
+            </a:extLst>
+          </a:blip>
+          <a:stretch>
+            <a:fillRect/>
+          </a:stretch>
+        </p:blipFill>
+        <p:spPr>
+          <a:xfrm rot="2835663">
+            <a:off x="7328262" y="2486332"/>
+            <a:ext cx="411749" cy="388204"/>
+          </a:xfrm>
+          <a:prstGeom prst="rect">
+            <a:avLst/>
+          </a:prstGeom>
+        </p:spPr>
+      </p:pic>
+      <p:pic>
+        <p:nvPicPr>
+          <p:cNvPr id="171" name="Graphic 170" descr="Caret Up with solid fill">
+            <a:extLst>
+              <a:ext uri="{FF2B5EF4-FFF2-40B4-BE49-F238E27FC236}">
+                <a16:creationId xmlns:a16="http://schemas.microsoft.com/office/drawing/2014/main" id="{6C08C862-AE8E-E84D-A225-07C3EA054392}"/>
+              </a:ext>
+            </a:extLst>
+          </p:cNvPr>
+          <p:cNvPicPr>
+            <a:picLocks noChangeAspect="1"/>
+          </p:cNvPicPr>
+          <p:nvPr/>
+        </p:nvPicPr>
+        <p:blipFill>
+          <a:blip r:embed="rId3">
+            <a:extLst>
+              <a:ext uri="{96DAC541-7B7A-43D3-8B79-37D633B846F1}">
+                <asvg:svgBlip xmlns:asvg="http://schemas.microsoft.com/office/drawing/2016/SVG/main" r:embed="rId4"/>
+              </a:ext>
+            </a:extLst>
+          </a:blip>
+          <a:stretch>
+            <a:fillRect/>
+          </a:stretch>
+        </p:blipFill>
+        <p:spPr>
+          <a:xfrm rot="7498558">
+            <a:off x="7311555" y="2006156"/>
+            <a:ext cx="411749" cy="388204"/>
+          </a:xfrm>
+          <a:prstGeom prst="rect">
+            <a:avLst/>
+          </a:prstGeom>
+        </p:spPr>
+      </p:pic>
+      <p:pic>
+        <p:nvPicPr>
+          <p:cNvPr id="172" name="Graphic 171" descr="Caret Up with solid fill">
+            <a:extLst>
+              <a:ext uri="{FF2B5EF4-FFF2-40B4-BE49-F238E27FC236}">
+                <a16:creationId xmlns:a16="http://schemas.microsoft.com/office/drawing/2014/main" id="{5063EB05-9955-3440-876B-4DF711503029}"/>
+              </a:ext>
+            </a:extLst>
+          </p:cNvPr>
+          <p:cNvPicPr>
+            <a:picLocks noChangeAspect="1"/>
+          </p:cNvPicPr>
+          <p:nvPr/>
+        </p:nvPicPr>
+        <p:blipFill>
+          <a:blip r:embed="rId3">
+            <a:extLst>
+              <a:ext uri="{96DAC541-7B7A-43D3-8B79-37D633B846F1}">
+                <asvg:svgBlip xmlns:asvg="http://schemas.microsoft.com/office/drawing/2016/SVG/main" r:embed="rId4"/>
+              </a:ext>
+            </a:extLst>
+          </a:blip>
+          <a:stretch>
+            <a:fillRect/>
+          </a:stretch>
+        </p:blipFill>
+        <p:spPr>
+          <a:xfrm rot="6917310">
+            <a:off x="8691906" y="2798560"/>
+            <a:ext cx="411749" cy="388204"/>
+          </a:xfrm>
+          <a:prstGeom prst="rect">
+            <a:avLst/>
+          </a:prstGeom>
+        </p:spPr>
+      </p:pic>
+      <p:pic>
+        <p:nvPicPr>
+          <p:cNvPr id="173" name="Graphic 172" descr="Caret Up with solid fill">
+            <a:extLst>
+              <a:ext uri="{FF2B5EF4-FFF2-40B4-BE49-F238E27FC236}">
+                <a16:creationId xmlns:a16="http://schemas.microsoft.com/office/drawing/2014/main" id="{A73F2DA5-1FDB-0A48-9617-551971B3187A}"/>
+              </a:ext>
+            </a:extLst>
+          </p:cNvPr>
+          <p:cNvPicPr>
+            <a:picLocks noChangeAspect="1"/>
+          </p:cNvPicPr>
+          <p:nvPr/>
+        </p:nvPicPr>
+        <p:blipFill>
+          <a:blip r:embed="rId3">
+            <a:extLst>
+              <a:ext uri="{96DAC541-7B7A-43D3-8B79-37D633B846F1}">
+                <asvg:svgBlip xmlns:asvg="http://schemas.microsoft.com/office/drawing/2016/SVG/main" r:embed="rId4"/>
+              </a:ext>
+            </a:extLst>
+          </a:blip>
+          <a:stretch>
+            <a:fillRect/>
+          </a:stretch>
+        </p:blipFill>
+        <p:spPr>
+          <a:xfrm rot="8183449">
+            <a:off x="8728838" y="2455530"/>
+            <a:ext cx="411749" cy="388204"/>
+          </a:xfrm>
+          <a:prstGeom prst="rect">
+            <a:avLst/>
+          </a:prstGeom>
+        </p:spPr>
+      </p:pic>
+      <p:pic>
+        <p:nvPicPr>
+          <p:cNvPr id="174" name="Graphic 173" descr="Caret Up with solid fill">
+            <a:extLst>
+              <a:ext uri="{FF2B5EF4-FFF2-40B4-BE49-F238E27FC236}">
+                <a16:creationId xmlns:a16="http://schemas.microsoft.com/office/drawing/2014/main" id="{D540BF22-3A47-F647-8D2A-AAEAAD4C75F8}"/>
+              </a:ext>
+            </a:extLst>
+          </p:cNvPr>
+          <p:cNvPicPr>
+            <a:picLocks noChangeAspect="1"/>
+          </p:cNvPicPr>
+          <p:nvPr/>
+        </p:nvPicPr>
+        <p:blipFill>
+          <a:blip r:embed="rId3">
+            <a:extLst>
+              <a:ext uri="{96DAC541-7B7A-43D3-8B79-37D633B846F1}">
+                <asvg:svgBlip xmlns:asvg="http://schemas.microsoft.com/office/drawing/2016/SVG/main" r:embed="rId4"/>
+              </a:ext>
+            </a:extLst>
+          </a:blip>
+          <a:stretch>
+            <a:fillRect/>
+          </a:stretch>
+        </p:blipFill>
+        <p:spPr>
+          <a:xfrm rot="3113698">
+            <a:off x="8687291" y="2048452"/>
+            <a:ext cx="411749" cy="388204"/>
+          </a:xfrm>
+          <a:prstGeom prst="rect">
+            <a:avLst/>
+          </a:prstGeom>
+        </p:spPr>
+      </p:pic>
+      <p:pic>
+        <p:nvPicPr>
+          <p:cNvPr id="175" name="Graphic 174" descr="Caret Up with solid fill">
+            <a:extLst>
+              <a:ext uri="{FF2B5EF4-FFF2-40B4-BE49-F238E27FC236}">
+                <a16:creationId xmlns:a16="http://schemas.microsoft.com/office/drawing/2014/main" id="{66DD2A8B-E152-3646-A0A0-667E7390AC1D}"/>
+              </a:ext>
+            </a:extLst>
+          </p:cNvPr>
+          <p:cNvPicPr>
+            <a:picLocks noChangeAspect="1"/>
+          </p:cNvPicPr>
+          <p:nvPr/>
+        </p:nvPicPr>
+        <p:blipFill>
+          <a:blip r:embed="rId3">
+            <a:extLst>
+              <a:ext uri="{96DAC541-7B7A-43D3-8B79-37D633B846F1}">
+                <asvg:svgBlip xmlns:asvg="http://schemas.microsoft.com/office/drawing/2016/SVG/main" r:embed="rId4"/>
+              </a:ext>
+            </a:extLst>
+          </a:blip>
+          <a:stretch>
+            <a:fillRect/>
+          </a:stretch>
+        </p:blipFill>
+        <p:spPr>
+          <a:xfrm rot="4591634">
+            <a:off x="8725252" y="1686460"/>
+            <a:ext cx="411749" cy="388204"/>
+          </a:xfrm>
+          <a:prstGeom prst="rect">
+            <a:avLst/>
+          </a:prstGeom>
+        </p:spPr>
+      </p:pic>
+      <p:pic>
+        <p:nvPicPr>
+          <p:cNvPr id="176" name="Graphic 175" descr="Caret Up with solid fill">
+            <a:extLst>
+              <a:ext uri="{FF2B5EF4-FFF2-40B4-BE49-F238E27FC236}">
+                <a16:creationId xmlns:a16="http://schemas.microsoft.com/office/drawing/2014/main" id="{F71E81AC-F2C8-9146-8EE0-4C01390AE1DC}"/>
+              </a:ext>
+            </a:extLst>
+          </p:cNvPr>
+          <p:cNvPicPr>
+            <a:picLocks noChangeAspect="1"/>
+          </p:cNvPicPr>
+          <p:nvPr/>
+        </p:nvPicPr>
+        <p:blipFill>
+          <a:blip r:embed="rId3">
+            <a:extLst>
+              <a:ext uri="{96DAC541-7B7A-43D3-8B79-37D633B846F1}">
+                <asvg:svgBlip xmlns:asvg="http://schemas.microsoft.com/office/drawing/2016/SVG/main" r:embed="rId4"/>
+              </a:ext>
+            </a:extLst>
+          </a:blip>
+          <a:stretch>
+            <a:fillRect/>
+          </a:stretch>
+        </p:blipFill>
+        <p:spPr>
+          <a:xfrm rot="3113698">
+            <a:off x="9973188" y="1067430"/>
+            <a:ext cx="411749" cy="388204"/>
+          </a:xfrm>
+          <a:prstGeom prst="rect">
+            <a:avLst/>
+          </a:prstGeom>
+        </p:spPr>
+      </p:pic>
+      <p:pic>
+        <p:nvPicPr>
+          <p:cNvPr id="177" name="Graphic 176" descr="Caret Up with solid fill">
+            <a:extLst>
+              <a:ext uri="{FF2B5EF4-FFF2-40B4-BE49-F238E27FC236}">
+                <a16:creationId xmlns:a16="http://schemas.microsoft.com/office/drawing/2014/main" id="{73777B6A-B5CF-EA44-BBC8-2A02DED3D8C7}"/>
+              </a:ext>
+            </a:extLst>
+          </p:cNvPr>
+          <p:cNvPicPr>
+            <a:picLocks noChangeAspect="1"/>
+          </p:cNvPicPr>
+          <p:nvPr/>
+        </p:nvPicPr>
+        <p:blipFill>
+          <a:blip r:embed="rId3">
+            <a:extLst>
+              <a:ext uri="{96DAC541-7B7A-43D3-8B79-37D633B846F1}">
+                <asvg:svgBlip xmlns:asvg="http://schemas.microsoft.com/office/drawing/2016/SVG/main" r:embed="rId4"/>
+              </a:ext>
+            </a:extLst>
+          </a:blip>
+          <a:stretch>
+            <a:fillRect/>
+          </a:stretch>
+        </p:blipFill>
+        <p:spPr>
+          <a:xfrm rot="1565335">
+            <a:off x="10140813" y="1558939"/>
+            <a:ext cx="411749" cy="388204"/>
+          </a:xfrm>
+          <a:prstGeom prst="rect">
+            <a:avLst/>
+          </a:prstGeom>
+        </p:spPr>
+      </p:pic>
+      <p:pic>
+        <p:nvPicPr>
+          <p:cNvPr id="178" name="Graphic 177" descr="Caret Up with solid fill">
+            <a:extLst>
+              <a:ext uri="{FF2B5EF4-FFF2-40B4-BE49-F238E27FC236}">
+                <a16:creationId xmlns:a16="http://schemas.microsoft.com/office/drawing/2014/main" id="{BD140FD3-6972-2E4E-B0AE-CD91CEC176EB}"/>
+              </a:ext>
+            </a:extLst>
+          </p:cNvPr>
+          <p:cNvPicPr>
+            <a:picLocks noChangeAspect="1"/>
+          </p:cNvPicPr>
+          <p:nvPr/>
+        </p:nvPicPr>
+        <p:blipFill>
+          <a:blip r:embed="rId3">
+            <a:extLst>
+              <a:ext uri="{96DAC541-7B7A-43D3-8B79-37D633B846F1}">
+                <asvg:svgBlip xmlns:asvg="http://schemas.microsoft.com/office/drawing/2016/SVG/main" r:embed="rId4"/>
+              </a:ext>
+            </a:extLst>
+          </a:blip>
+          <a:stretch>
+            <a:fillRect/>
+          </a:stretch>
+        </p:blipFill>
+        <p:spPr>
+          <a:xfrm rot="9237538">
+            <a:off x="10080723" y="2806551"/>
+            <a:ext cx="411749" cy="388204"/>
+          </a:xfrm>
+          <a:prstGeom prst="rect">
+            <a:avLst/>
+          </a:prstGeom>
+        </p:spPr>
+      </p:pic>
+      <p:pic>
+        <p:nvPicPr>
+          <p:cNvPr id="179" name="Graphic 178" descr="Caret Up with solid fill">
+            <a:extLst>
+              <a:ext uri="{FF2B5EF4-FFF2-40B4-BE49-F238E27FC236}">
+                <a16:creationId xmlns:a16="http://schemas.microsoft.com/office/drawing/2014/main" id="{C4D7C9AF-A50A-F142-93B9-FC773018B6A7}"/>
+              </a:ext>
+            </a:extLst>
+          </p:cNvPr>
+          <p:cNvPicPr>
+            <a:picLocks noChangeAspect="1"/>
+          </p:cNvPicPr>
+          <p:nvPr/>
+        </p:nvPicPr>
+        <p:blipFill>
+          <a:blip r:embed="rId3">
+            <a:extLst>
+              <a:ext uri="{96DAC541-7B7A-43D3-8B79-37D633B846F1}">
+                <asvg:svgBlip xmlns:asvg="http://schemas.microsoft.com/office/drawing/2016/SVG/main" r:embed="rId4"/>
+              </a:ext>
+            </a:extLst>
+          </a:blip>
+          <a:stretch>
+            <a:fillRect/>
+          </a:stretch>
+        </p:blipFill>
+        <p:spPr>
+          <a:xfrm rot="8280322">
+            <a:off x="9973187" y="3372135"/>
+            <a:ext cx="411749" cy="388204"/>
+          </a:xfrm>
+          <a:prstGeom prst="rect">
+            <a:avLst/>
+          </a:prstGeom>
+        </p:spPr>
+      </p:pic>
+      <p:sp>
+        <p:nvSpPr>
+          <p:cNvPr id="73" name="TextBox 72">
+            <a:extLst>
+              <a:ext uri="{FF2B5EF4-FFF2-40B4-BE49-F238E27FC236}">
+                <a16:creationId xmlns:a16="http://schemas.microsoft.com/office/drawing/2014/main" id="{698ED499-447E-9040-A314-CA0AA45A6CFA}"/>
+              </a:ext>
+            </a:extLst>
+          </p:cNvPr>
+          <p:cNvSpPr txBox="1"/>
+          <p:nvPr/>
+        </p:nvSpPr>
+        <p:spPr>
+          <a:xfrm>
+            <a:off x="4929188" y="4357688"/>
+            <a:ext cx="1166811" cy="369332"/>
+          </a:xfrm>
+          <a:prstGeom prst="rect">
+            <a:avLst/>
+          </a:prstGeom>
+          <a:noFill/>
+        </p:spPr>
+        <p:txBody>
+          <a:bodyPr wrap="square" rtlCol="0">
+            <a:spAutoFit/>
+          </a:bodyPr>
+          <a:lstStyle/>
+          <a:p>
+            <a:r>
+              <a:rPr lang="en-US" dirty="0"/>
+              <a:t>Input = X</a:t>
+            </a:r>
+          </a:p>
+        </p:txBody>
+      </p:sp>
+      <p:sp>
+        <p:nvSpPr>
+          <p:cNvPr id="180" name="TextBox 179">
+            <a:extLst>
+              <a:ext uri="{FF2B5EF4-FFF2-40B4-BE49-F238E27FC236}">
+                <a16:creationId xmlns:a16="http://schemas.microsoft.com/office/drawing/2014/main" id="{4C47B899-A718-9A45-8F3D-F034EB1C58AC}"/>
+              </a:ext>
+            </a:extLst>
+          </p:cNvPr>
+          <p:cNvSpPr txBox="1"/>
+          <p:nvPr/>
+        </p:nvSpPr>
+        <p:spPr>
+          <a:xfrm>
+            <a:off x="10310802" y="4238897"/>
+            <a:ext cx="1328344" cy="369332"/>
+          </a:xfrm>
+          <a:prstGeom prst="rect">
+            <a:avLst/>
+          </a:prstGeom>
+          <a:noFill/>
+        </p:spPr>
+        <p:txBody>
+          <a:bodyPr wrap="square" rtlCol="0">
+            <a:spAutoFit/>
+          </a:bodyPr>
+          <a:lstStyle/>
+          <a:p>
+            <a:r>
+              <a:rPr lang="en-US" dirty="0"/>
+              <a:t>Output = X’</a:t>
+            </a:r>
+          </a:p>
+        </p:txBody>
+      </p:sp>
+      <p:sp>
+        <p:nvSpPr>
+          <p:cNvPr id="74" name="TextBox 73">
+            <a:extLst>
+              <a:ext uri="{FF2B5EF4-FFF2-40B4-BE49-F238E27FC236}">
+                <a16:creationId xmlns:a16="http://schemas.microsoft.com/office/drawing/2014/main" id="{35B490D5-8EEF-6F4D-8B34-7A63194428D8}"/>
+              </a:ext>
+            </a:extLst>
+          </p:cNvPr>
+          <p:cNvSpPr txBox="1"/>
+          <p:nvPr/>
+        </p:nvSpPr>
+        <p:spPr>
+          <a:xfrm>
+            <a:off x="7748265" y="1672405"/>
+            <a:ext cx="1359668" cy="276999"/>
+          </a:xfrm>
+          <a:prstGeom prst="rect">
+            <a:avLst/>
+          </a:prstGeom>
+          <a:noFill/>
+        </p:spPr>
+        <p:txBody>
+          <a:bodyPr wrap="square" rtlCol="0">
+            <a:spAutoFit/>
+          </a:bodyPr>
+          <a:lstStyle/>
+          <a:p>
+            <a:r>
+              <a:rPr lang="en-IN" sz="1200" dirty="0"/>
+              <a:t>(8, 8, 5, </a:t>
             </a:r>
             <a:r>
-              <a:rPr lang="en-US" sz="2000" dirty="0">
-                <a:solidFill>
-                  <a:schemeClr val="tx1">
-                    <a:lumMod val="50000"/>
-                    <a:lumOff val="50000"/>
-                  </a:schemeClr>
-                </a:solidFill>
+              <a:rPr lang="en-IN" sz="1200" b="1" dirty="0">
+                <a:highlight>
+                  <a:srgbClr val="FFFF00"/>
+                </a:highlight>
               </a:rPr>
-              <a:t>overfitting</a:t>
+              <a:t>128</a:t>
             </a:r>
             <a:r>
-              <a:rPr lang="en-US" sz="2000" dirty="0"/>
-              <a:t> issue</a:t>
+              <a:rPr lang="en-IN" sz="1200" dirty="0"/>
+              <a:t>)</a:t>
             </a:r>
-          </a:p>
-          <a:p>
-            <a:pPr lvl="1"/>
+            <a:endParaRPr lang="en-US" sz="1200" dirty="0"/>
+          </a:p>
+        </p:txBody>
+      </p:sp>
+      <p:sp>
+        <p:nvSpPr>
+          <p:cNvPr id="181" name="TextBox 180">
+            <a:extLst>
+              <a:ext uri="{FF2B5EF4-FFF2-40B4-BE49-F238E27FC236}">
+                <a16:creationId xmlns:a16="http://schemas.microsoft.com/office/drawing/2014/main" id="{63B779B8-C1C8-2F46-9CAC-C0686FC160B7}"/>
+              </a:ext>
+            </a:extLst>
+          </p:cNvPr>
+          <p:cNvSpPr txBox="1"/>
+          <p:nvPr/>
+        </p:nvSpPr>
+        <p:spPr>
+          <a:xfrm>
+            <a:off x="10458542" y="396278"/>
+            <a:ext cx="1359668" cy="276999"/>
+          </a:xfrm>
+          <a:prstGeom prst="rect">
+            <a:avLst/>
+          </a:prstGeom>
+          <a:noFill/>
+        </p:spPr>
+        <p:txBody>
+          <a:bodyPr wrap="square" rtlCol="0">
+            <a:spAutoFit/>
+          </a:bodyPr>
+          <a:lstStyle/>
+          <a:p>
             <a:r>
-              <a:rPr lang="en-US" sz="2000" dirty="0"/>
-              <a:t>MSE on the validation dataset is too high </a:t>
+              <a:rPr lang="en-IN" sz="1200" dirty="0"/>
+              <a:t>(240, 240, 155, </a:t>
             </a:r>
-          </a:p>
-          <a:p>
             <a:r>
-              <a:rPr lang="en-US" sz="2400" dirty="0"/>
-              <a:t>Part of the future work</a:t>
+              <a:rPr lang="en-IN" sz="1200" b="1" dirty="0">
+                <a:highlight>
+                  <a:srgbClr val="FFFF00"/>
+                </a:highlight>
+              </a:rPr>
+              <a:t>4</a:t>
+            </a:r>
+            <a:r>
+              <a:rPr lang="en-IN" sz="1200" dirty="0"/>
+              <a:t>)</a:t>
+            </a:r>
+            <a:endParaRPr lang="en-US" sz="1200" dirty="0"/>
+          </a:p>
+        </p:txBody>
+      </p:sp>
+      <p:sp>
+        <p:nvSpPr>
+          <p:cNvPr id="182" name="TextBox 181">
+            <a:extLst>
+              <a:ext uri="{FF2B5EF4-FFF2-40B4-BE49-F238E27FC236}">
+                <a16:creationId xmlns:a16="http://schemas.microsoft.com/office/drawing/2014/main" id="{700E1317-9094-BC41-AC06-F0B375886BB1}"/>
+              </a:ext>
+            </a:extLst>
+          </p:cNvPr>
+          <p:cNvSpPr txBox="1"/>
+          <p:nvPr/>
+        </p:nvSpPr>
+        <p:spPr>
+          <a:xfrm>
+            <a:off x="4792236" y="462236"/>
+            <a:ext cx="1359668" cy="276999"/>
+          </a:xfrm>
+          <a:prstGeom prst="rect">
+            <a:avLst/>
+          </a:prstGeom>
+          <a:noFill/>
+        </p:spPr>
+        <p:txBody>
+          <a:bodyPr wrap="square" rtlCol="0">
+            <a:spAutoFit/>
+          </a:bodyPr>
+          <a:lstStyle/>
+          <a:p>
+            <a:r>
+              <a:rPr lang="en-IN" sz="1200" dirty="0"/>
+              <a:t>(240, 240, 155, </a:t>
+            </a:r>
+            <a:r>
+              <a:rPr lang="en-IN" sz="1200" b="1" dirty="0">
+                <a:highlight>
+                  <a:srgbClr val="FFFF00"/>
+                </a:highlight>
+              </a:rPr>
+              <a:t>4</a:t>
+            </a:r>
+            <a:r>
+              <a:rPr lang="en-IN" sz="1200" dirty="0"/>
+              <a:t>)</a:t>
+            </a:r>
+            <a:endParaRPr lang="en-US" sz="1200" dirty="0"/>
+          </a:p>
+        </p:txBody>
+      </p:sp>
+      <p:sp>
+        <p:nvSpPr>
+          <p:cNvPr id="183" name="TextBox 182">
+            <a:extLst>
+              <a:ext uri="{FF2B5EF4-FFF2-40B4-BE49-F238E27FC236}">
+                <a16:creationId xmlns:a16="http://schemas.microsoft.com/office/drawing/2014/main" id="{D5801105-C782-6347-AFE8-65B18E9E6690}"/>
+              </a:ext>
+            </a:extLst>
+          </p:cNvPr>
+          <p:cNvSpPr txBox="1"/>
+          <p:nvPr/>
+        </p:nvSpPr>
+        <p:spPr>
+          <a:xfrm>
+            <a:off x="7352809" y="3155744"/>
+            <a:ext cx="1803923" cy="646331"/>
+          </a:xfrm>
+          <a:prstGeom prst="rect">
+            <a:avLst/>
+          </a:prstGeom>
+          <a:solidFill>
+            <a:schemeClr val="accent5">
+              <a:lumMod val="20000"/>
+              <a:lumOff val="80000"/>
+            </a:schemeClr>
+          </a:solidFill>
+          <a:ln>
+            <a:solidFill>
+              <a:schemeClr val="tx1"/>
+            </a:solidFill>
+          </a:ln>
+        </p:spPr>
+        <p:txBody>
+          <a:bodyPr wrap="square" rtlCol="0">
+            <a:spAutoFit/>
+          </a:bodyPr>
+          <a:lstStyle/>
+          <a:p>
+            <a:pPr algn="ctr"/>
+            <a:r>
+              <a:rPr lang="en-US" b="1" dirty="0"/>
+              <a:t>Latent Space Representation</a:t>
+            </a:r>
+          </a:p>
+        </p:txBody>
+      </p:sp>
+      <p:grpSp>
+        <p:nvGrpSpPr>
+          <p:cNvPr id="184" name="群組 30">
+            <a:extLst>
+              <a:ext uri="{FF2B5EF4-FFF2-40B4-BE49-F238E27FC236}">
+                <a16:creationId xmlns:a16="http://schemas.microsoft.com/office/drawing/2014/main" id="{D0D8C4C2-6AFB-DA44-9DF8-77155D742118}"/>
+              </a:ext>
+            </a:extLst>
+          </p:cNvPr>
+          <p:cNvGrpSpPr/>
+          <p:nvPr/>
+        </p:nvGrpSpPr>
+        <p:grpSpPr>
+          <a:xfrm>
+            <a:off x="6735665" y="5247380"/>
+            <a:ext cx="3026108" cy="1261554"/>
+            <a:chOff x="8216201" y="5284486"/>
+            <a:chExt cx="3026108" cy="1261554"/>
+          </a:xfrm>
+        </p:grpSpPr>
+        <p:sp>
+          <p:nvSpPr>
+            <p:cNvPr id="185" name="橢圓 51">
+              <a:extLst>
+                <a:ext uri="{FF2B5EF4-FFF2-40B4-BE49-F238E27FC236}">
+                  <a16:creationId xmlns:a16="http://schemas.microsoft.com/office/drawing/2014/main" id="{91BC1E93-93A2-4940-AAD6-909CB1505AA1}"/>
+                </a:ext>
+              </a:extLst>
+            </p:cNvPr>
+            <p:cNvSpPr/>
+            <p:nvPr/>
+          </p:nvSpPr>
+          <p:spPr>
+            <a:xfrm>
+              <a:off x="8216201" y="5679016"/>
+              <a:ext cx="180000" cy="180000"/>
+            </a:xfrm>
+            <a:prstGeom prst="ellipse">
+              <a:avLst/>
+            </a:prstGeom>
+            <a:solidFill>
+              <a:schemeClr val="accent2"/>
+            </a:solidFill>
+            <a:ln>
+              <a:noFill/>
+            </a:ln>
+          </p:spPr>
+          <p:style>
+            <a:lnRef idx="2">
+              <a:schemeClr val="accent1">
+                <a:shade val="50000"/>
+              </a:schemeClr>
+            </a:lnRef>
+            <a:fillRef idx="1">
+              <a:schemeClr val="accent1"/>
+            </a:fillRef>
+            <a:effectRef idx="0">
+              <a:schemeClr val="accent1"/>
+            </a:effectRef>
+            <a:fontRef idx="minor">
+              <a:schemeClr val="lt1"/>
+            </a:fontRef>
+          </p:style>
+          <p:txBody>
+            <a:bodyPr rtlCol="0" anchor="ctr"/>
+            <a:lstStyle/>
+            <a:p>
+              <a:pPr algn="ctr"/>
+              <a:endParaRPr kumimoji="1" lang="zh-TW" altLang="en-US"/>
+            </a:p>
+          </p:txBody>
+        </p:sp>
+        <p:sp>
+          <p:nvSpPr>
+            <p:cNvPr id="186" name="橢圓 52">
+              <a:extLst>
+                <a:ext uri="{FF2B5EF4-FFF2-40B4-BE49-F238E27FC236}">
+                  <a16:creationId xmlns:a16="http://schemas.microsoft.com/office/drawing/2014/main" id="{8A098584-CD72-8243-9608-1FC4140A6FC0}"/>
+                </a:ext>
+              </a:extLst>
+            </p:cNvPr>
+            <p:cNvSpPr/>
+            <p:nvPr/>
+          </p:nvSpPr>
+          <p:spPr>
+            <a:xfrm>
+              <a:off x="8216201" y="6015463"/>
+              <a:ext cx="180000" cy="180000"/>
+            </a:xfrm>
+            <a:prstGeom prst="ellipse">
+              <a:avLst/>
+            </a:prstGeom>
+            <a:solidFill>
+              <a:srgbClr val="92D050"/>
+            </a:solidFill>
+            <a:ln>
+              <a:noFill/>
+            </a:ln>
+          </p:spPr>
+          <p:style>
+            <a:lnRef idx="2">
+              <a:schemeClr val="accent1">
+                <a:shade val="50000"/>
+              </a:schemeClr>
+            </a:lnRef>
+            <a:fillRef idx="1">
+              <a:schemeClr val="accent1"/>
+            </a:fillRef>
+            <a:effectRef idx="0">
+              <a:schemeClr val="accent1"/>
+            </a:effectRef>
+            <a:fontRef idx="minor">
+              <a:schemeClr val="lt1"/>
+            </a:fontRef>
+          </p:style>
+          <p:txBody>
+            <a:bodyPr rtlCol="0" anchor="ctr"/>
+            <a:lstStyle/>
+            <a:p>
+              <a:pPr algn="ctr"/>
+              <a:endParaRPr kumimoji="1" lang="zh-TW" altLang="en-US"/>
+            </a:p>
+          </p:txBody>
+        </p:sp>
+        <p:sp>
+          <p:nvSpPr>
+            <p:cNvPr id="187" name="橢圓 126">
+              <a:extLst>
+                <a:ext uri="{FF2B5EF4-FFF2-40B4-BE49-F238E27FC236}">
+                  <a16:creationId xmlns:a16="http://schemas.microsoft.com/office/drawing/2014/main" id="{A6EB069E-4558-A842-B301-5BB66AE43DA2}"/>
+                </a:ext>
+              </a:extLst>
+            </p:cNvPr>
+            <p:cNvSpPr/>
+            <p:nvPr/>
+          </p:nvSpPr>
+          <p:spPr>
+            <a:xfrm>
+              <a:off x="8216201" y="5339745"/>
+              <a:ext cx="180000" cy="180000"/>
+            </a:xfrm>
+            <a:prstGeom prst="ellipse">
+              <a:avLst/>
+            </a:prstGeom>
+            <a:solidFill>
+              <a:schemeClr val="accent4"/>
+            </a:solidFill>
+            <a:ln>
+              <a:noFill/>
+            </a:ln>
+          </p:spPr>
+          <p:style>
+            <a:lnRef idx="2">
+              <a:schemeClr val="accent1">
+                <a:shade val="50000"/>
+              </a:schemeClr>
+            </a:lnRef>
+            <a:fillRef idx="1">
+              <a:schemeClr val="accent1"/>
+            </a:fillRef>
+            <a:effectRef idx="0">
+              <a:schemeClr val="accent1"/>
+            </a:effectRef>
+            <a:fontRef idx="minor">
+              <a:schemeClr val="lt1"/>
+            </a:fontRef>
+          </p:style>
+          <p:txBody>
+            <a:bodyPr rtlCol="0" anchor="ctr"/>
+            <a:lstStyle/>
+            <a:p>
+              <a:pPr algn="ctr"/>
+              <a:endParaRPr kumimoji="1" lang="zh-TW" altLang="en-US"/>
+            </a:p>
+          </p:txBody>
+        </p:sp>
+        <p:sp>
+          <p:nvSpPr>
+            <p:cNvPr id="188" name="文字方塊 127">
+              <a:extLst>
+                <a:ext uri="{FF2B5EF4-FFF2-40B4-BE49-F238E27FC236}">
+                  <a16:creationId xmlns:a16="http://schemas.microsoft.com/office/drawing/2014/main" id="{979A893A-8840-6A43-9304-C7B843D3D738}"/>
+                </a:ext>
+              </a:extLst>
+            </p:cNvPr>
+            <p:cNvSpPr txBox="1"/>
+            <p:nvPr/>
+          </p:nvSpPr>
+          <p:spPr>
+            <a:xfrm>
+              <a:off x="8361826" y="5284486"/>
+              <a:ext cx="2052100" cy="276999"/>
+            </a:xfrm>
+            <a:prstGeom prst="rect">
+              <a:avLst/>
+            </a:prstGeom>
+            <a:noFill/>
+          </p:spPr>
+          <p:txBody>
+            <a:bodyPr wrap="none" rtlCol="0">
+              <a:spAutoFit/>
+            </a:bodyPr>
+            <a:lstStyle/>
+            <a:p>
+              <a:r>
+                <a:rPr kumimoji="1" lang="en-US" altLang="zh-TW" sz="1200" b="1" dirty="0"/>
+                <a:t>Feed forward neural network</a:t>
+              </a:r>
+              <a:endParaRPr kumimoji="1" lang="zh-TW" altLang="en-US" sz="1200" b="1" dirty="0"/>
+            </a:p>
+          </p:txBody>
+        </p:sp>
+        <p:sp>
+          <p:nvSpPr>
+            <p:cNvPr id="189" name="文字方塊 129">
+              <a:extLst>
+                <a:ext uri="{FF2B5EF4-FFF2-40B4-BE49-F238E27FC236}">
+                  <a16:creationId xmlns:a16="http://schemas.microsoft.com/office/drawing/2014/main" id="{46323488-4023-144F-9253-BD02C95E2736}"/>
+                </a:ext>
+              </a:extLst>
+            </p:cNvPr>
+            <p:cNvSpPr txBox="1"/>
+            <p:nvPr/>
+          </p:nvSpPr>
+          <p:spPr>
+            <a:xfrm>
+              <a:off x="8366605" y="5622572"/>
+              <a:ext cx="2651880" cy="276999"/>
+            </a:xfrm>
+            <a:prstGeom prst="rect">
+              <a:avLst/>
+            </a:prstGeom>
+            <a:noFill/>
+          </p:spPr>
+          <p:txBody>
+            <a:bodyPr wrap="none" rtlCol="0">
+              <a:spAutoFit/>
+            </a:bodyPr>
+            <a:lstStyle/>
+            <a:p>
+              <a:r>
+                <a:rPr kumimoji="1" lang="en-US" altLang="zh-TW" sz="1200" b="1" dirty="0"/>
+                <a:t>Useful properties store in Latent Space</a:t>
+              </a:r>
+              <a:endParaRPr kumimoji="1" lang="zh-TW" altLang="en-US" sz="1200" b="1" dirty="0"/>
+            </a:p>
+          </p:txBody>
+        </p:sp>
+        <p:sp>
+          <p:nvSpPr>
+            <p:cNvPr id="190" name="文字方塊 130">
+              <a:extLst>
+                <a:ext uri="{FF2B5EF4-FFF2-40B4-BE49-F238E27FC236}">
+                  <a16:creationId xmlns:a16="http://schemas.microsoft.com/office/drawing/2014/main" id="{F24A6BB6-2356-E44C-BA2C-CBE452ADFDFA}"/>
+                </a:ext>
+              </a:extLst>
+            </p:cNvPr>
+            <p:cNvSpPr txBox="1"/>
+            <p:nvPr/>
+          </p:nvSpPr>
+          <p:spPr>
+            <a:xfrm>
+              <a:off x="8353890" y="5956015"/>
+              <a:ext cx="2888419" cy="276999"/>
+            </a:xfrm>
+            <a:prstGeom prst="rect">
+              <a:avLst/>
+            </a:prstGeom>
+            <a:noFill/>
+          </p:spPr>
+          <p:txBody>
+            <a:bodyPr wrap="none" rtlCol="0">
+              <a:spAutoFit/>
+            </a:bodyPr>
+            <a:lstStyle/>
+            <a:p>
+              <a:r>
+                <a:rPr kumimoji="1" lang="en-US" altLang="zh-TW" sz="1200" b="1" dirty="0"/>
+                <a:t>Output is predicted only from latent space</a:t>
+              </a:r>
+              <a:endParaRPr kumimoji="1" lang="zh-TW" altLang="en-US" sz="1200" b="1" dirty="0"/>
+            </a:p>
+          </p:txBody>
+        </p:sp>
+        <p:sp>
+          <p:nvSpPr>
+            <p:cNvPr id="191" name="橢圓 109">
+              <a:extLst>
+                <a:ext uri="{FF2B5EF4-FFF2-40B4-BE49-F238E27FC236}">
+                  <a16:creationId xmlns:a16="http://schemas.microsoft.com/office/drawing/2014/main" id="{8E51A36B-73AC-844D-97BF-8924439FFE2E}"/>
+                </a:ext>
+              </a:extLst>
+            </p:cNvPr>
+            <p:cNvSpPr/>
+            <p:nvPr/>
+          </p:nvSpPr>
+          <p:spPr>
+            <a:xfrm>
+              <a:off x="8216201" y="6328489"/>
+              <a:ext cx="180000" cy="180000"/>
+            </a:xfrm>
+            <a:prstGeom prst="ellipse">
+              <a:avLst/>
+            </a:prstGeom>
+            <a:solidFill>
+              <a:schemeClr val="accent5"/>
+            </a:solidFill>
+            <a:ln>
+              <a:noFill/>
+            </a:ln>
+          </p:spPr>
+          <p:style>
+            <a:lnRef idx="2">
+              <a:schemeClr val="accent1">
+                <a:shade val="50000"/>
+              </a:schemeClr>
+            </a:lnRef>
+            <a:fillRef idx="1">
+              <a:schemeClr val="accent1"/>
+            </a:fillRef>
+            <a:effectRef idx="0">
+              <a:schemeClr val="accent1"/>
+            </a:effectRef>
+            <a:fontRef idx="minor">
+              <a:schemeClr val="lt1"/>
+            </a:fontRef>
+          </p:style>
+          <p:txBody>
+            <a:bodyPr rtlCol="0" anchor="ctr"/>
+            <a:lstStyle/>
+            <a:p>
+              <a:pPr algn="ctr"/>
+              <a:endParaRPr kumimoji="1" lang="zh-TW" altLang="en-US"/>
+            </a:p>
+          </p:txBody>
+        </p:sp>
+        <p:sp>
+          <p:nvSpPr>
+            <p:cNvPr id="192" name="文字方塊 111">
+              <a:extLst>
+                <a:ext uri="{FF2B5EF4-FFF2-40B4-BE49-F238E27FC236}">
+                  <a16:creationId xmlns:a16="http://schemas.microsoft.com/office/drawing/2014/main" id="{1F9303D2-88A1-E14D-94E8-FE5F750F8787}"/>
+                </a:ext>
+              </a:extLst>
+            </p:cNvPr>
+            <p:cNvSpPr txBox="1"/>
+            <p:nvPr/>
+          </p:nvSpPr>
+          <p:spPr>
+            <a:xfrm>
+              <a:off x="8353890" y="6269041"/>
+              <a:ext cx="1021755" cy="276999"/>
+            </a:xfrm>
+            <a:prstGeom prst="rect">
+              <a:avLst/>
+            </a:prstGeom>
+            <a:noFill/>
+          </p:spPr>
+          <p:txBody>
+            <a:bodyPr wrap="none" rtlCol="0">
+              <a:spAutoFit/>
+            </a:bodyPr>
+            <a:lstStyle/>
+            <a:p>
+              <a:r>
+                <a:rPr kumimoji="1" lang="en-US" altLang="zh-TW" sz="1200" b="1" dirty="0"/>
+                <a:t>Denoise data</a:t>
+              </a:r>
+              <a:endParaRPr kumimoji="1" lang="zh-TW" altLang="en-US" sz="1200" b="1" dirty="0"/>
+            </a:p>
+          </p:txBody>
+        </p:sp>
+      </p:grpSp>
+      <p:sp>
+        <p:nvSpPr>
+          <p:cNvPr id="193" name="TextBox 192">
+            <a:extLst>
+              <a:ext uri="{FF2B5EF4-FFF2-40B4-BE49-F238E27FC236}">
+                <a16:creationId xmlns:a16="http://schemas.microsoft.com/office/drawing/2014/main" id="{83E3E2D9-F1B1-F947-AB4F-522D0CE987BE}"/>
+              </a:ext>
+            </a:extLst>
+          </p:cNvPr>
+          <p:cNvSpPr txBox="1"/>
+          <p:nvPr/>
+        </p:nvSpPr>
+        <p:spPr>
+          <a:xfrm>
+            <a:off x="5316869" y="4697287"/>
+            <a:ext cx="1670069" cy="461665"/>
+          </a:xfrm>
+          <a:prstGeom prst="rect">
+            <a:avLst/>
+          </a:prstGeom>
+          <a:solidFill>
+            <a:schemeClr val="accent6">
+              <a:lumMod val="20000"/>
+              <a:lumOff val="80000"/>
+            </a:schemeClr>
+          </a:solidFill>
+          <a:ln>
+            <a:solidFill>
+              <a:schemeClr val="tx1"/>
+            </a:solidFill>
+          </a:ln>
+        </p:spPr>
+        <p:txBody>
+          <a:bodyPr wrap="square" rtlCol="0">
+            <a:spAutoFit/>
+          </a:bodyPr>
+          <a:lstStyle/>
+          <a:p>
+            <a:pPr algn="ctr"/>
+            <a:r>
+              <a:rPr lang="en-US" sz="2400" b="1" dirty="0"/>
+              <a:t>ENCODER</a:t>
+            </a:r>
+          </a:p>
+        </p:txBody>
+      </p:sp>
+      <p:sp>
+        <p:nvSpPr>
+          <p:cNvPr id="194" name="TextBox 193">
+            <a:extLst>
+              <a:ext uri="{FF2B5EF4-FFF2-40B4-BE49-F238E27FC236}">
+                <a16:creationId xmlns:a16="http://schemas.microsoft.com/office/drawing/2014/main" id="{36BFD8E1-1ACA-C143-A0FC-899F142446A1}"/>
+              </a:ext>
+            </a:extLst>
+          </p:cNvPr>
+          <p:cNvSpPr txBox="1"/>
+          <p:nvPr/>
+        </p:nvSpPr>
+        <p:spPr>
+          <a:xfrm>
+            <a:off x="9470776" y="4682471"/>
+            <a:ext cx="1751821" cy="461665"/>
+          </a:xfrm>
+          <a:prstGeom prst="rect">
+            <a:avLst/>
+          </a:prstGeom>
+          <a:solidFill>
+            <a:schemeClr val="tx1">
+              <a:lumMod val="10000"/>
+              <a:lumOff val="90000"/>
+            </a:schemeClr>
+          </a:solidFill>
+          <a:ln>
+            <a:solidFill>
+              <a:schemeClr val="tx1"/>
+            </a:solidFill>
+          </a:ln>
+        </p:spPr>
+        <p:txBody>
+          <a:bodyPr wrap="square" rtlCol="0">
+            <a:spAutoFit/>
+          </a:bodyPr>
+          <a:lstStyle>
+            <a:defPPr>
+              <a:defRPr lang="en-US"/>
+            </a:defPPr>
+            <a:lvl1pPr algn="ctr">
+              <a:defRPr sz="2400" b="1"/>
+            </a:lvl1pPr>
+          </a:lstStyle>
+          <a:p>
+            <a:r>
+              <a:rPr lang="en-US" dirty="0"/>
+              <a:t>DECODER</a:t>
             </a:r>
           </a:p>
         </p:txBody>
@@ -15927,7 +15788,7 @@
     </p:spTree>
     <p:extLst>
       <p:ext uri="{BB962C8B-B14F-4D97-AF65-F5344CB8AC3E}">
-        <p14:creationId xmlns:p14="http://schemas.microsoft.com/office/powerpoint/2010/main" val="3344303159"/>
+        <p14:creationId xmlns:p14="http://schemas.microsoft.com/office/powerpoint/2010/main" val="365343836"/>
       </p:ext>
     </p:extLst>
   </p:cSld>
@@ -15977,7 +15838,7 @@
           <a:p>
             <a:r>
               <a:rPr kumimoji="1" lang="en-US" altLang="zh-TW" dirty="0"/>
-              <a:t>Results</a:t>
+              <a:t>Results – Dice Similarity Score</a:t>
             </a:r>
             <a:endParaRPr kumimoji="1" lang="zh-TW" altLang="en-US" dirty="0"/>
           </a:p>
@@ -15998,14 +15859,14 @@
           <p:nvPr>
             <p:extLst>
               <p:ext uri="{D42A27DB-BD31-4B8C-83A1-F6EECF244321}">
-                <p14:modId xmlns:p14="http://schemas.microsoft.com/office/powerpoint/2010/main" val="3610172584"/>
+                <p14:modId xmlns:p14="http://schemas.microsoft.com/office/powerpoint/2010/main" val="3090366866"/>
               </p:ext>
             </p:extLst>
           </p:nvPr>
         </p:nvGraphicFramePr>
         <p:xfrm>
-          <a:off x="838201" y="1539240"/>
-          <a:ext cx="10515598" cy="1889760"/>
+          <a:off x="1537180" y="3993515"/>
+          <a:ext cx="9244684" cy="2499360"/>
         </p:xfrm>
         <a:graphic>
           <a:graphicData uri="http://schemas.openxmlformats.org/drawingml/2006/table">
@@ -16014,35 +15875,42 @@
                 <a:tableStyleId>{2D5ABB26-0587-4C30-8999-92F81FD0307C}</a:tableStyleId>
               </a:tblPr>
               <a:tblGrid>
-                <a:gridCol w="2586074">
+                <a:gridCol w="1912904">
                   <a:extLst>
                     <a:ext uri="{9D8B030D-6E8A-4147-A177-3AD203B41FA5}">
                       <a16:colId xmlns:a16="http://schemas.microsoft.com/office/drawing/2014/main" val="890003684"/>
                     </a:ext>
                   </a:extLst>
                 </a:gridCol>
-                <a:gridCol w="1982381">
+                <a:gridCol w="1466356">
+                  <a:extLst>
+                    <a:ext uri="{9D8B030D-6E8A-4147-A177-3AD203B41FA5}">
+                      <a16:colId xmlns:a16="http://schemas.microsoft.com/office/drawing/2014/main" val="786965045"/>
+                    </a:ext>
+                  </a:extLst>
+                </a:gridCol>
+                <a:gridCol w="1466356">
                   <a:extLst>
                     <a:ext uri="{9D8B030D-6E8A-4147-A177-3AD203B41FA5}">
                       <a16:colId xmlns:a16="http://schemas.microsoft.com/office/drawing/2014/main" val="720689057"/>
                     </a:ext>
                   </a:extLst>
                 </a:gridCol>
-                <a:gridCol w="1982381">
+                <a:gridCol w="1466356">
                   <a:extLst>
                     <a:ext uri="{9D8B030D-6E8A-4147-A177-3AD203B41FA5}">
                       <a16:colId xmlns:a16="http://schemas.microsoft.com/office/drawing/2014/main" val="4158458094"/>
                     </a:ext>
                   </a:extLst>
                 </a:gridCol>
-                <a:gridCol w="1982381">
+                <a:gridCol w="1466356">
                   <a:extLst>
                     <a:ext uri="{9D8B030D-6E8A-4147-A177-3AD203B41FA5}">
                       <a16:colId xmlns:a16="http://schemas.microsoft.com/office/drawing/2014/main" val="3357592370"/>
                     </a:ext>
                   </a:extLst>
                 </a:gridCol>
-                <a:gridCol w="1982381">
+                <a:gridCol w="1466356">
                   <a:extLst>
                     <a:ext uri="{9D8B030D-6E8A-4147-A177-3AD203B41FA5}">
                       <a16:colId xmlns:a16="http://schemas.microsoft.com/office/drawing/2014/main" val="3615606917"/>
@@ -16050,7 +15918,7 @@
                   </a:extLst>
                 </a:gridCol>
               </a:tblGrid>
-              <a:tr h="370840">
+              <a:tr h="607634">
                 <a:tc>
                   <a:txBody>
                     <a:bodyPr/>
@@ -16068,7 +15936,7 @@
                     <a:p>
                       <a:r>
                         <a:rPr lang="en-US" altLang="zh-TW" sz="2000" b="1" dirty="0"/>
-                        <a:t>ET</a:t>
+                        <a:t>Healthy Tissue (0)</a:t>
                       </a:r>
                       <a:endParaRPr lang="zh-TW" altLang="en-US" sz="2000" b="1" dirty="0"/>
                     </a:p>
@@ -16082,7 +15950,13 @@
                     <a:p>
                       <a:r>
                         <a:rPr lang="en-US" altLang="zh-TW" sz="2000" b="1" dirty="0"/>
-                        <a:t>TC</a:t>
+                        <a:t>Tumor </a:t>
+                      </a:r>
+                    </a:p>
+                    <a:p>
+                      <a:r>
+                        <a:rPr lang="en-US" altLang="zh-TW" sz="2000" b="1" dirty="0"/>
+                        <a:t>Core (1)</a:t>
                       </a:r>
                       <a:endParaRPr lang="zh-TW" altLang="en-US" sz="2000" b="1" dirty="0"/>
                     </a:p>
@@ -16096,7 +15970,13 @@
                     <a:p>
                       <a:r>
                         <a:rPr lang="en-US" altLang="zh-TW" sz="2000" b="1" dirty="0"/>
-                        <a:t>WT</a:t>
+                        <a:t>Whole</a:t>
+                      </a:r>
+                    </a:p>
+                    <a:p>
+                      <a:r>
+                        <a:rPr lang="en-US" altLang="zh-TW" sz="2000" b="1" dirty="0"/>
+                        <a:t>Tumor (2)</a:t>
                       </a:r>
                       <a:endParaRPr lang="zh-TW" altLang="en-US" sz="2000" b="1" dirty="0"/>
                     </a:p>
@@ -16110,7 +15990,27 @@
                     <a:p>
                       <a:r>
                         <a:rPr lang="en-US" altLang="zh-TW" sz="2000" b="1" dirty="0"/>
-                        <a:t>Average</a:t>
+                        <a:t>Enhancing </a:t>
+                      </a:r>
+                    </a:p>
+                    <a:p>
+                      <a:r>
+                        <a:rPr lang="en-US" altLang="zh-TW" sz="2000" b="1" dirty="0"/>
+                        <a:t>Tumor (4)</a:t>
+                      </a:r>
+                      <a:endParaRPr lang="zh-TW" altLang="en-US" sz="2000" b="1" dirty="0"/>
+                    </a:p>
+                  </a:txBody>
+                  <a:tcPr/>
+                </a:tc>
+                <a:tc>
+                  <a:txBody>
+                    <a:bodyPr/>
+                    <a:lstStyle/>
+                    <a:p>
+                      <a:r>
+                        <a:rPr lang="en-US" altLang="zh-TW" sz="2000" b="1" dirty="0"/>
+                        <a:t>Average </a:t>
                       </a:r>
                       <a:endParaRPr lang="zh-TW" altLang="en-US" sz="2000" b="1" dirty="0"/>
                     </a:p>
@@ -16123,7 +16023,7 @@
                   </a:ext>
                 </a:extLst>
               </a:tr>
-              <a:tr h="370840">
+              <a:tr h="607634">
                 <a:tc>
                   <a:txBody>
                     <a:bodyPr/>
@@ -16138,16 +16038,8 @@
                             </a:schemeClr>
                           </a:solidFill>
                         </a:rPr>
-                        <a:t>U-Net</a:t>
+                        <a:t>U-Net – Entropy Loss</a:t>
                       </a:r>
-                      <a:endParaRPr lang="zh-TW" altLang="en-US" sz="2000" b="1" dirty="0">
-                        <a:solidFill>
-                          <a:schemeClr val="tx1">
-                            <a:lumMod val="50000"/>
-                            <a:lumOff val="50000"/>
-                          </a:schemeClr>
-                        </a:solidFill>
-                      </a:endParaRPr>
                     </a:p>
                   </a:txBody>
                   <a:tcPr/>
@@ -16157,6 +16049,10 @@
                     <a:bodyPr/>
                     <a:lstStyle/>
                     <a:p>
+                      <a:r>
+                        <a:rPr lang="en-US" altLang="zh-TW" sz="2000" dirty="0"/>
+                        <a:t>99.87</a:t>
+                      </a:r>
                       <a:endParaRPr lang="zh-TW" altLang="en-US" sz="2000" dirty="0"/>
                     </a:p>
                   </a:txBody>
@@ -16167,7 +16063,11 @@
                     <a:bodyPr/>
                     <a:lstStyle/>
                     <a:p>
-                      <a:endParaRPr lang="zh-TW" altLang="en-US" sz="2000"/>
+                      <a:r>
+                        <a:rPr lang="en-US" altLang="zh-TW" sz="2000" dirty="0"/>
+                        <a:t>15.12</a:t>
+                      </a:r>
+                      <a:endParaRPr lang="zh-TW" altLang="en-US" sz="2000" dirty="0"/>
                     </a:p>
                   </a:txBody>
                   <a:tcPr/>
@@ -16177,7 +16077,11 @@
                     <a:bodyPr/>
                     <a:lstStyle/>
                     <a:p>
-                      <a:endParaRPr lang="zh-TW" altLang="en-US" sz="2000"/>
+                      <a:r>
+                        <a:rPr lang="en-US" altLang="zh-TW" sz="2000" dirty="0"/>
+                        <a:t>50.88</a:t>
+                      </a:r>
+                      <a:endParaRPr lang="zh-TW" altLang="en-US" sz="2000" dirty="0"/>
                     </a:p>
                   </a:txBody>
                   <a:tcPr/>
@@ -16187,6 +16091,24 @@
                     <a:bodyPr/>
                     <a:lstStyle/>
                     <a:p>
+                      <a:r>
+                        <a:rPr lang="en-US" altLang="zh-TW" sz="2000" dirty="0"/>
+                        <a:t>15.39</a:t>
+                      </a:r>
+                      <a:endParaRPr lang="zh-TW" altLang="en-US" sz="2000" dirty="0"/>
+                    </a:p>
+                  </a:txBody>
+                  <a:tcPr/>
+                </a:tc>
+                <a:tc>
+                  <a:txBody>
+                    <a:bodyPr/>
+                    <a:lstStyle/>
+                    <a:p>
+                      <a:r>
+                        <a:rPr lang="en-US" altLang="zh-TW" sz="2000" dirty="0"/>
+                        <a:t>27.13</a:t>
+                      </a:r>
                       <a:endParaRPr lang="zh-TW" altLang="en-US" sz="2000" dirty="0"/>
                     </a:p>
                   </a:txBody>
@@ -16198,7 +16120,7 @@
                   </a:ext>
                 </a:extLst>
               </a:tr>
-              <a:tr h="370840">
+              <a:tr h="343446">
                 <a:tc>
                   <a:txBody>
                     <a:bodyPr/>
@@ -16213,16 +16135,8 @@
                             </a:schemeClr>
                           </a:solidFill>
                         </a:rPr>
-                        <a:t>Encoder + U-Net</a:t>
+                        <a:t>U-Net – Dice</a:t>
                       </a:r>
-                      <a:endParaRPr lang="zh-TW" altLang="en-US" sz="2000" b="1" dirty="0">
-                        <a:solidFill>
-                          <a:schemeClr val="tx1">
-                            <a:lumMod val="50000"/>
-                            <a:lumOff val="50000"/>
-                          </a:schemeClr>
-                        </a:solidFill>
-                      </a:endParaRPr>
                     </a:p>
                   </a:txBody>
                   <a:tcPr/>
@@ -16232,6 +16146,10 @@
                     <a:bodyPr/>
                     <a:lstStyle/>
                     <a:p>
+                      <a:r>
+                        <a:rPr lang="en-US" altLang="zh-TW" sz="2000" dirty="0"/>
+                        <a:t>99.83</a:t>
+                      </a:r>
                       <a:endParaRPr lang="zh-TW" altLang="en-US" sz="2000" dirty="0"/>
                     </a:p>
                   </a:txBody>
@@ -16242,6 +16160,10 @@
                     <a:bodyPr/>
                     <a:lstStyle/>
                     <a:p>
+                      <a:r>
+                        <a:rPr lang="en-US" altLang="zh-TW" sz="2000" dirty="0"/>
+                        <a:t>7.96</a:t>
+                      </a:r>
                       <a:endParaRPr lang="zh-TW" altLang="en-US" sz="2000" dirty="0"/>
                     </a:p>
                   </a:txBody>
@@ -16252,7 +16174,11 @@
                     <a:bodyPr/>
                     <a:lstStyle/>
                     <a:p>
-                      <a:endParaRPr lang="zh-TW" altLang="en-US" sz="2000"/>
+                      <a:r>
+                        <a:rPr lang="en-US" altLang="zh-TW" sz="2000" dirty="0"/>
+                        <a:t>52.53</a:t>
+                      </a:r>
+                      <a:endParaRPr lang="zh-TW" altLang="en-US" sz="2000" dirty="0"/>
                     </a:p>
                   </a:txBody>
                   <a:tcPr/>
@@ -16262,7 +16188,25 @@
                     <a:bodyPr/>
                     <a:lstStyle/>
                     <a:p>
-                      <a:endParaRPr lang="zh-TW" altLang="en-US" sz="2000"/>
+                      <a:r>
+                        <a:rPr lang="en-US" altLang="zh-TW" sz="2000" dirty="0"/>
+                        <a:t>2.59</a:t>
+                      </a:r>
+                      <a:endParaRPr lang="zh-TW" altLang="en-US" sz="2000" dirty="0"/>
+                    </a:p>
+                  </a:txBody>
+                  <a:tcPr/>
+                </a:tc>
+                <a:tc>
+                  <a:txBody>
+                    <a:bodyPr/>
+                    <a:lstStyle/>
+                    <a:p>
+                      <a:r>
+                        <a:rPr lang="en-US" altLang="zh-TW" sz="2000" dirty="0"/>
+                        <a:t>21.03</a:t>
+                      </a:r>
+                      <a:endParaRPr lang="zh-TW" altLang="en-US" sz="2000" dirty="0"/>
                     </a:p>
                   </a:txBody>
                   <a:tcPr/>
@@ -16273,7 +16217,7 @@
                   </a:ext>
                 </a:extLst>
               </a:tr>
-              <a:tr h="370840">
+              <a:tr h="607634">
                 <a:tc>
                   <a:txBody>
                     <a:bodyPr/>
@@ -16335,7 +16279,7 @@
                     <a:p>
                       <a:r>
                         <a:rPr lang="en-US" altLang="zh-TW" sz="2000" dirty="0"/>
-                        <a:t>89.82</a:t>
+                        <a:t>N/A</a:t>
                       </a:r>
                       <a:endParaRPr lang="zh-TW" altLang="en-US" sz="2000" dirty="0"/>
                     </a:p>
@@ -16361,9 +16305,40 @@
                     <a:bodyPr/>
                     <a:lstStyle/>
                     <a:p>
+                      <a:pPr marL="0" marR="0" lvl="0" indent="0" algn="l" defTabSz="914400" rtl="0" eaLnBrk="1" fontAlgn="auto" latinLnBrk="0" hangingPunct="1">
+                        <a:lnSpc>
+                          <a:spcPct val="100000"/>
+                        </a:lnSpc>
+                        <a:spcBef>
+                          <a:spcPts val="0"/>
+                        </a:spcBef>
+                        <a:spcAft>
+                          <a:spcPts val="0"/>
+                        </a:spcAft>
+                        <a:buClrTx/>
+                        <a:buSzTx/>
+                        <a:buFontTx/>
+                        <a:buNone/>
+                        <a:tabLst/>
+                        <a:defRPr/>
+                      </a:pPr>
                       <a:r>
                         <a:rPr lang="en-US" altLang="zh-TW" sz="2000" dirty="0"/>
                         <a:t>94.58</a:t>
+                      </a:r>
+                      <a:endParaRPr lang="zh-TW" altLang="en-US" sz="2000" dirty="0"/>
+                    </a:p>
+                  </a:txBody>
+                  <a:tcPr/>
+                </a:tc>
+                <a:tc>
+                  <a:txBody>
+                    <a:bodyPr/>
+                    <a:lstStyle/>
+                    <a:p>
+                      <a:r>
+                        <a:rPr lang="en-US" altLang="zh-TW" sz="2000" dirty="0"/>
+                        <a:t>89.82</a:t>
                       </a:r>
                       <a:endParaRPr lang="zh-TW" altLang="en-US" sz="2000" dirty="0"/>
                     </a:p>
@@ -16394,12 +16369,158 @@
           </a:graphicData>
         </a:graphic>
       </p:graphicFrame>
+      <p:sp>
+        <p:nvSpPr>
+          <p:cNvPr id="3" name="文字方塊 2">
+            <a:extLst>
+              <a:ext uri="{FF2B5EF4-FFF2-40B4-BE49-F238E27FC236}">
+                <a16:creationId xmlns:a16="http://schemas.microsoft.com/office/drawing/2014/main" id="{8F8FEFFE-95F4-7A46-A465-4FC3AA19F519}"/>
+              </a:ext>
+            </a:extLst>
+          </p:cNvPr>
+          <p:cNvSpPr txBox="1"/>
+          <p:nvPr/>
+        </p:nvSpPr>
+        <p:spPr>
+          <a:xfrm>
+            <a:off x="10305115" y="6123543"/>
+            <a:ext cx="1048685" cy="369332"/>
+          </a:xfrm>
+          <a:prstGeom prst="rect">
+            <a:avLst/>
+          </a:prstGeom>
+          <a:noFill/>
+        </p:spPr>
+        <p:txBody>
+          <a:bodyPr wrap="none" rtlCol="0">
+            <a:spAutoFit/>
+          </a:bodyPr>
+          <a:lstStyle/>
+          <a:p>
+            <a:r>
+              <a:rPr kumimoji="1" lang="en-US" altLang="zh-TW" b="1" dirty="0"/>
+              <a:t>Unit in %</a:t>
+            </a:r>
+            <a:endParaRPr kumimoji="1" lang="zh-TW" altLang="en-US" b="1" dirty="0"/>
+          </a:p>
+        </p:txBody>
+      </p:sp>
+      <p:sp>
+        <p:nvSpPr>
+          <p:cNvPr id="4" name="圓角矩形 3">
+            <a:extLst>
+              <a:ext uri="{FF2B5EF4-FFF2-40B4-BE49-F238E27FC236}">
+                <a16:creationId xmlns:a16="http://schemas.microsoft.com/office/drawing/2014/main" id="{AB44BB50-4604-3244-8BA4-31D02816346B}"/>
+              </a:ext>
+            </a:extLst>
+          </p:cNvPr>
+          <p:cNvSpPr/>
+          <p:nvPr/>
+        </p:nvSpPr>
+        <p:spPr>
+          <a:xfrm>
+            <a:off x="3357765" y="3993515"/>
+            <a:ext cx="1518012" cy="2314694"/>
+          </a:xfrm>
+          <a:prstGeom prst="roundRect">
+            <a:avLst/>
+          </a:prstGeom>
+          <a:noFill/>
+          <a:ln w="38100">
+            <a:solidFill>
+              <a:schemeClr val="tx1">
+                <a:lumMod val="50000"/>
+                <a:lumOff val="50000"/>
+              </a:schemeClr>
+            </a:solidFill>
+          </a:ln>
+        </p:spPr>
+        <p:style>
+          <a:lnRef idx="2">
+            <a:schemeClr val="accent1">
+              <a:shade val="50000"/>
+            </a:schemeClr>
+          </a:lnRef>
+          <a:fillRef idx="1">
+            <a:schemeClr val="accent1"/>
+          </a:fillRef>
+          <a:effectRef idx="0">
+            <a:schemeClr val="accent1"/>
+          </a:effectRef>
+          <a:fontRef idx="minor">
+            <a:schemeClr val="lt1"/>
+          </a:fontRef>
+        </p:style>
+        <p:txBody>
+          <a:bodyPr rtlCol="0" anchor="ctr"/>
+          <a:lstStyle/>
+          <a:p>
+            <a:pPr algn="ctr"/>
+            <a:endParaRPr kumimoji="1" lang="zh-TW" altLang="en-US"/>
+          </a:p>
+        </p:txBody>
+      </p:sp>
+      <p:sp>
+        <p:nvSpPr>
+          <p:cNvPr id="16" name="圓角矩形 15">
+            <a:extLst>
+              <a:ext uri="{FF2B5EF4-FFF2-40B4-BE49-F238E27FC236}">
+                <a16:creationId xmlns:a16="http://schemas.microsoft.com/office/drawing/2014/main" id="{6D536E08-3C0C-4341-A6C1-28C1B26F7CA0}"/>
+              </a:ext>
+            </a:extLst>
+          </p:cNvPr>
+          <p:cNvSpPr/>
+          <p:nvPr/>
+        </p:nvSpPr>
+        <p:spPr>
+          <a:xfrm>
+            <a:off x="6215206" y="3993515"/>
+            <a:ext cx="1518012" cy="2314694"/>
+          </a:xfrm>
+          <a:prstGeom prst="roundRect">
+            <a:avLst/>
+          </a:prstGeom>
+          <a:noFill/>
+          <a:ln w="38100">
+            <a:solidFill>
+              <a:schemeClr val="tx1">
+                <a:lumMod val="50000"/>
+                <a:lumOff val="50000"/>
+              </a:schemeClr>
+            </a:solidFill>
+          </a:ln>
+        </p:spPr>
+        <p:style>
+          <a:lnRef idx="2">
+            <a:schemeClr val="accent1">
+              <a:shade val="50000"/>
+            </a:schemeClr>
+          </a:lnRef>
+          <a:fillRef idx="1">
+            <a:schemeClr val="accent1"/>
+          </a:fillRef>
+          <a:effectRef idx="0">
+            <a:schemeClr val="accent1"/>
+          </a:effectRef>
+          <a:fontRef idx="minor">
+            <a:schemeClr val="lt1"/>
+          </a:fontRef>
+        </p:style>
+        <p:txBody>
+          <a:bodyPr rtlCol="0" anchor="ctr"/>
+          <a:lstStyle/>
+          <a:p>
+            <a:pPr algn="ctr"/>
+            <a:endParaRPr kumimoji="1" lang="zh-TW" altLang="en-US"/>
+          </a:p>
+        </p:txBody>
+      </p:sp>
       <p:grpSp>
         <p:nvGrpSpPr>
-          <p:cNvPr id="32" name="群組 31">
+          <p:cNvPr id="7" name="群組 6">
             <a:extLst>
               <a:ext uri="{FF2B5EF4-FFF2-40B4-BE49-F238E27FC236}">
-                <a16:creationId xmlns:a16="http://schemas.microsoft.com/office/drawing/2014/main" id="{EE38A225-A7B7-B345-A966-DE2B66CD04BC}"/>
+                <a16:creationId xmlns:a16="http://schemas.microsoft.com/office/drawing/2014/main" id="{24D16F22-AB1A-6443-AAB0-271CEE2327C6}"/>
               </a:ext>
             </a:extLst>
           </p:cNvPr>
@@ -16408,158 +16529,55 @@
         </p:nvGrpSpPr>
         <p:grpSpPr>
           <a:xfrm>
-            <a:off x="763826" y="3700011"/>
-            <a:ext cx="10589973" cy="2412000"/>
-            <a:chOff x="763826" y="3700011"/>
-            <a:chExt cx="10589973" cy="2412000"/>
+            <a:off x="3285666" y="1366094"/>
+            <a:ext cx="5403850" cy="2288695"/>
+            <a:chOff x="2872338" y="1321356"/>
+            <a:chExt cx="5403850" cy="2288695"/>
           </a:xfrm>
         </p:grpSpPr>
-        <p:grpSp>
-          <p:nvGrpSpPr>
-            <p:cNvPr id="26" name="群組 25">
+        <p:pic>
+          <p:nvPicPr>
+            <p:cNvPr id="20" name="final_6254fc79ca90d90080914540_303302.mp4" descr="final_6254fc79ca90d90080914540_303302.mp4">
+              <a:hlinkClick r:id="" action="ppaction://media"/>
               <a:extLst>
                 <a:ext uri="{FF2B5EF4-FFF2-40B4-BE49-F238E27FC236}">
-                  <a16:creationId xmlns:a16="http://schemas.microsoft.com/office/drawing/2014/main" id="{FE8F7949-AF5B-0B4C-BCD1-E581C4EE1914}"/>
+                  <a16:creationId xmlns:a16="http://schemas.microsoft.com/office/drawing/2014/main" id="{6BFE43E6-0F28-684F-93F9-8A459B4A59B1}"/>
                 </a:ext>
               </a:extLst>
             </p:cNvPr>
-            <p:cNvGrpSpPr/>
-            <p:nvPr/>
-          </p:nvGrpSpPr>
-          <p:grpSpPr>
+            <p:cNvPicPr>
+              <a:picLocks noChangeAspect="1"/>
+            </p:cNvPicPr>
+            <p:nvPr>
+              <a:videoFile r:link="rId2"/>
+              <p:extLst>
+                <p:ext uri="{DAA4B4D4-6D71-4841-9C94-3DE7FCFB9230}">
+                  <p14:media xmlns:p14="http://schemas.microsoft.com/office/powerpoint/2010/main" r:embed="rId1"/>
+                </p:ext>
+              </p:extLst>
+            </p:nvPr>
+          </p:nvPicPr>
+          <p:blipFill rotWithShape="1">
+            <a:blip r:embed="rId5"/>
+            <a:srcRect l="-8" t="19001" r="2943" b="12009"/>
+            <a:stretch/>
+          </p:blipFill>
+          <p:spPr>
             <a:xfrm>
-              <a:off x="838201" y="3700011"/>
-              <a:ext cx="10515598" cy="2412000"/>
-              <a:chOff x="838200" y="3746635"/>
-              <a:chExt cx="10515598" cy="2412000"/>
+              <a:off x="2876188" y="1690688"/>
+              <a:ext cx="5400000" cy="1919363"/>
             </a:xfrm>
-          </p:grpSpPr>
-          <p:pic>
-            <p:nvPicPr>
-              <p:cNvPr id="25" name="final_62551188bfcbf100a213472a_483601.mp4" descr="final_62551188bfcbf100a213472a_483601.mp4">
-                <a:hlinkClick r:id="" action="ppaction://media"/>
-                <a:extLst>
-                  <a:ext uri="{FF2B5EF4-FFF2-40B4-BE49-F238E27FC236}">
-                    <a16:creationId xmlns:a16="http://schemas.microsoft.com/office/drawing/2014/main" id="{69709C73-6AB8-D74E-84EA-104300838674}"/>
-                  </a:ext>
-                </a:extLst>
-              </p:cNvPr>
-              <p:cNvPicPr>
-                <a:picLocks noChangeAspect="1"/>
-              </p:cNvPicPr>
-              <p:nvPr>
-                <a:videoFile r:link="rId2"/>
-                <p:extLst>
-                  <p:ext uri="{DAA4B4D4-6D71-4841-9C94-3DE7FCFB9230}">
-                    <p14:media xmlns:p14="http://schemas.microsoft.com/office/powerpoint/2010/main" r:embed="rId1"/>
-                  </p:ext>
-                </p:extLst>
-              </p:nvPr>
-            </p:nvPicPr>
-            <p:blipFill rotWithShape="1">
-              <a:blip r:embed="rId5"/>
-              <a:srcRect t="24535" b="13015"/>
-              <a:stretch/>
-            </p:blipFill>
-            <p:spPr>
-              <a:xfrm>
-                <a:off x="838200" y="4351924"/>
-                <a:ext cx="10515598" cy="1473200"/>
-              </a:xfrm>
-              <a:prstGeom prst="rect">
-                <a:avLst/>
-              </a:prstGeom>
-            </p:spPr>
-          </p:pic>
-          <p:pic>
-            <p:nvPicPr>
-              <p:cNvPr id="22" name="圖片 21">
-                <a:extLst>
-                  <a:ext uri="{FF2B5EF4-FFF2-40B4-BE49-F238E27FC236}">
-                    <a16:creationId xmlns:a16="http://schemas.microsoft.com/office/drawing/2014/main" id="{4E7E868F-8333-5D45-B66C-6C23806583E7}"/>
-                  </a:ext>
-                </a:extLst>
-              </p:cNvPr>
-              <p:cNvPicPr>
-                <a:picLocks noChangeAspect="1"/>
-              </p:cNvPicPr>
-              <p:nvPr/>
-            </p:nvPicPr>
-            <p:blipFill>
-              <a:blip r:embed="rId6"/>
-              <a:stretch>
-                <a:fillRect/>
-              </a:stretch>
-            </p:blipFill>
-            <p:spPr>
-              <a:xfrm>
-                <a:off x="9537700" y="5408883"/>
-                <a:ext cx="1702800" cy="416241"/>
-              </a:xfrm>
-              <a:prstGeom prst="rect">
-                <a:avLst/>
-              </a:prstGeom>
-            </p:spPr>
-          </p:pic>
-          <p:sp>
-            <p:nvSpPr>
-              <p:cNvPr id="23" name="矩形 22">
-                <a:extLst>
-                  <a:ext uri="{FF2B5EF4-FFF2-40B4-BE49-F238E27FC236}">
-                    <a16:creationId xmlns:a16="http://schemas.microsoft.com/office/drawing/2014/main" id="{1E2A662B-1F25-8349-AA61-7CB9BFEFDABE}"/>
-                  </a:ext>
-                </a:extLst>
-              </p:cNvPr>
-              <p:cNvSpPr/>
-              <p:nvPr/>
-            </p:nvSpPr>
-            <p:spPr>
-              <a:xfrm>
-                <a:off x="2794000" y="3746635"/>
-                <a:ext cx="90000" cy="2412000"/>
-              </a:xfrm>
-              <a:prstGeom prst="rect">
-                <a:avLst/>
-              </a:prstGeom>
-              <a:solidFill>
-                <a:schemeClr val="bg1"/>
-              </a:solidFill>
-              <a:ln>
-                <a:noFill/>
-              </a:ln>
-            </p:spPr>
-            <p:style>
-              <a:lnRef idx="2">
-                <a:schemeClr val="accent1">
-                  <a:shade val="50000"/>
-                </a:schemeClr>
-              </a:lnRef>
-              <a:fillRef idx="1">
-                <a:schemeClr val="accent1"/>
-              </a:fillRef>
-              <a:effectRef idx="0">
-                <a:schemeClr val="accent1"/>
-              </a:effectRef>
-              <a:fontRef idx="minor">
-                <a:schemeClr val="lt1"/>
-              </a:fontRef>
-            </p:style>
-            <p:txBody>
-              <a:bodyPr rtlCol="0" anchor="ctr"/>
-              <a:lstStyle/>
-              <a:p>
-                <a:pPr algn="ctr"/>
-                <a:endParaRPr kumimoji="1" lang="zh-TW" altLang="en-US" dirty="0"/>
-              </a:p>
-            </p:txBody>
-          </p:sp>
-        </p:grpSp>
+            <a:prstGeom prst="rect">
+              <a:avLst/>
+            </a:prstGeom>
+          </p:spPr>
+        </p:pic>
         <p:sp>
           <p:nvSpPr>
-            <p:cNvPr id="27" name="文字方塊 26">
+            <p:cNvPr id="24" name="文字方塊 23">
               <a:extLst>
                 <a:ext uri="{FF2B5EF4-FFF2-40B4-BE49-F238E27FC236}">
-                  <a16:creationId xmlns:a16="http://schemas.microsoft.com/office/drawing/2014/main" id="{6AB03AB6-A291-224B-ADEB-E7F131B89BD3}"/>
+                  <a16:creationId xmlns:a16="http://schemas.microsoft.com/office/drawing/2014/main" id="{06849326-FEEB-6740-B8DE-5405E44F12EF}"/>
                 </a:ext>
               </a:extLst>
             </p:cNvPr>
@@ -16568,8 +16586,8 @@
           </p:nvSpPr>
           <p:spPr>
             <a:xfrm>
-              <a:off x="763826" y="3957345"/>
-              <a:ext cx="1515095" cy="369332"/>
+              <a:off x="2872338" y="1321356"/>
+              <a:ext cx="1468415" cy="369332"/>
             </a:xfrm>
             <a:prstGeom prst="rect">
               <a:avLst/>
@@ -16584,7 +16602,7 @@
             <a:p>
               <a:r>
                 <a:rPr kumimoji="1" lang="en-US" altLang="zh-TW" b="1" dirty="0"/>
-                <a:t>Segmentation</a:t>
+                <a:t>Ground Truth</a:t>
               </a:r>
               <a:endParaRPr kumimoji="1" lang="zh-TW" altLang="en-US" b="1" dirty="0"/>
             </a:p>
@@ -16592,10 +16610,10 @@
         </p:sp>
         <p:sp>
           <p:nvSpPr>
-            <p:cNvPr id="28" name="文字方塊 27">
+            <p:cNvPr id="33" name="文字方塊 32">
               <a:extLst>
                 <a:ext uri="{FF2B5EF4-FFF2-40B4-BE49-F238E27FC236}">
-                  <a16:creationId xmlns:a16="http://schemas.microsoft.com/office/drawing/2014/main" id="{42D14041-29B5-C94C-978C-0EEC0C97AA30}"/>
+                  <a16:creationId xmlns:a16="http://schemas.microsoft.com/office/drawing/2014/main" id="{C4654B55-36AC-BC4E-AD3F-E7BAEF2CC469}"/>
                 </a:ext>
               </a:extLst>
             </p:cNvPr>
@@ -16604,48 +16622,8 @@
           </p:nvSpPr>
           <p:spPr>
             <a:xfrm>
-              <a:off x="2777712" y="3955386"/>
-              <a:ext cx="2292872" cy="369332"/>
-            </a:xfrm>
-            <a:prstGeom prst="rect">
-              <a:avLst/>
-            </a:prstGeom>
-            <a:noFill/>
-          </p:spPr>
-          <p:txBody>
-            <a:bodyPr wrap="square" rtlCol="0">
-              <a:spAutoFit/>
-            </a:bodyPr>
-            <a:lstStyle/>
-            <a:p>
-              <a:r>
-                <a:rPr kumimoji="1" lang="en-US" altLang="zh-TW" b="1" dirty="0"/>
-                <a:t>Entropy Loss </a:t>
-              </a:r>
-              <a:r>
-                <a:rPr kumimoji="1" lang="en-US" altLang="zh-TW" dirty="0"/>
-                <a:t>(argmax)</a:t>
-              </a:r>
-              <a:endParaRPr kumimoji="1" lang="zh-TW" altLang="en-US" dirty="0"/>
-            </a:p>
-          </p:txBody>
-        </p:sp>
-        <p:sp>
-          <p:nvSpPr>
-            <p:cNvPr id="29" name="文字方塊 28">
-              <a:extLst>
-                <a:ext uri="{FF2B5EF4-FFF2-40B4-BE49-F238E27FC236}">
-                  <a16:creationId xmlns:a16="http://schemas.microsoft.com/office/drawing/2014/main" id="{D30A1F15-038D-A144-9F6C-46139AE7D411}"/>
-                </a:ext>
-              </a:extLst>
-            </p:cNvPr>
-            <p:cNvSpPr txBox="1"/>
-            <p:nvPr/>
-          </p:nvSpPr>
-          <p:spPr>
-            <a:xfrm>
-              <a:off x="4914176" y="3935968"/>
-              <a:ext cx="2282163" cy="369332"/>
+              <a:off x="5805319" y="1321356"/>
+              <a:ext cx="2470869" cy="369332"/>
             </a:xfrm>
             <a:prstGeom prst="rect">
               <a:avLst/>
@@ -16660,91 +16638,7 @@
             <a:p>
               <a:r>
                 <a:rPr kumimoji="1" lang="en-US" altLang="zh-TW" b="1" dirty="0"/>
-                <a:t>Entropy Loss </a:t>
-              </a:r>
-              <a:r>
-                <a:rPr kumimoji="1" lang="en-US" altLang="zh-TW" dirty="0"/>
-                <a:t>(healthy)</a:t>
-              </a:r>
-              <a:endParaRPr kumimoji="1" lang="zh-TW" altLang="en-US" dirty="0"/>
-            </a:p>
-          </p:txBody>
-        </p:sp>
-        <p:sp>
-          <p:nvSpPr>
-            <p:cNvPr id="30" name="文字方塊 29">
-              <a:extLst>
-                <a:ext uri="{FF2B5EF4-FFF2-40B4-BE49-F238E27FC236}">
-                  <a16:creationId xmlns:a16="http://schemas.microsoft.com/office/drawing/2014/main" id="{57AB5CA6-011E-B44C-A59C-D86B0BBECB18}"/>
-                </a:ext>
-              </a:extLst>
-            </p:cNvPr>
-            <p:cNvSpPr txBox="1"/>
-            <p:nvPr/>
-          </p:nvSpPr>
-          <p:spPr>
-            <a:xfrm>
-              <a:off x="7071896" y="3935968"/>
-              <a:ext cx="1502334" cy="369332"/>
-            </a:xfrm>
-            <a:prstGeom prst="rect">
-              <a:avLst/>
-            </a:prstGeom>
-            <a:noFill/>
-          </p:spPr>
-          <p:txBody>
-            <a:bodyPr wrap="none" rtlCol="0">
-              <a:spAutoFit/>
-            </a:bodyPr>
-            <a:lstStyle/>
-            <a:p>
-              <a:r>
-                <a:rPr kumimoji="1" lang="en-US" altLang="zh-TW" b="1" dirty="0"/>
-                <a:t>Dice </a:t>
-              </a:r>
-              <a:r>
-                <a:rPr kumimoji="1" lang="en-US" altLang="zh-TW" dirty="0"/>
-                <a:t>(argmax)</a:t>
-              </a:r>
-              <a:endParaRPr kumimoji="1" lang="zh-TW" altLang="en-US" dirty="0"/>
-            </a:p>
-          </p:txBody>
-        </p:sp>
-        <p:sp>
-          <p:nvSpPr>
-            <p:cNvPr id="31" name="文字方塊 30">
-              <a:extLst>
-                <a:ext uri="{FF2B5EF4-FFF2-40B4-BE49-F238E27FC236}">
-                  <a16:creationId xmlns:a16="http://schemas.microsoft.com/office/drawing/2014/main" id="{F2E73A02-B2A7-8744-9D71-D054B04BA269}"/>
-                </a:ext>
-              </a:extLst>
-            </p:cNvPr>
-            <p:cNvSpPr txBox="1"/>
-            <p:nvPr/>
-          </p:nvSpPr>
-          <p:spPr>
-            <a:xfrm>
-              <a:off x="9212847" y="3935968"/>
-              <a:ext cx="1512594" cy="369332"/>
-            </a:xfrm>
-            <a:prstGeom prst="rect">
-              <a:avLst/>
-            </a:prstGeom>
-            <a:noFill/>
-          </p:spPr>
-          <p:txBody>
-            <a:bodyPr wrap="none" rtlCol="0">
-              <a:spAutoFit/>
-            </a:bodyPr>
-            <a:lstStyle/>
-            <a:p>
-              <a:r>
-                <a:rPr kumimoji="1" lang="en-US" altLang="zh-TW" b="1" dirty="0"/>
-                <a:t>Dice </a:t>
-              </a:r>
-              <a:r>
-                <a:rPr kumimoji="1" lang="en-US" altLang="zh-TW" dirty="0"/>
-                <a:t>(healthy)</a:t>
+                <a:t>Proposed Segmentation</a:t>
               </a:r>
               <a:endParaRPr kumimoji="1" lang="zh-TW" altLang="en-US" dirty="0"/>
             </a:p>
@@ -16774,7 +16668,7 @@
                   </p:stCondLst>
                 </p:cTn>
                 <p:tgtEl>
-                  <p:spTgt spid="25"/>
+                  <p:spTgt spid="20"/>
                 </p:tgtEl>
               </p:cMediaNode>
             </p:video>
@@ -16876,7 +16770,7 @@
           <p:nvPr/>
         </p:nvPicPr>
         <p:blipFill>
-          <a:blip r:embed="rId2"/>
+          <a:blip r:embed="rId3"/>
           <a:stretch>
             <a:fillRect/>
           </a:stretch>
